--- a/fraud_detection.pptx
+++ b/fraud_detection.pptx
@@ -4,11 +4,25 @@
   <p:sldMasterIdLst>
     <p:sldMasterId id="2147483648" r:id="rId1"/>
   </p:sldMasterIdLst>
+  <p:notesMasterIdLst>
+    <p:notesMasterId r:id="rId17"/>
+  </p:notesMasterIdLst>
   <p:sldIdLst>
     <p:sldId id="1787" r:id="rId2"/>
-    <p:sldId id="698" r:id="rId3"/>
-    <p:sldId id="795" r:id="rId4"/>
-    <p:sldId id="474" r:id="rId5"/>
+    <p:sldId id="1793" r:id="rId3"/>
+    <p:sldId id="698" r:id="rId4"/>
+    <p:sldId id="795" r:id="rId5"/>
+    <p:sldId id="1791" r:id="rId6"/>
+    <p:sldId id="474" r:id="rId7"/>
+    <p:sldId id="1792" r:id="rId8"/>
+    <p:sldId id="1789" r:id="rId9"/>
+    <p:sldId id="592" r:id="rId10"/>
+    <p:sldId id="1799" r:id="rId11"/>
+    <p:sldId id="1795" r:id="rId12"/>
+    <p:sldId id="743" r:id="rId13"/>
+    <p:sldId id="1801" r:id="rId14"/>
+    <p:sldId id="1796" r:id="rId15"/>
+    <p:sldId id="282" r:id="rId16"/>
   </p:sldIdLst>
   <p:sldSz cx="12192000" cy="6858000"/>
   <p:notesSz cx="6858000" cy="9144000"/>
@@ -115,6 +129,1213 @@
 </p:presentation>
 </file>
 
+<file path=ppt/notesMasters/notesMaster1.xml><?xml version="1.0" encoding="utf-8"?>
+<p:notesMaster xmlns:a="http://schemas.openxmlformats.org/drawingml/2006/main" xmlns:r="http://schemas.openxmlformats.org/officeDocument/2006/relationships" xmlns:p="http://schemas.openxmlformats.org/presentationml/2006/main">
+  <p:cSld>
+    <p:bg>
+      <p:bgRef idx="1001">
+        <a:schemeClr val="bg1"/>
+      </p:bgRef>
+    </p:bg>
+    <p:spTree>
+      <p:nvGrpSpPr>
+        <p:cNvPr id="1" name=""/>
+        <p:cNvGrpSpPr/>
+        <p:nvPr/>
+      </p:nvGrpSpPr>
+      <p:grpSpPr>
+        <a:xfrm>
+          <a:off x="0" y="0"/>
+          <a:ext cx="0" cy="0"/>
+          <a:chOff x="0" y="0"/>
+          <a:chExt cx="0" cy="0"/>
+        </a:xfrm>
+      </p:grpSpPr>
+      <p:sp>
+        <p:nvSpPr>
+          <p:cNvPr id="2" name="Header Placeholder 1"/>
+          <p:cNvSpPr>
+            <a:spLocks noGrp="1"/>
+          </p:cNvSpPr>
+          <p:nvPr>
+            <p:ph type="hdr" sz="quarter"/>
+          </p:nvPr>
+        </p:nvSpPr>
+        <p:spPr>
+          <a:xfrm>
+            <a:off x="0" y="0"/>
+            <a:ext cx="2971800" cy="458788"/>
+          </a:xfrm>
+          <a:prstGeom prst="rect">
+            <a:avLst/>
+          </a:prstGeom>
+        </p:spPr>
+        <p:txBody>
+          <a:bodyPr vert="horz" lIns="91440" tIns="45720" rIns="91440" bIns="45720" rtlCol="0"/>
+          <a:lstStyle>
+            <a:lvl1pPr algn="l">
+              <a:defRPr sz="1200"/>
+            </a:lvl1pPr>
+          </a:lstStyle>
+          <a:p>
+            <a:endParaRPr lang="en-US"/>
+          </a:p>
+        </p:txBody>
+      </p:sp>
+      <p:sp>
+        <p:nvSpPr>
+          <p:cNvPr id="3" name="Date Placeholder 2"/>
+          <p:cNvSpPr>
+            <a:spLocks noGrp="1"/>
+          </p:cNvSpPr>
+          <p:nvPr>
+            <p:ph type="dt" idx="1"/>
+          </p:nvPr>
+        </p:nvSpPr>
+        <p:spPr>
+          <a:xfrm>
+            <a:off x="3884613" y="0"/>
+            <a:ext cx="2971800" cy="458788"/>
+          </a:xfrm>
+          <a:prstGeom prst="rect">
+            <a:avLst/>
+          </a:prstGeom>
+        </p:spPr>
+        <p:txBody>
+          <a:bodyPr vert="horz" lIns="91440" tIns="45720" rIns="91440" bIns="45720" rtlCol="0"/>
+          <a:lstStyle>
+            <a:lvl1pPr algn="r">
+              <a:defRPr sz="1200"/>
+            </a:lvl1pPr>
+          </a:lstStyle>
+          <a:p>
+            <a:fld id="{D5E84897-7AE0-4D04-8734-549748834148}" type="datetimeFigureOut">
+              <a:rPr lang="en-US" smtClean="0"/>
+              <a:t>3/30/2023</a:t>
+            </a:fld>
+            <a:endParaRPr lang="en-US"/>
+          </a:p>
+        </p:txBody>
+      </p:sp>
+      <p:sp>
+        <p:nvSpPr>
+          <p:cNvPr id="4" name="Slide Image Placeholder 3"/>
+          <p:cNvSpPr>
+            <a:spLocks noGrp="1" noRot="1" noChangeAspect="1"/>
+          </p:cNvSpPr>
+          <p:nvPr>
+            <p:ph type="sldImg" idx="2"/>
+          </p:nvPr>
+        </p:nvSpPr>
+        <p:spPr>
+          <a:xfrm>
+            <a:off x="685800" y="1143000"/>
+            <a:ext cx="5486400" cy="3086100"/>
+          </a:xfrm>
+          <a:prstGeom prst="rect">
+            <a:avLst/>
+          </a:prstGeom>
+          <a:noFill/>
+          <a:ln w="12700">
+            <a:solidFill>
+              <a:prstClr val="black"/>
+            </a:solidFill>
+          </a:ln>
+        </p:spPr>
+        <p:txBody>
+          <a:bodyPr vert="horz" lIns="91440" tIns="45720" rIns="91440" bIns="45720" rtlCol="0" anchor="ctr"/>
+          <a:lstStyle/>
+          <a:p>
+            <a:endParaRPr lang="en-US"/>
+          </a:p>
+        </p:txBody>
+      </p:sp>
+      <p:sp>
+        <p:nvSpPr>
+          <p:cNvPr id="5" name="Notes Placeholder 4"/>
+          <p:cNvSpPr>
+            <a:spLocks noGrp="1"/>
+          </p:cNvSpPr>
+          <p:nvPr>
+            <p:ph type="body" sz="quarter" idx="3"/>
+          </p:nvPr>
+        </p:nvSpPr>
+        <p:spPr>
+          <a:xfrm>
+            <a:off x="685800" y="4400550"/>
+            <a:ext cx="5486400" cy="3600450"/>
+          </a:xfrm>
+          <a:prstGeom prst="rect">
+            <a:avLst/>
+          </a:prstGeom>
+        </p:spPr>
+        <p:txBody>
+          <a:bodyPr vert="horz" lIns="91440" tIns="45720" rIns="91440" bIns="45720" rtlCol="0"/>
+          <a:lstStyle/>
+          <a:p>
+            <a:pPr lvl="0"/>
+            <a:r>
+              <a:rPr lang="en-US"/>
+              <a:t>Click to edit Master text styles</a:t>
+            </a:r>
+          </a:p>
+          <a:p>
+            <a:pPr lvl="1"/>
+            <a:r>
+              <a:rPr lang="en-US"/>
+              <a:t>Second level</a:t>
+            </a:r>
+          </a:p>
+          <a:p>
+            <a:pPr lvl="2"/>
+            <a:r>
+              <a:rPr lang="en-US"/>
+              <a:t>Third level</a:t>
+            </a:r>
+          </a:p>
+          <a:p>
+            <a:pPr lvl="3"/>
+            <a:r>
+              <a:rPr lang="en-US"/>
+              <a:t>Fourth level</a:t>
+            </a:r>
+          </a:p>
+          <a:p>
+            <a:pPr lvl="4"/>
+            <a:r>
+              <a:rPr lang="en-US"/>
+              <a:t>Fifth level</a:t>
+            </a:r>
+          </a:p>
+        </p:txBody>
+      </p:sp>
+      <p:sp>
+        <p:nvSpPr>
+          <p:cNvPr id="6" name="Footer Placeholder 5"/>
+          <p:cNvSpPr>
+            <a:spLocks noGrp="1"/>
+          </p:cNvSpPr>
+          <p:nvPr>
+            <p:ph type="ftr" sz="quarter" idx="4"/>
+          </p:nvPr>
+        </p:nvSpPr>
+        <p:spPr>
+          <a:xfrm>
+            <a:off x="0" y="8685213"/>
+            <a:ext cx="2971800" cy="458787"/>
+          </a:xfrm>
+          <a:prstGeom prst="rect">
+            <a:avLst/>
+          </a:prstGeom>
+        </p:spPr>
+        <p:txBody>
+          <a:bodyPr vert="horz" lIns="91440" tIns="45720" rIns="91440" bIns="45720" rtlCol="0" anchor="b"/>
+          <a:lstStyle>
+            <a:lvl1pPr algn="l">
+              <a:defRPr sz="1200"/>
+            </a:lvl1pPr>
+          </a:lstStyle>
+          <a:p>
+            <a:endParaRPr lang="en-US"/>
+          </a:p>
+        </p:txBody>
+      </p:sp>
+      <p:sp>
+        <p:nvSpPr>
+          <p:cNvPr id="7" name="Slide Number Placeholder 6"/>
+          <p:cNvSpPr>
+            <a:spLocks noGrp="1"/>
+          </p:cNvSpPr>
+          <p:nvPr>
+            <p:ph type="sldNum" sz="quarter" idx="5"/>
+          </p:nvPr>
+        </p:nvSpPr>
+        <p:spPr>
+          <a:xfrm>
+            <a:off x="3884613" y="8685213"/>
+            <a:ext cx="2971800" cy="458787"/>
+          </a:xfrm>
+          <a:prstGeom prst="rect">
+            <a:avLst/>
+          </a:prstGeom>
+        </p:spPr>
+        <p:txBody>
+          <a:bodyPr vert="horz" lIns="91440" tIns="45720" rIns="91440" bIns="45720" rtlCol="0" anchor="b"/>
+          <a:lstStyle>
+            <a:lvl1pPr algn="r">
+              <a:defRPr sz="1200"/>
+            </a:lvl1pPr>
+          </a:lstStyle>
+          <a:p>
+            <a:fld id="{C358A4E0-BE1C-4922-8ACA-E9B911FE88FE}" type="slidenum">
+              <a:rPr lang="en-US" smtClean="0"/>
+              <a:t>‹#›</a:t>
+            </a:fld>
+            <a:endParaRPr lang="en-US"/>
+          </a:p>
+        </p:txBody>
+      </p:sp>
+    </p:spTree>
+    <p:extLst>
+      <p:ext uri="{BB962C8B-B14F-4D97-AF65-F5344CB8AC3E}">
+        <p14:creationId xmlns:p14="http://schemas.microsoft.com/office/powerpoint/2010/main" val="2955974390"/>
+      </p:ext>
+    </p:extLst>
+  </p:cSld>
+  <p:clrMap bg1="lt1" tx1="dk1" bg2="lt2" tx2="dk2" accent1="accent1" accent2="accent2" accent3="accent3" accent4="accent4" accent5="accent5" accent6="accent6" hlink="hlink" folHlink="folHlink"/>
+  <p:notesStyle>
+    <a:lvl1pPr marL="0" algn="l" defTabSz="914400" rtl="0" eaLnBrk="1" latinLnBrk="0" hangingPunct="1">
+      <a:defRPr sz="1200" kern="1200">
+        <a:solidFill>
+          <a:schemeClr val="tx1"/>
+        </a:solidFill>
+        <a:latin typeface="+mn-lt"/>
+        <a:ea typeface="+mn-ea"/>
+        <a:cs typeface="+mn-cs"/>
+      </a:defRPr>
+    </a:lvl1pPr>
+    <a:lvl2pPr marL="457200" algn="l" defTabSz="914400" rtl="0" eaLnBrk="1" latinLnBrk="0" hangingPunct="1">
+      <a:defRPr sz="1200" kern="1200">
+        <a:solidFill>
+          <a:schemeClr val="tx1"/>
+        </a:solidFill>
+        <a:latin typeface="+mn-lt"/>
+        <a:ea typeface="+mn-ea"/>
+        <a:cs typeface="+mn-cs"/>
+      </a:defRPr>
+    </a:lvl2pPr>
+    <a:lvl3pPr marL="914400" algn="l" defTabSz="914400" rtl="0" eaLnBrk="1" latinLnBrk="0" hangingPunct="1">
+      <a:defRPr sz="1200" kern="1200">
+        <a:solidFill>
+          <a:schemeClr val="tx1"/>
+        </a:solidFill>
+        <a:latin typeface="+mn-lt"/>
+        <a:ea typeface="+mn-ea"/>
+        <a:cs typeface="+mn-cs"/>
+      </a:defRPr>
+    </a:lvl3pPr>
+    <a:lvl4pPr marL="1371600" algn="l" defTabSz="914400" rtl="0" eaLnBrk="1" latinLnBrk="0" hangingPunct="1">
+      <a:defRPr sz="1200" kern="1200">
+        <a:solidFill>
+          <a:schemeClr val="tx1"/>
+        </a:solidFill>
+        <a:latin typeface="+mn-lt"/>
+        <a:ea typeface="+mn-ea"/>
+        <a:cs typeface="+mn-cs"/>
+      </a:defRPr>
+    </a:lvl4pPr>
+    <a:lvl5pPr marL="1828800" algn="l" defTabSz="914400" rtl="0" eaLnBrk="1" latinLnBrk="0" hangingPunct="1">
+      <a:defRPr sz="1200" kern="1200">
+        <a:solidFill>
+          <a:schemeClr val="tx1"/>
+        </a:solidFill>
+        <a:latin typeface="+mn-lt"/>
+        <a:ea typeface="+mn-ea"/>
+        <a:cs typeface="+mn-cs"/>
+      </a:defRPr>
+    </a:lvl5pPr>
+    <a:lvl6pPr marL="2286000" algn="l" defTabSz="914400" rtl="0" eaLnBrk="1" latinLnBrk="0" hangingPunct="1">
+      <a:defRPr sz="1200" kern="1200">
+        <a:solidFill>
+          <a:schemeClr val="tx1"/>
+        </a:solidFill>
+        <a:latin typeface="+mn-lt"/>
+        <a:ea typeface="+mn-ea"/>
+        <a:cs typeface="+mn-cs"/>
+      </a:defRPr>
+    </a:lvl6pPr>
+    <a:lvl7pPr marL="2743200" algn="l" defTabSz="914400" rtl="0" eaLnBrk="1" latinLnBrk="0" hangingPunct="1">
+      <a:defRPr sz="1200" kern="1200">
+        <a:solidFill>
+          <a:schemeClr val="tx1"/>
+        </a:solidFill>
+        <a:latin typeface="+mn-lt"/>
+        <a:ea typeface="+mn-ea"/>
+        <a:cs typeface="+mn-cs"/>
+      </a:defRPr>
+    </a:lvl7pPr>
+    <a:lvl8pPr marL="3200400" algn="l" defTabSz="914400" rtl="0" eaLnBrk="1" latinLnBrk="0" hangingPunct="1">
+      <a:defRPr sz="1200" kern="1200">
+        <a:solidFill>
+          <a:schemeClr val="tx1"/>
+        </a:solidFill>
+        <a:latin typeface="+mn-lt"/>
+        <a:ea typeface="+mn-ea"/>
+        <a:cs typeface="+mn-cs"/>
+      </a:defRPr>
+    </a:lvl8pPr>
+    <a:lvl9pPr marL="3657600" algn="l" defTabSz="914400" rtl="0" eaLnBrk="1" latinLnBrk="0" hangingPunct="1">
+      <a:defRPr sz="1200" kern="1200">
+        <a:solidFill>
+          <a:schemeClr val="tx1"/>
+        </a:solidFill>
+        <a:latin typeface="+mn-lt"/>
+        <a:ea typeface="+mn-ea"/>
+        <a:cs typeface="+mn-cs"/>
+      </a:defRPr>
+    </a:lvl9pPr>
+  </p:notesStyle>
+</p:notesMaster>
+</file>
+
+<file path=ppt/notesSlides/notesSlide1.xml><?xml version="1.0" encoding="utf-8"?>
+<p:notes xmlns:a="http://schemas.openxmlformats.org/drawingml/2006/main" xmlns:r="http://schemas.openxmlformats.org/officeDocument/2006/relationships" xmlns:p="http://schemas.openxmlformats.org/presentationml/2006/main">
+  <p:cSld>
+    <p:spTree>
+      <p:nvGrpSpPr>
+        <p:cNvPr id="1" name=""/>
+        <p:cNvGrpSpPr/>
+        <p:nvPr/>
+      </p:nvGrpSpPr>
+      <p:grpSpPr>
+        <a:xfrm>
+          <a:off x="0" y="0"/>
+          <a:ext cx="0" cy="0"/>
+          <a:chOff x="0" y="0"/>
+          <a:chExt cx="0" cy="0"/>
+        </a:xfrm>
+      </p:grpSpPr>
+      <p:sp>
+        <p:nvSpPr>
+          <p:cNvPr id="2" name="Slide Image Placeholder 1"/>
+          <p:cNvSpPr>
+            <a:spLocks noGrp="1" noRot="1" noChangeAspect="1"/>
+          </p:cNvSpPr>
+          <p:nvPr>
+            <p:ph type="sldImg"/>
+          </p:nvPr>
+        </p:nvSpPr>
+        <p:spPr>
+          <a:xfrm>
+            <a:off x="458788" y="720725"/>
+            <a:ext cx="6397625" cy="3598863"/>
+          </a:xfrm>
+        </p:spPr>
+      </p:sp>
+      <p:sp>
+        <p:nvSpPr>
+          <p:cNvPr id="3" name="Notes Placeholder 2"/>
+          <p:cNvSpPr>
+            <a:spLocks noGrp="1"/>
+          </p:cNvSpPr>
+          <p:nvPr>
+            <p:ph type="body" idx="1"/>
+          </p:nvPr>
+        </p:nvSpPr>
+        <p:spPr/>
+        <p:txBody>
+          <a:bodyPr/>
+          <a:lstStyle/>
+          <a:p>
+            <a:endParaRPr lang="en-US" dirty="0"/>
+          </a:p>
+        </p:txBody>
+      </p:sp>
+      <p:sp>
+        <p:nvSpPr>
+          <p:cNvPr id="4" name="Slide Number Placeholder 3"/>
+          <p:cNvSpPr>
+            <a:spLocks noGrp="1"/>
+          </p:cNvSpPr>
+          <p:nvPr>
+            <p:ph type="sldNum" sz="quarter" idx="10"/>
+          </p:nvPr>
+        </p:nvSpPr>
+        <p:spPr/>
+        <p:txBody>
+          <a:bodyPr/>
+          <a:lstStyle/>
+          <a:p>
+            <a:pPr>
+              <a:defRPr/>
+            </a:pPr>
+            <a:fld id="{DB19E439-0A36-4389-B1D4-036D35E9F4EA}" type="slidenum">
+              <a:rPr lang="en-US" smtClean="0"/>
+              <a:pPr>
+                <a:defRPr/>
+              </a:pPr>
+              <a:t>8</a:t>
+            </a:fld>
+            <a:endParaRPr lang="en-US" dirty="0"/>
+          </a:p>
+        </p:txBody>
+      </p:sp>
+    </p:spTree>
+    <p:extLst>
+      <p:ext uri="{BB962C8B-B14F-4D97-AF65-F5344CB8AC3E}">
+        <p14:creationId xmlns:p14="http://schemas.microsoft.com/office/powerpoint/2010/main" val="702724319"/>
+      </p:ext>
+    </p:extLst>
+  </p:cSld>
+  <p:clrMapOvr>
+    <a:masterClrMapping/>
+  </p:clrMapOvr>
+</p:notes>
+</file>
+
+<file path=ppt/notesSlides/notesSlide2.xml><?xml version="1.0" encoding="utf-8"?>
+<p:notes xmlns:a="http://schemas.openxmlformats.org/drawingml/2006/main" xmlns:r="http://schemas.openxmlformats.org/officeDocument/2006/relationships" xmlns:p="http://schemas.openxmlformats.org/presentationml/2006/main">
+  <p:cSld>
+    <p:spTree>
+      <p:nvGrpSpPr>
+        <p:cNvPr id="1" name=""/>
+        <p:cNvGrpSpPr/>
+        <p:nvPr/>
+      </p:nvGrpSpPr>
+      <p:grpSpPr>
+        <a:xfrm>
+          <a:off x="0" y="0"/>
+          <a:ext cx="0" cy="0"/>
+          <a:chOff x="0" y="0"/>
+          <a:chExt cx="0" cy="0"/>
+        </a:xfrm>
+      </p:grpSpPr>
+      <p:sp>
+        <p:nvSpPr>
+          <p:cNvPr id="2" name="Slide Image Placeholder 1"/>
+          <p:cNvSpPr>
+            <a:spLocks noGrp="1" noRot="1" noChangeAspect="1"/>
+          </p:cNvSpPr>
+          <p:nvPr>
+            <p:ph type="sldImg"/>
+          </p:nvPr>
+        </p:nvSpPr>
+        <p:spPr>
+          <a:xfrm>
+            <a:off x="458788" y="720725"/>
+            <a:ext cx="6397625" cy="3598863"/>
+          </a:xfrm>
+        </p:spPr>
+      </p:sp>
+      <p:sp>
+        <p:nvSpPr>
+          <p:cNvPr id="3" name="Notes Placeholder 2"/>
+          <p:cNvSpPr>
+            <a:spLocks noGrp="1"/>
+          </p:cNvSpPr>
+          <p:nvPr>
+            <p:ph type="body" idx="1"/>
+          </p:nvPr>
+        </p:nvSpPr>
+        <p:spPr/>
+        <p:txBody>
+          <a:bodyPr/>
+          <a:lstStyle/>
+          <a:p>
+            <a:endParaRPr lang="en-US" dirty="0"/>
+          </a:p>
+        </p:txBody>
+      </p:sp>
+      <p:sp>
+        <p:nvSpPr>
+          <p:cNvPr id="4" name="Slide Number Placeholder 3"/>
+          <p:cNvSpPr>
+            <a:spLocks noGrp="1"/>
+          </p:cNvSpPr>
+          <p:nvPr>
+            <p:ph type="sldNum" sz="quarter" idx="10"/>
+          </p:nvPr>
+        </p:nvSpPr>
+        <p:spPr/>
+        <p:txBody>
+          <a:bodyPr/>
+          <a:lstStyle/>
+          <a:p>
+            <a:pPr>
+              <a:defRPr/>
+            </a:pPr>
+            <a:fld id="{DB19E439-0A36-4389-B1D4-036D35E9F4EA}" type="slidenum">
+              <a:rPr lang="en-US" smtClean="0"/>
+              <a:pPr>
+                <a:defRPr/>
+              </a:pPr>
+              <a:t>9</a:t>
+            </a:fld>
+            <a:endParaRPr lang="en-US" dirty="0"/>
+          </a:p>
+        </p:txBody>
+      </p:sp>
+    </p:spTree>
+    <p:extLst>
+      <p:ext uri="{BB962C8B-B14F-4D97-AF65-F5344CB8AC3E}">
+        <p14:creationId xmlns:p14="http://schemas.microsoft.com/office/powerpoint/2010/main" val="513202007"/>
+      </p:ext>
+    </p:extLst>
+  </p:cSld>
+  <p:clrMapOvr>
+    <a:masterClrMapping/>
+  </p:clrMapOvr>
+</p:notes>
+</file>
+
+<file path=ppt/notesSlides/notesSlide3.xml><?xml version="1.0" encoding="utf-8"?>
+<p:notes xmlns:a="http://schemas.openxmlformats.org/drawingml/2006/main" xmlns:r="http://schemas.openxmlformats.org/officeDocument/2006/relationships" xmlns:p="http://schemas.openxmlformats.org/presentationml/2006/main">
+  <p:cSld>
+    <p:spTree>
+      <p:nvGrpSpPr>
+        <p:cNvPr id="1" name=""/>
+        <p:cNvGrpSpPr/>
+        <p:nvPr/>
+      </p:nvGrpSpPr>
+      <p:grpSpPr>
+        <a:xfrm>
+          <a:off x="0" y="0"/>
+          <a:ext cx="0" cy="0"/>
+          <a:chOff x="0" y="0"/>
+          <a:chExt cx="0" cy="0"/>
+        </a:xfrm>
+      </p:grpSpPr>
+      <p:sp>
+        <p:nvSpPr>
+          <p:cNvPr id="2" name="Slide Image Placeholder 1"/>
+          <p:cNvSpPr>
+            <a:spLocks noGrp="1" noRot="1" noChangeAspect="1"/>
+          </p:cNvSpPr>
+          <p:nvPr>
+            <p:ph type="sldImg"/>
+          </p:nvPr>
+        </p:nvSpPr>
+        <p:spPr>
+          <a:xfrm>
+            <a:off x="458788" y="720725"/>
+            <a:ext cx="6397625" cy="3598863"/>
+          </a:xfrm>
+        </p:spPr>
+      </p:sp>
+      <p:sp>
+        <p:nvSpPr>
+          <p:cNvPr id="3" name="Notes Placeholder 2"/>
+          <p:cNvSpPr>
+            <a:spLocks noGrp="1"/>
+          </p:cNvSpPr>
+          <p:nvPr>
+            <p:ph type="body" idx="1"/>
+          </p:nvPr>
+        </p:nvSpPr>
+        <p:spPr/>
+        <p:txBody>
+          <a:bodyPr/>
+          <a:lstStyle/>
+          <a:p>
+            <a:endParaRPr lang="en-US" dirty="0"/>
+          </a:p>
+        </p:txBody>
+      </p:sp>
+      <p:sp>
+        <p:nvSpPr>
+          <p:cNvPr id="4" name="Slide Number Placeholder 3"/>
+          <p:cNvSpPr>
+            <a:spLocks noGrp="1"/>
+          </p:cNvSpPr>
+          <p:nvPr>
+            <p:ph type="sldNum" sz="quarter" idx="10"/>
+          </p:nvPr>
+        </p:nvSpPr>
+        <p:spPr/>
+        <p:txBody>
+          <a:bodyPr/>
+          <a:lstStyle/>
+          <a:p>
+            <a:pPr>
+              <a:defRPr/>
+            </a:pPr>
+            <a:fld id="{DB19E439-0A36-4389-B1D4-036D35E9F4EA}" type="slidenum">
+              <a:rPr lang="en-US" smtClean="0"/>
+              <a:pPr>
+                <a:defRPr/>
+              </a:pPr>
+              <a:t>10</a:t>
+            </a:fld>
+            <a:endParaRPr lang="en-US" dirty="0"/>
+          </a:p>
+        </p:txBody>
+      </p:sp>
+    </p:spTree>
+    <p:extLst>
+      <p:ext uri="{BB962C8B-B14F-4D97-AF65-F5344CB8AC3E}">
+        <p14:creationId xmlns:p14="http://schemas.microsoft.com/office/powerpoint/2010/main" val="1913633894"/>
+      </p:ext>
+    </p:extLst>
+  </p:cSld>
+  <p:clrMapOvr>
+    <a:masterClrMapping/>
+  </p:clrMapOvr>
+</p:notes>
+</file>
+
+<file path=ppt/notesSlides/notesSlide4.xml><?xml version="1.0" encoding="utf-8"?>
+<p:notes xmlns:a="http://schemas.openxmlformats.org/drawingml/2006/main" xmlns:r="http://schemas.openxmlformats.org/officeDocument/2006/relationships" xmlns:p="http://schemas.openxmlformats.org/presentationml/2006/main">
+  <p:cSld>
+    <p:spTree>
+      <p:nvGrpSpPr>
+        <p:cNvPr id="1" name=""/>
+        <p:cNvGrpSpPr/>
+        <p:nvPr/>
+      </p:nvGrpSpPr>
+      <p:grpSpPr>
+        <a:xfrm>
+          <a:off x="0" y="0"/>
+          <a:ext cx="0" cy="0"/>
+          <a:chOff x="0" y="0"/>
+          <a:chExt cx="0" cy="0"/>
+        </a:xfrm>
+      </p:grpSpPr>
+      <p:sp>
+        <p:nvSpPr>
+          <p:cNvPr id="2" name="Slide Image Placeholder 1"/>
+          <p:cNvSpPr>
+            <a:spLocks noGrp="1" noRot="1" noChangeAspect="1"/>
+          </p:cNvSpPr>
+          <p:nvPr>
+            <p:ph type="sldImg"/>
+          </p:nvPr>
+        </p:nvSpPr>
+        <p:spPr>
+          <a:xfrm>
+            <a:off x="458788" y="720725"/>
+            <a:ext cx="6397625" cy="3598863"/>
+          </a:xfrm>
+        </p:spPr>
+      </p:sp>
+      <p:sp>
+        <p:nvSpPr>
+          <p:cNvPr id="3" name="Notes Placeholder 2"/>
+          <p:cNvSpPr>
+            <a:spLocks noGrp="1"/>
+          </p:cNvSpPr>
+          <p:nvPr>
+            <p:ph type="body" idx="1"/>
+          </p:nvPr>
+        </p:nvSpPr>
+        <p:spPr/>
+        <p:txBody>
+          <a:bodyPr/>
+          <a:lstStyle/>
+          <a:p>
+            <a:endParaRPr lang="en-US" dirty="0"/>
+          </a:p>
+        </p:txBody>
+      </p:sp>
+      <p:sp>
+        <p:nvSpPr>
+          <p:cNvPr id="4" name="Slide Number Placeholder 3"/>
+          <p:cNvSpPr>
+            <a:spLocks noGrp="1"/>
+          </p:cNvSpPr>
+          <p:nvPr>
+            <p:ph type="sldNum" sz="quarter" idx="10"/>
+          </p:nvPr>
+        </p:nvSpPr>
+        <p:spPr/>
+        <p:txBody>
+          <a:bodyPr/>
+          <a:lstStyle/>
+          <a:p>
+            <a:pPr>
+              <a:defRPr/>
+            </a:pPr>
+            <a:fld id="{DB19E439-0A36-4389-B1D4-036D35E9F4EA}" type="slidenum">
+              <a:rPr lang="en-US" smtClean="0"/>
+              <a:pPr>
+                <a:defRPr/>
+              </a:pPr>
+              <a:t>11</a:t>
+            </a:fld>
+            <a:endParaRPr lang="en-US" dirty="0"/>
+          </a:p>
+        </p:txBody>
+      </p:sp>
+    </p:spTree>
+    <p:extLst>
+      <p:ext uri="{BB962C8B-B14F-4D97-AF65-F5344CB8AC3E}">
+        <p14:creationId xmlns:p14="http://schemas.microsoft.com/office/powerpoint/2010/main" val="2251640676"/>
+      </p:ext>
+    </p:extLst>
+  </p:cSld>
+  <p:clrMapOvr>
+    <a:masterClrMapping/>
+  </p:clrMapOvr>
+</p:notes>
+</file>
+
+<file path=ppt/notesSlides/notesSlide5.xml><?xml version="1.0" encoding="utf-8"?>
+<p:notes xmlns:a="http://schemas.openxmlformats.org/drawingml/2006/main" xmlns:r="http://schemas.openxmlformats.org/officeDocument/2006/relationships" xmlns:p="http://schemas.openxmlformats.org/presentationml/2006/main">
+  <p:cSld>
+    <p:spTree>
+      <p:nvGrpSpPr>
+        <p:cNvPr id="1" name=""/>
+        <p:cNvGrpSpPr/>
+        <p:nvPr/>
+      </p:nvGrpSpPr>
+      <p:grpSpPr>
+        <a:xfrm>
+          <a:off x="0" y="0"/>
+          <a:ext cx="0" cy="0"/>
+          <a:chOff x="0" y="0"/>
+          <a:chExt cx="0" cy="0"/>
+        </a:xfrm>
+      </p:grpSpPr>
+      <p:sp>
+        <p:nvSpPr>
+          <p:cNvPr id="2" name="Slide Image Placeholder 1"/>
+          <p:cNvSpPr>
+            <a:spLocks noGrp="1" noRot="1" noChangeAspect="1"/>
+          </p:cNvSpPr>
+          <p:nvPr>
+            <p:ph type="sldImg"/>
+          </p:nvPr>
+        </p:nvSpPr>
+        <p:spPr>
+          <a:xfrm>
+            <a:off x="458788" y="720725"/>
+            <a:ext cx="6397625" cy="3598863"/>
+          </a:xfrm>
+        </p:spPr>
+      </p:sp>
+      <p:sp>
+        <p:nvSpPr>
+          <p:cNvPr id="3" name="Notes Placeholder 2"/>
+          <p:cNvSpPr>
+            <a:spLocks noGrp="1"/>
+          </p:cNvSpPr>
+          <p:nvPr>
+            <p:ph type="body" idx="1"/>
+          </p:nvPr>
+        </p:nvSpPr>
+        <p:spPr/>
+        <p:txBody>
+          <a:bodyPr/>
+          <a:lstStyle/>
+          <a:p>
+            <a:endParaRPr lang="en-US" dirty="0"/>
+          </a:p>
+        </p:txBody>
+      </p:sp>
+      <p:sp>
+        <p:nvSpPr>
+          <p:cNvPr id="4" name="Slide Number Placeholder 3"/>
+          <p:cNvSpPr>
+            <a:spLocks noGrp="1"/>
+          </p:cNvSpPr>
+          <p:nvPr>
+            <p:ph type="sldNum" sz="quarter" idx="10"/>
+          </p:nvPr>
+        </p:nvSpPr>
+        <p:spPr/>
+        <p:txBody>
+          <a:bodyPr/>
+          <a:lstStyle/>
+          <a:p>
+            <a:pPr>
+              <a:defRPr/>
+            </a:pPr>
+            <a:fld id="{DB19E439-0A36-4389-B1D4-036D35E9F4EA}" type="slidenum">
+              <a:rPr lang="en-US" smtClean="0"/>
+              <a:pPr>
+                <a:defRPr/>
+              </a:pPr>
+              <a:t>12</a:t>
+            </a:fld>
+            <a:endParaRPr lang="en-US" dirty="0"/>
+          </a:p>
+        </p:txBody>
+      </p:sp>
+    </p:spTree>
+    <p:extLst>
+      <p:ext uri="{BB962C8B-B14F-4D97-AF65-F5344CB8AC3E}">
+        <p14:creationId xmlns:p14="http://schemas.microsoft.com/office/powerpoint/2010/main" val="3757139232"/>
+      </p:ext>
+    </p:extLst>
+  </p:cSld>
+  <p:clrMapOvr>
+    <a:masterClrMapping/>
+  </p:clrMapOvr>
+</p:notes>
+</file>
+
+<file path=ppt/notesSlides/notesSlide6.xml><?xml version="1.0" encoding="utf-8"?>
+<p:notes xmlns:a="http://schemas.openxmlformats.org/drawingml/2006/main" xmlns:r="http://schemas.openxmlformats.org/officeDocument/2006/relationships" xmlns:p="http://schemas.openxmlformats.org/presentationml/2006/main">
+  <p:cSld>
+    <p:spTree>
+      <p:nvGrpSpPr>
+        <p:cNvPr id="1" name=""/>
+        <p:cNvGrpSpPr/>
+        <p:nvPr/>
+      </p:nvGrpSpPr>
+      <p:grpSpPr>
+        <a:xfrm>
+          <a:off x="0" y="0"/>
+          <a:ext cx="0" cy="0"/>
+          <a:chOff x="0" y="0"/>
+          <a:chExt cx="0" cy="0"/>
+        </a:xfrm>
+      </p:grpSpPr>
+      <p:sp>
+        <p:nvSpPr>
+          <p:cNvPr id="2" name="Slide Image Placeholder 1"/>
+          <p:cNvSpPr>
+            <a:spLocks noGrp="1" noRot="1" noChangeAspect="1"/>
+          </p:cNvSpPr>
+          <p:nvPr>
+            <p:ph type="sldImg"/>
+          </p:nvPr>
+        </p:nvSpPr>
+        <p:spPr>
+          <a:xfrm>
+            <a:off x="458788" y="720725"/>
+            <a:ext cx="6397625" cy="3598863"/>
+          </a:xfrm>
+        </p:spPr>
+      </p:sp>
+      <p:sp>
+        <p:nvSpPr>
+          <p:cNvPr id="3" name="Notes Placeholder 2"/>
+          <p:cNvSpPr>
+            <a:spLocks noGrp="1"/>
+          </p:cNvSpPr>
+          <p:nvPr>
+            <p:ph type="body" idx="1"/>
+          </p:nvPr>
+        </p:nvSpPr>
+        <p:spPr/>
+        <p:txBody>
+          <a:bodyPr/>
+          <a:lstStyle/>
+          <a:p>
+            <a:endParaRPr lang="en-US" dirty="0"/>
+          </a:p>
+        </p:txBody>
+      </p:sp>
+      <p:sp>
+        <p:nvSpPr>
+          <p:cNvPr id="4" name="Slide Number Placeholder 3"/>
+          <p:cNvSpPr>
+            <a:spLocks noGrp="1"/>
+          </p:cNvSpPr>
+          <p:nvPr>
+            <p:ph type="sldNum" sz="quarter" idx="10"/>
+          </p:nvPr>
+        </p:nvSpPr>
+        <p:spPr/>
+        <p:txBody>
+          <a:bodyPr/>
+          <a:lstStyle/>
+          <a:p>
+            <a:pPr>
+              <a:defRPr/>
+            </a:pPr>
+            <a:fld id="{DB19E439-0A36-4389-B1D4-036D35E9F4EA}" type="slidenum">
+              <a:rPr lang="en-US" smtClean="0"/>
+              <a:pPr>
+                <a:defRPr/>
+              </a:pPr>
+              <a:t>13</a:t>
+            </a:fld>
+            <a:endParaRPr lang="en-US" dirty="0"/>
+          </a:p>
+        </p:txBody>
+      </p:sp>
+    </p:spTree>
+    <p:extLst>
+      <p:ext uri="{BB962C8B-B14F-4D97-AF65-F5344CB8AC3E}">
+        <p14:creationId xmlns:p14="http://schemas.microsoft.com/office/powerpoint/2010/main" val="1330648192"/>
+      </p:ext>
+    </p:extLst>
+  </p:cSld>
+  <p:clrMapOvr>
+    <a:masterClrMapping/>
+  </p:clrMapOvr>
+</p:notes>
+</file>
+
+<file path=ppt/notesSlides/notesSlide7.xml><?xml version="1.0" encoding="utf-8"?>
+<p:notes xmlns:a="http://schemas.openxmlformats.org/drawingml/2006/main" xmlns:r="http://schemas.openxmlformats.org/officeDocument/2006/relationships" xmlns:p="http://schemas.openxmlformats.org/presentationml/2006/main">
+  <p:cSld>
+    <p:spTree>
+      <p:nvGrpSpPr>
+        <p:cNvPr id="1" name=""/>
+        <p:cNvGrpSpPr/>
+        <p:nvPr/>
+      </p:nvGrpSpPr>
+      <p:grpSpPr>
+        <a:xfrm>
+          <a:off x="0" y="0"/>
+          <a:ext cx="0" cy="0"/>
+          <a:chOff x="0" y="0"/>
+          <a:chExt cx="0" cy="0"/>
+        </a:xfrm>
+      </p:grpSpPr>
+      <p:sp>
+        <p:nvSpPr>
+          <p:cNvPr id="2" name="Slide Image Placeholder 1"/>
+          <p:cNvSpPr>
+            <a:spLocks noGrp="1" noRot="1" noChangeAspect="1"/>
+          </p:cNvSpPr>
+          <p:nvPr>
+            <p:ph type="sldImg"/>
+          </p:nvPr>
+        </p:nvSpPr>
+        <p:spPr/>
+      </p:sp>
+      <p:sp>
+        <p:nvSpPr>
+          <p:cNvPr id="3" name="Notes Placeholder 2"/>
+          <p:cNvSpPr>
+            <a:spLocks noGrp="1"/>
+          </p:cNvSpPr>
+          <p:nvPr>
+            <p:ph type="body" idx="1"/>
+          </p:nvPr>
+        </p:nvSpPr>
+        <p:spPr/>
+        <p:txBody>
+          <a:bodyPr/>
+          <a:lstStyle/>
+          <a:p>
+            <a:endParaRPr lang="en-US" dirty="0"/>
+          </a:p>
+        </p:txBody>
+      </p:sp>
+      <p:sp>
+        <p:nvSpPr>
+          <p:cNvPr id="4" name="Slide Number Placeholder 3"/>
+          <p:cNvSpPr>
+            <a:spLocks noGrp="1"/>
+          </p:cNvSpPr>
+          <p:nvPr>
+            <p:ph type="sldNum" sz="quarter" idx="10"/>
+          </p:nvPr>
+        </p:nvSpPr>
+        <p:spPr/>
+        <p:txBody>
+          <a:bodyPr/>
+          <a:lstStyle/>
+          <a:p>
+            <a:pPr marL="0" marR="0" lvl="0" indent="0" algn="r" defTabSz="914400" rtl="0" eaLnBrk="1" fontAlgn="auto" latinLnBrk="0" hangingPunct="1">
+              <a:lnSpc>
+                <a:spcPct val="100000"/>
+              </a:lnSpc>
+              <a:spcBef>
+                <a:spcPts val="0"/>
+              </a:spcBef>
+              <a:spcAft>
+                <a:spcPts val="0"/>
+              </a:spcAft>
+              <a:buClrTx/>
+              <a:buSzTx/>
+              <a:buFontTx/>
+              <a:buNone/>
+              <a:tabLst/>
+              <a:defRPr/>
+            </a:pPr>
+            <a:fld id="{C0F4A2C8-6C88-4E71-83EE-698B9D4FE22F}" type="slidenum">
+              <a:rPr kumimoji="0" lang="en-US" sz="1200" b="0" i="0" u="none" strike="noStrike" kern="1200" cap="none" spc="0" normalizeH="0" baseline="0" noProof="0" smtClean="0">
+                <a:ln>
+                  <a:noFill/>
+                </a:ln>
+                <a:solidFill>
+                  <a:prstClr val="black"/>
+                </a:solidFill>
+                <a:effectLst/>
+                <a:uLnTx/>
+                <a:uFillTx/>
+                <a:latin typeface="Arial" panose="020B0604020202020204" pitchFamily="34" charset="0"/>
+                <a:ea typeface="+mn-ea"/>
+                <a:cs typeface="+mn-cs"/>
+              </a:rPr>
+              <a:pPr marL="0" marR="0" lvl="0" indent="0" algn="r" defTabSz="914400" rtl="0" eaLnBrk="1" fontAlgn="auto" latinLnBrk="0" hangingPunct="1">
+                <a:lnSpc>
+                  <a:spcPct val="100000"/>
+                </a:lnSpc>
+                <a:spcBef>
+                  <a:spcPts val="0"/>
+                </a:spcBef>
+                <a:spcAft>
+                  <a:spcPts val="0"/>
+                </a:spcAft>
+                <a:buClrTx/>
+                <a:buSzTx/>
+                <a:buFontTx/>
+                <a:buNone/>
+                <a:tabLst/>
+                <a:defRPr/>
+              </a:pPr>
+              <a:t>14</a:t>
+            </a:fld>
+            <a:endParaRPr kumimoji="0" lang="en-US" sz="1200" b="0" i="0" u="none" strike="noStrike" kern="1200" cap="none" spc="0" normalizeH="0" baseline="0" noProof="0" dirty="0">
+              <a:ln>
+                <a:noFill/>
+              </a:ln>
+              <a:solidFill>
+                <a:prstClr val="black"/>
+              </a:solidFill>
+              <a:effectLst/>
+              <a:uLnTx/>
+              <a:uFillTx/>
+              <a:latin typeface="Arial" panose="020B0604020202020204" pitchFamily="34" charset="0"/>
+              <a:ea typeface="+mn-ea"/>
+              <a:cs typeface="+mn-cs"/>
+            </a:endParaRPr>
+          </a:p>
+        </p:txBody>
+      </p:sp>
+    </p:spTree>
+    <p:extLst>
+      <p:ext uri="{BB962C8B-B14F-4D97-AF65-F5344CB8AC3E}">
+        <p14:creationId xmlns:p14="http://schemas.microsoft.com/office/powerpoint/2010/main" val="2557606593"/>
+      </p:ext>
+    </p:extLst>
+  </p:cSld>
+  <p:clrMapOvr>
+    <a:masterClrMapping/>
+  </p:clrMapOvr>
+</p:notes>
+</file>
+
+<file path=ppt/notesSlides/notesSlide8.xml><?xml version="1.0" encoding="utf-8"?>
+<p:notes xmlns:a="http://schemas.openxmlformats.org/drawingml/2006/main" xmlns:r="http://schemas.openxmlformats.org/officeDocument/2006/relationships" xmlns:p="http://schemas.openxmlformats.org/presentationml/2006/main">
+  <p:cSld>
+    <p:spTree>
+      <p:nvGrpSpPr>
+        <p:cNvPr id="1" name=""/>
+        <p:cNvGrpSpPr/>
+        <p:nvPr/>
+      </p:nvGrpSpPr>
+      <p:grpSpPr>
+        <a:xfrm>
+          <a:off x="0" y="0"/>
+          <a:ext cx="0" cy="0"/>
+          <a:chOff x="0" y="0"/>
+          <a:chExt cx="0" cy="0"/>
+        </a:xfrm>
+      </p:grpSpPr>
+      <p:sp>
+        <p:nvSpPr>
+          <p:cNvPr id="2" name="Slide Image Placeholder 1"/>
+          <p:cNvSpPr>
+            <a:spLocks noGrp="1" noRot="1" noChangeAspect="1"/>
+          </p:cNvSpPr>
+          <p:nvPr>
+            <p:ph type="sldImg"/>
+          </p:nvPr>
+        </p:nvSpPr>
+        <p:spPr/>
+      </p:sp>
+      <p:sp>
+        <p:nvSpPr>
+          <p:cNvPr id="3" name="Notes Placeholder 2"/>
+          <p:cNvSpPr>
+            <a:spLocks noGrp="1"/>
+          </p:cNvSpPr>
+          <p:nvPr>
+            <p:ph type="body" idx="1"/>
+          </p:nvPr>
+        </p:nvSpPr>
+        <p:spPr/>
+        <p:txBody>
+          <a:bodyPr/>
+          <a:lstStyle/>
+          <a:p>
+            <a:endParaRPr lang="en-US" dirty="0"/>
+          </a:p>
+        </p:txBody>
+      </p:sp>
+      <p:sp>
+        <p:nvSpPr>
+          <p:cNvPr id="4" name="Slide Number Placeholder 3"/>
+          <p:cNvSpPr>
+            <a:spLocks noGrp="1"/>
+          </p:cNvSpPr>
+          <p:nvPr>
+            <p:ph type="sldNum" sz="quarter" idx="10"/>
+          </p:nvPr>
+        </p:nvSpPr>
+        <p:spPr/>
+        <p:txBody>
+          <a:bodyPr/>
+          <a:lstStyle/>
+          <a:p>
+            <a:pPr marL="0" marR="0" lvl="0" indent="0" algn="r" defTabSz="914400" rtl="0" eaLnBrk="1" fontAlgn="auto" latinLnBrk="0" hangingPunct="1">
+              <a:lnSpc>
+                <a:spcPct val="100000"/>
+              </a:lnSpc>
+              <a:spcBef>
+                <a:spcPts val="0"/>
+              </a:spcBef>
+              <a:spcAft>
+                <a:spcPts val="0"/>
+              </a:spcAft>
+              <a:buClrTx/>
+              <a:buSzTx/>
+              <a:buFontTx/>
+              <a:buNone/>
+              <a:tabLst/>
+              <a:defRPr/>
+            </a:pPr>
+            <a:fld id="{C0F4A2C8-6C88-4E71-83EE-698B9D4FE22F}" type="slidenum">
+              <a:rPr kumimoji="0" lang="en-US" sz="1200" b="0" i="0" u="none" strike="noStrike" kern="1200" cap="none" spc="0" normalizeH="0" baseline="0" noProof="0" smtClean="0">
+                <a:ln>
+                  <a:noFill/>
+                </a:ln>
+                <a:solidFill>
+                  <a:prstClr val="black"/>
+                </a:solidFill>
+                <a:effectLst/>
+                <a:uLnTx/>
+                <a:uFillTx/>
+                <a:latin typeface="Arial" panose="020B0604020202020204" pitchFamily="34" charset="0"/>
+                <a:ea typeface="+mn-ea"/>
+                <a:cs typeface="+mn-cs"/>
+              </a:rPr>
+              <a:pPr marL="0" marR="0" lvl="0" indent="0" algn="r" defTabSz="914400" rtl="0" eaLnBrk="1" fontAlgn="auto" latinLnBrk="0" hangingPunct="1">
+                <a:lnSpc>
+                  <a:spcPct val="100000"/>
+                </a:lnSpc>
+                <a:spcBef>
+                  <a:spcPts val="0"/>
+                </a:spcBef>
+                <a:spcAft>
+                  <a:spcPts val="0"/>
+                </a:spcAft>
+                <a:buClrTx/>
+                <a:buSzTx/>
+                <a:buFontTx/>
+                <a:buNone/>
+                <a:tabLst/>
+                <a:defRPr/>
+              </a:pPr>
+              <a:t>15</a:t>
+            </a:fld>
+            <a:endParaRPr kumimoji="0" lang="en-US" sz="1200" b="0" i="0" u="none" strike="noStrike" kern="1200" cap="none" spc="0" normalizeH="0" baseline="0" noProof="0" dirty="0">
+              <a:ln>
+                <a:noFill/>
+              </a:ln>
+              <a:solidFill>
+                <a:prstClr val="black"/>
+              </a:solidFill>
+              <a:effectLst/>
+              <a:uLnTx/>
+              <a:uFillTx/>
+              <a:latin typeface="Arial" panose="020B0604020202020204" pitchFamily="34" charset="0"/>
+              <a:ea typeface="+mn-ea"/>
+              <a:cs typeface="+mn-cs"/>
+            </a:endParaRPr>
+          </a:p>
+        </p:txBody>
+      </p:sp>
+    </p:spTree>
+    <p:extLst>
+      <p:ext uri="{BB962C8B-B14F-4D97-AF65-F5344CB8AC3E}">
+        <p14:creationId xmlns:p14="http://schemas.microsoft.com/office/powerpoint/2010/main" val="3596206849"/>
+      </p:ext>
+    </p:extLst>
+  </p:cSld>
+  <p:clrMapOvr>
+    <a:masterClrMapping/>
+  </p:clrMapOvr>
+</p:notes>
+</file>
+
 <file path=ppt/slideLayouts/slideLayout1.xml><?xml version="1.0" encoding="utf-8"?>
 <p:sldLayout xmlns:a="http://schemas.openxmlformats.org/drawingml/2006/main" xmlns:r="http://schemas.openxmlformats.org/officeDocument/2006/relationships" xmlns:p="http://schemas.openxmlformats.org/presentationml/2006/main" type="title" preserve="1">
   <p:cSld name="Title Slide">
@@ -262,7 +1483,7 @@
           <a:p>
             <a:fld id="{3944FC4A-92AA-4E6F-88EA-2DA877A0B57F}" type="datetimeFigureOut">
               <a:rPr lang="en-US" smtClean="0"/>
-              <a:t>3/29/2023</a:t>
+              <a:t>3/30/2023</a:t>
             </a:fld>
             <a:endParaRPr lang="en-US"/>
           </a:p>
@@ -463,7 +1684,7 @@
           <a:p>
             <a:fld id="{3944FC4A-92AA-4E6F-88EA-2DA877A0B57F}" type="datetimeFigureOut">
               <a:rPr lang="en-US" smtClean="0"/>
-              <a:t>3/29/2023</a:t>
+              <a:t>3/30/2023</a:t>
             </a:fld>
             <a:endParaRPr lang="en-US"/>
           </a:p>
@@ -674,7 +1895,7 @@
           <a:p>
             <a:fld id="{3944FC4A-92AA-4E6F-88EA-2DA877A0B57F}" type="datetimeFigureOut">
               <a:rPr lang="en-US" smtClean="0"/>
-              <a:t>3/29/2023</a:t>
+              <a:t>3/30/2023</a:t>
             </a:fld>
             <a:endParaRPr lang="en-US"/>
           </a:p>
@@ -3207,7 +4428,7 @@
           <a:p>
             <a:fld id="{3944FC4A-92AA-4E6F-88EA-2DA877A0B57F}" type="datetimeFigureOut">
               <a:rPr lang="en-US" smtClean="0"/>
-              <a:t>3/29/2023</a:t>
+              <a:t>3/30/2023</a:t>
             </a:fld>
             <a:endParaRPr lang="en-US"/>
           </a:p>
@@ -3485,7 +4706,7 @@
           <a:p>
             <a:fld id="{3944FC4A-92AA-4E6F-88EA-2DA877A0B57F}" type="datetimeFigureOut">
               <a:rPr lang="en-US" smtClean="0"/>
-              <a:t>3/29/2023</a:t>
+              <a:t>3/30/2023</a:t>
             </a:fld>
             <a:endParaRPr lang="en-US"/>
           </a:p>
@@ -3753,7 +4974,7 @@
           <a:p>
             <a:fld id="{3944FC4A-92AA-4E6F-88EA-2DA877A0B57F}" type="datetimeFigureOut">
               <a:rPr lang="en-US" smtClean="0"/>
-              <a:t>3/29/2023</a:t>
+              <a:t>3/30/2023</a:t>
             </a:fld>
             <a:endParaRPr lang="en-US"/>
           </a:p>
@@ -4168,7 +5389,7 @@
           <a:p>
             <a:fld id="{3944FC4A-92AA-4E6F-88EA-2DA877A0B57F}" type="datetimeFigureOut">
               <a:rPr lang="en-US" smtClean="0"/>
-              <a:t>3/29/2023</a:t>
+              <a:t>3/30/2023</a:t>
             </a:fld>
             <a:endParaRPr lang="en-US"/>
           </a:p>
@@ -4312,7 +5533,7 @@
           <a:p>
             <a:fld id="{3944FC4A-92AA-4E6F-88EA-2DA877A0B57F}" type="datetimeFigureOut">
               <a:rPr lang="en-US" smtClean="0"/>
-              <a:t>3/29/2023</a:t>
+              <a:t>3/30/2023</a:t>
             </a:fld>
             <a:endParaRPr lang="en-US"/>
           </a:p>
@@ -4428,7 +5649,7 @@
           <a:p>
             <a:fld id="{3944FC4A-92AA-4E6F-88EA-2DA877A0B57F}" type="datetimeFigureOut">
               <a:rPr lang="en-US" smtClean="0"/>
-              <a:t>3/29/2023</a:t>
+              <a:t>3/30/2023</a:t>
             </a:fld>
             <a:endParaRPr lang="en-US"/>
           </a:p>
@@ -4742,7 +5963,7 @@
           <a:p>
             <a:fld id="{3944FC4A-92AA-4E6F-88EA-2DA877A0B57F}" type="datetimeFigureOut">
               <a:rPr lang="en-US" smtClean="0"/>
-              <a:t>3/29/2023</a:t>
+              <a:t>3/30/2023</a:t>
             </a:fld>
             <a:endParaRPr lang="en-US"/>
           </a:p>
@@ -5033,7 +6254,7 @@
           <a:p>
             <a:fld id="{3944FC4A-92AA-4E6F-88EA-2DA877A0B57F}" type="datetimeFigureOut">
               <a:rPr lang="en-US" smtClean="0"/>
-              <a:t>3/29/2023</a:t>
+              <a:t>3/30/2023</a:t>
             </a:fld>
             <a:endParaRPr lang="en-US"/>
           </a:p>
@@ -5277,7 +6498,7 @@
           <a:p>
             <a:fld id="{3944FC4A-92AA-4E6F-88EA-2DA877A0B57F}" type="datetimeFigureOut">
               <a:rPr lang="en-US" smtClean="0"/>
-              <a:t>3/29/2023</a:t>
+              <a:t>3/30/2023</a:t>
             </a:fld>
             <a:endParaRPr lang="en-US"/>
           </a:p>
@@ -7640,6 +8861,3474 @@
 </p:sld>
 </file>
 
+<file path=ppt/slides/slide10.xml><?xml version="1.0" encoding="utf-8"?>
+<p:sld xmlns:a="http://schemas.openxmlformats.org/drawingml/2006/main" xmlns:r="http://schemas.openxmlformats.org/officeDocument/2006/relationships" xmlns:p="http://schemas.openxmlformats.org/presentationml/2006/main">
+  <p:cSld>
+    <p:spTree>
+      <p:nvGrpSpPr>
+        <p:cNvPr id="1" name=""/>
+        <p:cNvGrpSpPr/>
+        <p:nvPr/>
+      </p:nvGrpSpPr>
+      <p:grpSpPr>
+        <a:xfrm>
+          <a:off x="0" y="0"/>
+          <a:ext cx="0" cy="0"/>
+          <a:chOff x="0" y="0"/>
+          <a:chExt cx="0" cy="0"/>
+        </a:xfrm>
+      </p:grpSpPr>
+      <p:sp>
+        <p:nvSpPr>
+          <p:cNvPr id="25" name="Rectangle 5">
+            <a:extLst>
+              <a:ext uri="{FF2B5EF4-FFF2-40B4-BE49-F238E27FC236}">
+                <a16:creationId xmlns:a16="http://schemas.microsoft.com/office/drawing/2014/main" id="{A7C00ECA-8E72-4A26-BF47-1CB567EDCB81}"/>
+              </a:ext>
+            </a:extLst>
+          </p:cNvPr>
+          <p:cNvSpPr>
+            <a:spLocks noChangeArrowheads="1"/>
+          </p:cNvSpPr>
+          <p:nvPr/>
+        </p:nvSpPr>
+        <p:spPr bwMode="auto">
+          <a:xfrm>
+            <a:off x="716844" y="2013652"/>
+            <a:ext cx="3423002" cy="2281703"/>
+          </a:xfrm>
+          <a:prstGeom prst="rect">
+            <a:avLst/>
+          </a:prstGeom>
+          <a:solidFill>
+            <a:srgbClr val="00CC99"/>
+          </a:solidFill>
+          <a:ln w="12700">
+            <a:solidFill>
+              <a:schemeClr val="tx1"/>
+            </a:solidFill>
+            <a:miter lim="800000"/>
+            <a:headEnd/>
+            <a:tailEnd/>
+          </a:ln>
+        </p:spPr>
+        <p:txBody>
+          <a:bodyPr lIns="91440" tIns="91440" rIns="91440" bIns="91440" anchor="ctr"/>
+          <a:lstStyle/>
+          <a:p>
+            <a:pPr algn="ctr" defTabSz="865188">
+              <a:defRPr/>
+            </a:pPr>
+            <a:r>
+              <a:rPr lang="en-US" sz="2200" dirty="0">
+                <a:solidFill>
+                  <a:schemeClr val="bg1"/>
+                </a:solidFill>
+                <a:ea typeface="ＭＳ Ｐゴシック" pitchFamily="50" charset="-128"/>
+              </a:rPr>
+              <a:t>50% of the total transactions are labeled as Non-Fraud (284,315)</a:t>
+            </a:r>
+          </a:p>
+          <a:p>
+            <a:pPr algn="ctr" defTabSz="865188">
+              <a:defRPr/>
+            </a:pPr>
+            <a:endParaRPr lang="en-US" sz="2200" dirty="0">
+              <a:solidFill>
+                <a:schemeClr val="bg1"/>
+              </a:solidFill>
+              <a:ea typeface="ＭＳ Ｐゴシック" pitchFamily="50" charset="-128"/>
+            </a:endParaRPr>
+          </a:p>
+          <a:p>
+            <a:pPr algn="ctr" defTabSz="865188">
+              <a:defRPr/>
+            </a:pPr>
+            <a:r>
+              <a:rPr lang="en-US" sz="2200" dirty="0">
+                <a:solidFill>
+                  <a:schemeClr val="bg1"/>
+                </a:solidFill>
+                <a:ea typeface="ＭＳ Ｐゴシック" pitchFamily="50" charset="-128"/>
+              </a:rPr>
+              <a:t>The other 50% is labeled as Fraud (284,315)</a:t>
+            </a:r>
+          </a:p>
+        </p:txBody>
+      </p:sp>
+      <p:pic>
+        <p:nvPicPr>
+          <p:cNvPr id="3" name="Picture 2">
+            <a:extLst>
+              <a:ext uri="{FF2B5EF4-FFF2-40B4-BE49-F238E27FC236}">
+                <a16:creationId xmlns:a16="http://schemas.microsoft.com/office/drawing/2014/main" id="{C70E88AF-04CB-4CC1-944A-D19A0B159930}"/>
+              </a:ext>
+            </a:extLst>
+          </p:cNvPr>
+          <p:cNvPicPr>
+            <a:picLocks noChangeAspect="1"/>
+          </p:cNvPicPr>
+          <p:nvPr/>
+        </p:nvPicPr>
+        <p:blipFill rotWithShape="1">
+          <a:blip r:embed="rId3"/>
+          <a:srcRect l="20218" t="16232" r="24755" b="11449"/>
+          <a:stretch/>
+        </p:blipFill>
+        <p:spPr>
+          <a:xfrm>
+            <a:off x="4766243" y="949184"/>
+            <a:ext cx="6708913" cy="4959627"/>
+          </a:xfrm>
+          <a:prstGeom prst="rect">
+            <a:avLst/>
+          </a:prstGeom>
+        </p:spPr>
+      </p:pic>
+      <p:sp>
+        <p:nvSpPr>
+          <p:cNvPr id="7" name="Rectangle 5">
+            <a:extLst>
+              <a:ext uri="{FF2B5EF4-FFF2-40B4-BE49-F238E27FC236}">
+                <a16:creationId xmlns:a16="http://schemas.microsoft.com/office/drawing/2014/main" id="{D0AD3BE8-8D1E-4B80-AE1E-AB23B7043CE1}"/>
+              </a:ext>
+            </a:extLst>
+          </p:cNvPr>
+          <p:cNvSpPr>
+            <a:spLocks noChangeArrowheads="1"/>
+          </p:cNvSpPr>
+          <p:nvPr/>
+        </p:nvSpPr>
+        <p:spPr bwMode="auto">
+          <a:xfrm>
+            <a:off x="716844" y="5102578"/>
+            <a:ext cx="3423002" cy="806233"/>
+          </a:xfrm>
+          <a:prstGeom prst="rect">
+            <a:avLst/>
+          </a:prstGeom>
+          <a:solidFill>
+            <a:srgbClr val="00CC99"/>
+          </a:solidFill>
+          <a:ln w="12700">
+            <a:solidFill>
+              <a:schemeClr val="tx1"/>
+            </a:solidFill>
+            <a:miter lim="800000"/>
+            <a:headEnd/>
+            <a:tailEnd/>
+          </a:ln>
+        </p:spPr>
+        <p:txBody>
+          <a:bodyPr lIns="91440" tIns="91440" rIns="91440" bIns="91440" anchor="ctr"/>
+          <a:lstStyle/>
+          <a:p>
+            <a:pPr algn="ctr" defTabSz="865188">
+              <a:defRPr/>
+            </a:pPr>
+            <a:r>
+              <a:rPr lang="en-US" sz="2200" dirty="0">
+                <a:solidFill>
+                  <a:schemeClr val="bg1"/>
+                </a:solidFill>
+                <a:ea typeface="ＭＳ Ｐゴシック" pitchFamily="50" charset="-128"/>
+              </a:rPr>
+              <a:t>The new data has doubled the size of the original</a:t>
+            </a:r>
+          </a:p>
+        </p:txBody>
+      </p:sp>
+      <p:sp>
+        <p:nvSpPr>
+          <p:cNvPr id="8" name="Arrow: Pentagon 7">
+            <a:extLst>
+              <a:ext uri="{FF2B5EF4-FFF2-40B4-BE49-F238E27FC236}">
+                <a16:creationId xmlns:a16="http://schemas.microsoft.com/office/drawing/2014/main" id="{D7EBFA47-A8CB-4CD2-88EF-7DD56D9D839A}"/>
+              </a:ext>
+            </a:extLst>
+          </p:cNvPr>
+          <p:cNvSpPr/>
+          <p:nvPr/>
+        </p:nvSpPr>
+        <p:spPr>
+          <a:xfrm>
+            <a:off x="716844" y="401360"/>
+            <a:ext cx="2802835" cy="805070"/>
+          </a:xfrm>
+          <a:prstGeom prst="homePlate">
+            <a:avLst/>
+          </a:prstGeom>
+          <a:solidFill>
+            <a:srgbClr val="00CC99"/>
+          </a:solidFill>
+          <a:ln w="28575">
+            <a:solidFill>
+              <a:srgbClr val="FF0000"/>
+            </a:solidFill>
+          </a:ln>
+        </p:spPr>
+        <p:style>
+          <a:lnRef idx="2">
+            <a:schemeClr val="accent1">
+              <a:shade val="50000"/>
+            </a:schemeClr>
+          </a:lnRef>
+          <a:fillRef idx="1">
+            <a:schemeClr val="accent1"/>
+          </a:fillRef>
+          <a:effectRef idx="0">
+            <a:schemeClr val="accent1"/>
+          </a:effectRef>
+          <a:fontRef idx="minor">
+            <a:schemeClr val="lt1"/>
+          </a:fontRef>
+        </p:style>
+        <p:txBody>
+          <a:bodyPr rtlCol="0" anchor="ctr"/>
+          <a:lstStyle/>
+          <a:p>
+            <a:pPr algn="ctr"/>
+            <a:r>
+              <a:rPr lang="es-MX" sz="2500" dirty="0">
+                <a:solidFill>
+                  <a:schemeClr val="bg1"/>
+                </a:solidFill>
+              </a:rPr>
+              <a:t>Oversampled data</a:t>
+            </a:r>
+            <a:endParaRPr lang="en-US" sz="2500" dirty="0">
+              <a:solidFill>
+                <a:schemeClr val="bg1"/>
+              </a:solidFill>
+            </a:endParaRPr>
+          </a:p>
+        </p:txBody>
+      </p:sp>
+    </p:spTree>
+    <p:extLst>
+      <p:ext uri="{BB962C8B-B14F-4D97-AF65-F5344CB8AC3E}">
+        <p14:creationId xmlns:p14="http://schemas.microsoft.com/office/powerpoint/2010/main" val="1188117261"/>
+      </p:ext>
+    </p:extLst>
+  </p:cSld>
+  <p:clrMapOvr>
+    <a:masterClrMapping/>
+  </p:clrMapOvr>
+  <p:transition spd="slow">
+    <p:push dir="u"/>
+  </p:transition>
+</p:sld>
+</file>
+
+<file path=ppt/slides/slide11.xml><?xml version="1.0" encoding="utf-8"?>
+<p:sld xmlns:a="http://schemas.openxmlformats.org/drawingml/2006/main" xmlns:r="http://schemas.openxmlformats.org/officeDocument/2006/relationships" xmlns:p="http://schemas.openxmlformats.org/presentationml/2006/main">
+  <p:cSld>
+    <p:spTree>
+      <p:nvGrpSpPr>
+        <p:cNvPr id="1" name=""/>
+        <p:cNvGrpSpPr/>
+        <p:nvPr/>
+      </p:nvGrpSpPr>
+      <p:grpSpPr>
+        <a:xfrm>
+          <a:off x="0" y="0"/>
+          <a:ext cx="0" cy="0"/>
+          <a:chOff x="0" y="0"/>
+          <a:chExt cx="0" cy="0"/>
+        </a:xfrm>
+      </p:grpSpPr>
+      <p:sp>
+        <p:nvSpPr>
+          <p:cNvPr id="771073" name="Title 1"/>
+          <p:cNvSpPr>
+            <a:spLocks noGrp="1"/>
+          </p:cNvSpPr>
+          <p:nvPr>
+            <p:ph type="title"/>
+          </p:nvPr>
+        </p:nvSpPr>
+        <p:spPr>
+          <a:xfrm>
+            <a:off x="3314386" y="3097722"/>
+            <a:ext cx="5563228" cy="662555"/>
+          </a:xfrm>
+        </p:spPr>
+        <p:txBody>
+          <a:bodyPr anchor="ctr"/>
+          <a:lstStyle/>
+          <a:p>
+            <a:pPr algn="ctr"/>
+            <a:r>
+              <a:rPr lang="en-US" altLang="ja-JP" dirty="0">
+                <a:solidFill>
+                  <a:srgbClr val="3399FF"/>
+                </a:solidFill>
+              </a:rPr>
+              <a:t>5 – Model predictions</a:t>
+            </a:r>
+            <a:endParaRPr lang="en-US" dirty="0">
+              <a:solidFill>
+                <a:srgbClr val="3399FF"/>
+              </a:solidFill>
+            </a:endParaRPr>
+          </a:p>
+        </p:txBody>
+      </p:sp>
+    </p:spTree>
+    <p:extLst>
+      <p:ext uri="{BB962C8B-B14F-4D97-AF65-F5344CB8AC3E}">
+        <p14:creationId xmlns:p14="http://schemas.microsoft.com/office/powerpoint/2010/main" val="1288537018"/>
+      </p:ext>
+    </p:extLst>
+  </p:cSld>
+  <p:clrMapOvr>
+    <a:masterClrMapping/>
+  </p:clrMapOvr>
+  <p:transition spd="slow">
+    <p:push dir="u"/>
+  </p:transition>
+</p:sld>
+</file>
+
+<file path=ppt/slides/slide12.xml><?xml version="1.0" encoding="utf-8"?>
+<p:sld xmlns:a="http://schemas.openxmlformats.org/drawingml/2006/main" xmlns:r="http://schemas.openxmlformats.org/officeDocument/2006/relationships" xmlns:p="http://schemas.openxmlformats.org/presentationml/2006/main">
+  <p:cSld>
+    <p:spTree>
+      <p:nvGrpSpPr>
+        <p:cNvPr id="1" name=""/>
+        <p:cNvGrpSpPr/>
+        <p:nvPr/>
+      </p:nvGrpSpPr>
+      <p:grpSpPr>
+        <a:xfrm>
+          <a:off x="0" y="0"/>
+          <a:ext cx="0" cy="0"/>
+          <a:chOff x="0" y="0"/>
+          <a:chExt cx="0" cy="0"/>
+        </a:xfrm>
+      </p:grpSpPr>
+      <p:sp>
+        <p:nvSpPr>
+          <p:cNvPr id="17" name="Rectangle 5"/>
+          <p:cNvSpPr>
+            <a:spLocks noChangeArrowheads="1"/>
+          </p:cNvSpPr>
+          <p:nvPr/>
+        </p:nvSpPr>
+        <p:spPr bwMode="auto">
+          <a:xfrm>
+            <a:off x="9133990" y="3719417"/>
+            <a:ext cx="2377440" cy="1166461"/>
+          </a:xfrm>
+          <a:prstGeom prst="rect">
+            <a:avLst/>
+          </a:prstGeom>
+          <a:solidFill>
+            <a:schemeClr val="bg2">
+              <a:lumMod val="50000"/>
+            </a:schemeClr>
+          </a:solidFill>
+          <a:ln w="12700" algn="ctr">
+            <a:solidFill>
+              <a:schemeClr val="tx1"/>
+            </a:solidFill>
+            <a:miter lim="800000"/>
+            <a:headEnd/>
+            <a:tailEnd/>
+          </a:ln>
+        </p:spPr>
+        <p:txBody>
+          <a:bodyPr wrap="square" lIns="88900" tIns="88900" rIns="88900" bIns="88900" anchor="ctr"/>
+          <a:lstStyle/>
+          <a:p>
+            <a:pPr algn="ctr">
+              <a:spcBef>
+                <a:spcPct val="0"/>
+              </a:spcBef>
+            </a:pPr>
+            <a:r>
+              <a:rPr lang="en-US" altLang="ja-JP" sz="1600" dirty="0">
+                <a:solidFill>
+                  <a:schemeClr val="bg1"/>
+                </a:solidFill>
+                <a:ea typeface="ＭＳ Ｐゴシック" pitchFamily="50" charset="-128"/>
+              </a:rPr>
+              <a:t>Of all the true Fraud predicted transactions, 87.80% were correctly predicted</a:t>
+            </a:r>
+          </a:p>
+        </p:txBody>
+      </p:sp>
+      <p:sp>
+        <p:nvSpPr>
+          <p:cNvPr id="21" name="Rectangle 9"/>
+          <p:cNvSpPr>
+            <a:spLocks noChangeArrowheads="1"/>
+          </p:cNvSpPr>
+          <p:nvPr/>
+        </p:nvSpPr>
+        <p:spPr bwMode="auto">
+          <a:xfrm>
+            <a:off x="9133990" y="1032357"/>
+            <a:ext cx="2377440" cy="822854"/>
+          </a:xfrm>
+          <a:prstGeom prst="rect">
+            <a:avLst/>
+          </a:prstGeom>
+          <a:solidFill>
+            <a:schemeClr val="bg2">
+              <a:lumMod val="50000"/>
+            </a:schemeClr>
+          </a:solidFill>
+          <a:ln w="12700" algn="ctr">
+            <a:solidFill>
+              <a:schemeClr val="bg1">
+                <a:lumMod val="65000"/>
+              </a:schemeClr>
+            </a:solidFill>
+            <a:miter lim="800000"/>
+            <a:headEnd/>
+            <a:tailEnd/>
+          </a:ln>
+        </p:spPr>
+        <p:txBody>
+          <a:bodyPr wrap="square" lIns="88900" tIns="88900" rIns="88900" bIns="88900" anchor="ctr"/>
+          <a:lstStyle/>
+          <a:p>
+            <a:pPr algn="ctr">
+              <a:spcBef>
+                <a:spcPct val="0"/>
+              </a:spcBef>
+            </a:pPr>
+            <a:r>
+              <a:rPr lang="en-US" altLang="ja-JP" sz="1600" dirty="0">
+                <a:solidFill>
+                  <a:schemeClr val="bg1"/>
+                </a:solidFill>
+                <a:ea typeface="ＭＳ Ｐゴシック" pitchFamily="50" charset="-128"/>
+              </a:rPr>
+              <a:t>Correctly predicts Fraud transactions by 98.23% from both classes</a:t>
+            </a:r>
+          </a:p>
+        </p:txBody>
+      </p:sp>
+      <p:sp>
+        <p:nvSpPr>
+          <p:cNvPr id="13" name="Oval 11">
+            <a:extLst>
+              <a:ext uri="{FF2B5EF4-FFF2-40B4-BE49-F238E27FC236}">
+                <a16:creationId xmlns:a16="http://schemas.microsoft.com/office/drawing/2014/main" id="{B2D1E87E-F45D-4B99-A1D3-784B8AA2AF6E}"/>
+              </a:ext>
+            </a:extLst>
+          </p:cNvPr>
+          <p:cNvSpPr>
+            <a:spLocks noChangeArrowheads="1"/>
+          </p:cNvSpPr>
+          <p:nvPr/>
+        </p:nvSpPr>
+        <p:spPr bwMode="auto">
+          <a:xfrm>
+            <a:off x="6677550" y="2514600"/>
+            <a:ext cx="1828800" cy="1828800"/>
+          </a:xfrm>
+          <a:prstGeom prst="ellipse">
+            <a:avLst/>
+          </a:prstGeom>
+          <a:solidFill>
+            <a:srgbClr val="0099CC"/>
+          </a:solidFill>
+          <a:ln w="12700">
+            <a:noFill/>
+            <a:prstDash val="sysDot"/>
+            <a:round/>
+            <a:headEnd/>
+            <a:tailEnd/>
+          </a:ln>
+        </p:spPr>
+        <p:txBody>
+          <a:bodyPr wrap="square" lIns="88900" tIns="88900" rIns="88900" bIns="88900" anchor="ctr"/>
+          <a:lstStyle/>
+          <a:p>
+            <a:pPr algn="ctr">
+              <a:spcBef>
+                <a:spcPct val="0"/>
+              </a:spcBef>
+            </a:pPr>
+            <a:r>
+              <a:rPr lang="en-US" altLang="ja-JP" dirty="0">
+                <a:solidFill>
+                  <a:schemeClr val="bg1"/>
+                </a:solidFill>
+                <a:ea typeface="ＭＳ Ｐゴシック" pitchFamily="50" charset="-128"/>
+              </a:rPr>
+              <a:t>Linear Regression</a:t>
+            </a:r>
+          </a:p>
+        </p:txBody>
+      </p:sp>
+      <p:sp>
+        <p:nvSpPr>
+          <p:cNvPr id="28" name="Rectangle 5">
+            <a:extLst>
+              <a:ext uri="{FF2B5EF4-FFF2-40B4-BE49-F238E27FC236}">
+                <a16:creationId xmlns:a16="http://schemas.microsoft.com/office/drawing/2014/main" id="{E7E5BFFE-7251-4759-91D4-A799EDB763B9}"/>
+              </a:ext>
+            </a:extLst>
+          </p:cNvPr>
+          <p:cNvSpPr>
+            <a:spLocks noChangeArrowheads="1"/>
+          </p:cNvSpPr>
+          <p:nvPr/>
+        </p:nvSpPr>
+        <p:spPr bwMode="auto">
+          <a:xfrm>
+            <a:off x="9133990" y="2146826"/>
+            <a:ext cx="2377440" cy="842613"/>
+          </a:xfrm>
+          <a:prstGeom prst="rect">
+            <a:avLst/>
+          </a:prstGeom>
+          <a:solidFill>
+            <a:schemeClr val="bg2">
+              <a:lumMod val="50000"/>
+            </a:schemeClr>
+          </a:solidFill>
+          <a:ln w="12700" algn="ctr">
+            <a:solidFill>
+              <a:schemeClr val="bg1">
+                <a:lumMod val="65000"/>
+              </a:schemeClr>
+            </a:solidFill>
+            <a:miter lim="800000"/>
+            <a:headEnd/>
+            <a:tailEnd/>
+          </a:ln>
+        </p:spPr>
+        <p:txBody>
+          <a:bodyPr wrap="square" lIns="88900" tIns="88900" rIns="88900" bIns="88900" anchor="ctr"/>
+          <a:lstStyle/>
+          <a:p>
+            <a:pPr algn="ctr">
+              <a:spcBef>
+                <a:spcPct val="0"/>
+              </a:spcBef>
+            </a:pPr>
+            <a:r>
+              <a:rPr lang="en-US" altLang="ja-JP" sz="1600" dirty="0">
+                <a:solidFill>
+                  <a:schemeClr val="bg1"/>
+                </a:solidFill>
+                <a:ea typeface="ＭＳ Ｐゴシック" pitchFamily="50" charset="-128"/>
+              </a:rPr>
+              <a:t>Of all the Fraud predicted transactions, 97.59% were truly Fraud</a:t>
+            </a:r>
+          </a:p>
+        </p:txBody>
+      </p:sp>
+      <p:pic>
+        <p:nvPicPr>
+          <p:cNvPr id="65" name="Picture 64">
+            <a:extLst>
+              <a:ext uri="{FF2B5EF4-FFF2-40B4-BE49-F238E27FC236}">
+                <a16:creationId xmlns:a16="http://schemas.microsoft.com/office/drawing/2014/main" id="{4A2AF1F1-1EE6-4BAE-92BB-8ABB3117CE65}"/>
+              </a:ext>
+            </a:extLst>
+          </p:cNvPr>
+          <p:cNvPicPr>
+            <a:picLocks noChangeAspect="1"/>
+          </p:cNvPicPr>
+          <p:nvPr/>
+        </p:nvPicPr>
+        <p:blipFill rotWithShape="1">
+          <a:blip r:embed="rId3"/>
+          <a:srcRect l="20136" t="16973" r="24592" b="12608"/>
+          <a:stretch/>
+        </p:blipFill>
+        <p:spPr>
+          <a:xfrm>
+            <a:off x="442216" y="1377616"/>
+            <a:ext cx="5724940" cy="4102768"/>
+          </a:xfrm>
+          <a:prstGeom prst="rect">
+            <a:avLst/>
+          </a:prstGeom>
+          <a:ln>
+            <a:solidFill>
+              <a:schemeClr val="tx1"/>
+            </a:solidFill>
+          </a:ln>
+        </p:spPr>
+      </p:pic>
+      <p:sp>
+        <p:nvSpPr>
+          <p:cNvPr id="84" name="Rectangle 5">
+            <a:extLst>
+              <a:ext uri="{FF2B5EF4-FFF2-40B4-BE49-F238E27FC236}">
+                <a16:creationId xmlns:a16="http://schemas.microsoft.com/office/drawing/2014/main" id="{8B3E5E27-C746-4732-9722-55FA5C1F9BE5}"/>
+              </a:ext>
+            </a:extLst>
+          </p:cNvPr>
+          <p:cNvSpPr>
+            <a:spLocks noChangeArrowheads="1"/>
+          </p:cNvSpPr>
+          <p:nvPr/>
+        </p:nvSpPr>
+        <p:spPr bwMode="auto">
+          <a:xfrm>
+            <a:off x="9133990" y="5177606"/>
+            <a:ext cx="2377440" cy="583230"/>
+          </a:xfrm>
+          <a:prstGeom prst="rect">
+            <a:avLst/>
+          </a:prstGeom>
+          <a:solidFill>
+            <a:schemeClr val="bg2">
+              <a:lumMod val="50000"/>
+            </a:schemeClr>
+          </a:solidFill>
+          <a:ln w="12700" algn="ctr">
+            <a:solidFill>
+              <a:schemeClr val="tx1"/>
+            </a:solidFill>
+            <a:miter lim="800000"/>
+            <a:headEnd/>
+            <a:tailEnd/>
+          </a:ln>
+        </p:spPr>
+        <p:txBody>
+          <a:bodyPr wrap="square" lIns="88900" tIns="88900" rIns="88900" bIns="88900" anchor="ctr"/>
+          <a:lstStyle/>
+          <a:p>
+            <a:pPr algn="ctr">
+              <a:spcBef>
+                <a:spcPct val="0"/>
+              </a:spcBef>
+            </a:pPr>
+            <a:r>
+              <a:rPr lang="en-US" altLang="ja-JP" sz="1600" dirty="0">
+                <a:solidFill>
+                  <a:schemeClr val="bg1"/>
+                </a:solidFill>
+                <a:ea typeface="ＭＳ Ｐゴシック" pitchFamily="50" charset="-128"/>
+              </a:rPr>
+              <a:t>F1-Score of 92.43%</a:t>
+            </a:r>
+          </a:p>
+        </p:txBody>
+      </p:sp>
+      <p:cxnSp>
+        <p:nvCxnSpPr>
+          <p:cNvPr id="771104" name="Straight Connector 771103">
+            <a:extLst>
+              <a:ext uri="{FF2B5EF4-FFF2-40B4-BE49-F238E27FC236}">
+                <a16:creationId xmlns:a16="http://schemas.microsoft.com/office/drawing/2014/main" id="{9269C41E-DF41-4422-8328-17987C5B7E5E}"/>
+              </a:ext>
+            </a:extLst>
+          </p:cNvPr>
+          <p:cNvCxnSpPr>
+            <a:cxnSpLocks/>
+            <a:stCxn id="21" idx="1"/>
+            <a:endCxn id="13" idx="7"/>
+          </p:cNvCxnSpPr>
+          <p:nvPr/>
+        </p:nvCxnSpPr>
+        <p:spPr>
+          <a:xfrm flipH="1">
+            <a:off x="8238528" y="1443784"/>
+            <a:ext cx="895462" cy="1338638"/>
+          </a:xfrm>
+          <a:prstGeom prst="line">
+            <a:avLst/>
+          </a:prstGeom>
+        </p:spPr>
+        <p:style>
+          <a:lnRef idx="1">
+            <a:schemeClr val="accent1"/>
+          </a:lnRef>
+          <a:fillRef idx="0">
+            <a:schemeClr val="accent1"/>
+          </a:fillRef>
+          <a:effectRef idx="0">
+            <a:schemeClr val="accent1"/>
+          </a:effectRef>
+          <a:fontRef idx="minor">
+            <a:schemeClr val="tx1"/>
+          </a:fontRef>
+        </p:style>
+      </p:cxnSp>
+      <p:cxnSp>
+        <p:nvCxnSpPr>
+          <p:cNvPr id="103" name="Straight Connector 102">
+            <a:extLst>
+              <a:ext uri="{FF2B5EF4-FFF2-40B4-BE49-F238E27FC236}">
+                <a16:creationId xmlns:a16="http://schemas.microsoft.com/office/drawing/2014/main" id="{BE509169-B6D1-4EAB-8717-E5D0031A0217}"/>
+              </a:ext>
+            </a:extLst>
+          </p:cNvPr>
+          <p:cNvCxnSpPr>
+            <a:cxnSpLocks/>
+            <a:stCxn id="28" idx="1"/>
+            <a:endCxn id="13" idx="6"/>
+          </p:cNvCxnSpPr>
+          <p:nvPr/>
+        </p:nvCxnSpPr>
+        <p:spPr>
+          <a:xfrm flipH="1">
+            <a:off x="8506350" y="2568133"/>
+            <a:ext cx="627640" cy="860867"/>
+          </a:xfrm>
+          <a:prstGeom prst="line">
+            <a:avLst/>
+          </a:prstGeom>
+        </p:spPr>
+        <p:style>
+          <a:lnRef idx="1">
+            <a:schemeClr val="accent1"/>
+          </a:lnRef>
+          <a:fillRef idx="0">
+            <a:schemeClr val="accent1"/>
+          </a:fillRef>
+          <a:effectRef idx="0">
+            <a:schemeClr val="accent1"/>
+          </a:effectRef>
+          <a:fontRef idx="minor">
+            <a:schemeClr val="tx1"/>
+          </a:fontRef>
+        </p:style>
+      </p:cxnSp>
+      <p:cxnSp>
+        <p:nvCxnSpPr>
+          <p:cNvPr id="106" name="Straight Connector 105">
+            <a:extLst>
+              <a:ext uri="{FF2B5EF4-FFF2-40B4-BE49-F238E27FC236}">
+                <a16:creationId xmlns:a16="http://schemas.microsoft.com/office/drawing/2014/main" id="{D4DB0F5D-20BA-460C-B9C3-4AF86CD8D338}"/>
+              </a:ext>
+            </a:extLst>
+          </p:cNvPr>
+          <p:cNvCxnSpPr>
+            <a:cxnSpLocks/>
+            <a:stCxn id="84" idx="1"/>
+            <a:endCxn id="13" idx="5"/>
+          </p:cNvCxnSpPr>
+          <p:nvPr/>
+        </p:nvCxnSpPr>
+        <p:spPr>
+          <a:xfrm flipH="1" flipV="1">
+            <a:off x="8238528" y="4075578"/>
+            <a:ext cx="895462" cy="1393643"/>
+          </a:xfrm>
+          <a:prstGeom prst="line">
+            <a:avLst/>
+          </a:prstGeom>
+        </p:spPr>
+        <p:style>
+          <a:lnRef idx="1">
+            <a:schemeClr val="accent1"/>
+          </a:lnRef>
+          <a:fillRef idx="0">
+            <a:schemeClr val="accent1"/>
+          </a:fillRef>
+          <a:effectRef idx="0">
+            <a:schemeClr val="accent1"/>
+          </a:effectRef>
+          <a:fontRef idx="minor">
+            <a:schemeClr val="tx1"/>
+          </a:fontRef>
+        </p:style>
+      </p:cxnSp>
+      <p:cxnSp>
+        <p:nvCxnSpPr>
+          <p:cNvPr id="107" name="Straight Connector 106">
+            <a:extLst>
+              <a:ext uri="{FF2B5EF4-FFF2-40B4-BE49-F238E27FC236}">
+                <a16:creationId xmlns:a16="http://schemas.microsoft.com/office/drawing/2014/main" id="{FC028A5D-C5D2-401A-858B-C25FA65D4FC7}"/>
+              </a:ext>
+            </a:extLst>
+          </p:cNvPr>
+          <p:cNvCxnSpPr>
+            <a:cxnSpLocks/>
+            <a:stCxn id="17" idx="1"/>
+            <a:endCxn id="13" idx="6"/>
+          </p:cNvCxnSpPr>
+          <p:nvPr/>
+        </p:nvCxnSpPr>
+        <p:spPr>
+          <a:xfrm flipH="1" flipV="1">
+            <a:off x="8506350" y="3429000"/>
+            <a:ext cx="627640" cy="873648"/>
+          </a:xfrm>
+          <a:prstGeom prst="line">
+            <a:avLst/>
+          </a:prstGeom>
+        </p:spPr>
+        <p:style>
+          <a:lnRef idx="1">
+            <a:schemeClr val="accent1"/>
+          </a:lnRef>
+          <a:fillRef idx="0">
+            <a:schemeClr val="accent1"/>
+          </a:fillRef>
+          <a:effectRef idx="0">
+            <a:schemeClr val="accent1"/>
+          </a:effectRef>
+          <a:fontRef idx="minor">
+            <a:schemeClr val="tx1"/>
+          </a:fontRef>
+        </p:style>
+      </p:cxnSp>
+    </p:spTree>
+    <p:extLst>
+      <p:ext uri="{BB962C8B-B14F-4D97-AF65-F5344CB8AC3E}">
+        <p14:creationId xmlns:p14="http://schemas.microsoft.com/office/powerpoint/2010/main" val="32736939"/>
+      </p:ext>
+    </p:extLst>
+  </p:cSld>
+  <p:clrMapOvr>
+    <a:masterClrMapping/>
+  </p:clrMapOvr>
+  <p:transition spd="slow">
+    <p:push dir="u"/>
+  </p:transition>
+</p:sld>
+</file>
+
+<file path=ppt/slides/slide13.xml><?xml version="1.0" encoding="utf-8"?>
+<p:sld xmlns:a="http://schemas.openxmlformats.org/drawingml/2006/main" xmlns:r="http://schemas.openxmlformats.org/officeDocument/2006/relationships" xmlns:p="http://schemas.openxmlformats.org/presentationml/2006/main">
+  <p:cSld>
+    <p:spTree>
+      <p:nvGrpSpPr>
+        <p:cNvPr id="1" name=""/>
+        <p:cNvGrpSpPr/>
+        <p:nvPr/>
+      </p:nvGrpSpPr>
+      <p:grpSpPr>
+        <a:xfrm>
+          <a:off x="0" y="0"/>
+          <a:ext cx="0" cy="0"/>
+          <a:chOff x="0" y="0"/>
+          <a:chExt cx="0" cy="0"/>
+        </a:xfrm>
+      </p:grpSpPr>
+      <p:sp>
+        <p:nvSpPr>
+          <p:cNvPr id="17" name="Rectangle 5"/>
+          <p:cNvSpPr>
+            <a:spLocks noChangeArrowheads="1"/>
+          </p:cNvSpPr>
+          <p:nvPr/>
+        </p:nvSpPr>
+        <p:spPr bwMode="auto">
+          <a:xfrm>
+            <a:off x="9084294" y="3725492"/>
+            <a:ext cx="2377440" cy="1166461"/>
+          </a:xfrm>
+          <a:prstGeom prst="rect">
+            <a:avLst/>
+          </a:prstGeom>
+          <a:solidFill>
+            <a:schemeClr val="bg2">
+              <a:lumMod val="50000"/>
+            </a:schemeClr>
+          </a:solidFill>
+          <a:ln w="12700" algn="ctr">
+            <a:solidFill>
+              <a:schemeClr val="tx1"/>
+            </a:solidFill>
+            <a:miter lim="800000"/>
+            <a:headEnd/>
+            <a:tailEnd/>
+          </a:ln>
+        </p:spPr>
+        <p:txBody>
+          <a:bodyPr wrap="square" lIns="88900" tIns="88900" rIns="88900" bIns="88900" anchor="ctr"/>
+          <a:lstStyle/>
+          <a:p>
+            <a:pPr algn="ctr">
+              <a:spcBef>
+                <a:spcPct val="0"/>
+              </a:spcBef>
+            </a:pPr>
+            <a:r>
+              <a:rPr lang="en-US" altLang="ja-JP" sz="1600" dirty="0">
+                <a:solidFill>
+                  <a:schemeClr val="bg1"/>
+                </a:solidFill>
+                <a:ea typeface="ＭＳ Ｐゴシック" pitchFamily="50" charset="-128"/>
+              </a:rPr>
+              <a:t>Of all the true Fraud predicted transactions, 81.14% were correctly predicted</a:t>
+            </a:r>
+          </a:p>
+        </p:txBody>
+      </p:sp>
+      <p:sp>
+        <p:nvSpPr>
+          <p:cNvPr id="21" name="Rectangle 9"/>
+          <p:cNvSpPr>
+            <a:spLocks noChangeArrowheads="1"/>
+          </p:cNvSpPr>
+          <p:nvPr/>
+        </p:nvSpPr>
+        <p:spPr bwMode="auto">
+          <a:xfrm>
+            <a:off x="9084294" y="1038432"/>
+            <a:ext cx="2377440" cy="822854"/>
+          </a:xfrm>
+          <a:prstGeom prst="rect">
+            <a:avLst/>
+          </a:prstGeom>
+          <a:solidFill>
+            <a:schemeClr val="bg2">
+              <a:lumMod val="50000"/>
+            </a:schemeClr>
+          </a:solidFill>
+          <a:ln w="12700" algn="ctr">
+            <a:solidFill>
+              <a:schemeClr val="tx1"/>
+            </a:solidFill>
+            <a:miter lim="800000"/>
+            <a:headEnd/>
+            <a:tailEnd/>
+          </a:ln>
+        </p:spPr>
+        <p:txBody>
+          <a:bodyPr wrap="square" lIns="88900" tIns="88900" rIns="88900" bIns="88900" anchor="ctr"/>
+          <a:lstStyle/>
+          <a:p>
+            <a:pPr algn="ctr">
+              <a:spcBef>
+                <a:spcPct val="0"/>
+              </a:spcBef>
+            </a:pPr>
+            <a:r>
+              <a:rPr lang="en-US" altLang="ja-JP" sz="1600" dirty="0">
+                <a:solidFill>
+                  <a:schemeClr val="bg1"/>
+                </a:solidFill>
+                <a:ea typeface="ＭＳ Ｐゴシック" pitchFamily="50" charset="-128"/>
+              </a:rPr>
+              <a:t>Correctly predicts Fraud transactions by 97.87% from both classes</a:t>
+            </a:r>
+          </a:p>
+        </p:txBody>
+      </p:sp>
+      <p:sp>
+        <p:nvSpPr>
+          <p:cNvPr id="13" name="Oval 11">
+            <a:extLst>
+              <a:ext uri="{FF2B5EF4-FFF2-40B4-BE49-F238E27FC236}">
+                <a16:creationId xmlns:a16="http://schemas.microsoft.com/office/drawing/2014/main" id="{B2D1E87E-F45D-4B99-A1D3-784B8AA2AF6E}"/>
+              </a:ext>
+            </a:extLst>
+          </p:cNvPr>
+          <p:cNvSpPr>
+            <a:spLocks noChangeArrowheads="1"/>
+          </p:cNvSpPr>
+          <p:nvPr/>
+        </p:nvSpPr>
+        <p:spPr bwMode="auto">
+          <a:xfrm>
+            <a:off x="6627854" y="2520675"/>
+            <a:ext cx="1828800" cy="1828800"/>
+          </a:xfrm>
+          <a:prstGeom prst="ellipse">
+            <a:avLst/>
+          </a:prstGeom>
+          <a:solidFill>
+            <a:srgbClr val="CC0066"/>
+          </a:solidFill>
+          <a:ln w="12700">
+            <a:noFill/>
+            <a:prstDash val="sysDot"/>
+            <a:round/>
+            <a:headEnd/>
+            <a:tailEnd/>
+          </a:ln>
+        </p:spPr>
+        <p:txBody>
+          <a:bodyPr wrap="square" lIns="88900" tIns="88900" rIns="88900" bIns="88900" anchor="ctr"/>
+          <a:lstStyle/>
+          <a:p>
+            <a:pPr algn="ctr">
+              <a:spcBef>
+                <a:spcPct val="0"/>
+              </a:spcBef>
+            </a:pPr>
+            <a:r>
+              <a:rPr lang="es-MX" altLang="ja-JP" dirty="0" err="1">
+                <a:solidFill>
+                  <a:schemeClr val="bg1"/>
+                </a:solidFill>
+                <a:ea typeface="ＭＳ Ｐゴシック" pitchFamily="50" charset="-128"/>
+              </a:rPr>
+              <a:t>Random</a:t>
+            </a:r>
+            <a:r>
+              <a:rPr lang="es-MX" altLang="ja-JP" dirty="0">
+                <a:solidFill>
+                  <a:schemeClr val="bg1"/>
+                </a:solidFill>
+                <a:ea typeface="ＭＳ Ｐゴシック" pitchFamily="50" charset="-128"/>
+              </a:rPr>
+              <a:t> Forest </a:t>
+            </a:r>
+            <a:r>
+              <a:rPr lang="es-MX" altLang="ja-JP" dirty="0" err="1">
+                <a:solidFill>
+                  <a:schemeClr val="bg1"/>
+                </a:solidFill>
+                <a:ea typeface="ＭＳ Ｐゴシック" pitchFamily="50" charset="-128"/>
+              </a:rPr>
+              <a:t>Classifier</a:t>
+            </a:r>
+            <a:endParaRPr lang="en-US" altLang="ja-JP" dirty="0">
+              <a:solidFill>
+                <a:schemeClr val="bg1"/>
+              </a:solidFill>
+              <a:ea typeface="ＭＳ Ｐゴシック" pitchFamily="50" charset="-128"/>
+            </a:endParaRPr>
+          </a:p>
+        </p:txBody>
+      </p:sp>
+      <p:sp>
+        <p:nvSpPr>
+          <p:cNvPr id="28" name="Rectangle 5">
+            <a:extLst>
+              <a:ext uri="{FF2B5EF4-FFF2-40B4-BE49-F238E27FC236}">
+                <a16:creationId xmlns:a16="http://schemas.microsoft.com/office/drawing/2014/main" id="{E7E5BFFE-7251-4759-91D4-A799EDB763B9}"/>
+              </a:ext>
+            </a:extLst>
+          </p:cNvPr>
+          <p:cNvSpPr>
+            <a:spLocks noChangeArrowheads="1"/>
+          </p:cNvSpPr>
+          <p:nvPr/>
+        </p:nvSpPr>
+        <p:spPr bwMode="auto">
+          <a:xfrm>
+            <a:off x="9084294" y="2152901"/>
+            <a:ext cx="2377440" cy="842613"/>
+          </a:xfrm>
+          <a:prstGeom prst="rect">
+            <a:avLst/>
+          </a:prstGeom>
+          <a:solidFill>
+            <a:schemeClr val="bg2">
+              <a:lumMod val="50000"/>
+            </a:schemeClr>
+          </a:solidFill>
+          <a:ln w="12700" algn="ctr">
+            <a:solidFill>
+              <a:schemeClr val="tx1"/>
+            </a:solidFill>
+            <a:miter lim="800000"/>
+            <a:headEnd/>
+            <a:tailEnd/>
+          </a:ln>
+        </p:spPr>
+        <p:txBody>
+          <a:bodyPr wrap="square" lIns="88900" tIns="88900" rIns="88900" bIns="88900" anchor="ctr"/>
+          <a:lstStyle/>
+          <a:p>
+            <a:pPr algn="ctr">
+              <a:spcBef>
+                <a:spcPct val="0"/>
+              </a:spcBef>
+            </a:pPr>
+            <a:r>
+              <a:rPr lang="en-US" altLang="ja-JP" sz="1600" dirty="0">
+                <a:solidFill>
+                  <a:schemeClr val="bg1"/>
+                </a:solidFill>
+                <a:ea typeface="ＭＳ Ｐゴシック" pitchFamily="50" charset="-128"/>
+              </a:rPr>
+              <a:t>Of all the Fraud predicted transactions, 99.97% were truly Fraud</a:t>
+            </a:r>
+          </a:p>
+        </p:txBody>
+      </p:sp>
+      <p:sp>
+        <p:nvSpPr>
+          <p:cNvPr id="84" name="Rectangle 5">
+            <a:extLst>
+              <a:ext uri="{FF2B5EF4-FFF2-40B4-BE49-F238E27FC236}">
+                <a16:creationId xmlns:a16="http://schemas.microsoft.com/office/drawing/2014/main" id="{8B3E5E27-C746-4732-9722-55FA5C1F9BE5}"/>
+              </a:ext>
+            </a:extLst>
+          </p:cNvPr>
+          <p:cNvSpPr>
+            <a:spLocks noChangeArrowheads="1"/>
+          </p:cNvSpPr>
+          <p:nvPr/>
+        </p:nvSpPr>
+        <p:spPr bwMode="auto">
+          <a:xfrm>
+            <a:off x="9084294" y="5203773"/>
+            <a:ext cx="2377440" cy="583230"/>
+          </a:xfrm>
+          <a:prstGeom prst="rect">
+            <a:avLst/>
+          </a:prstGeom>
+          <a:solidFill>
+            <a:schemeClr val="bg2">
+              <a:lumMod val="50000"/>
+            </a:schemeClr>
+          </a:solidFill>
+          <a:ln w="12700" algn="ctr">
+            <a:solidFill>
+              <a:schemeClr val="tx1"/>
+            </a:solidFill>
+            <a:miter lim="800000"/>
+            <a:headEnd/>
+            <a:tailEnd/>
+          </a:ln>
+        </p:spPr>
+        <p:txBody>
+          <a:bodyPr wrap="square" lIns="88900" tIns="88900" rIns="88900" bIns="88900" anchor="ctr"/>
+          <a:lstStyle/>
+          <a:p>
+            <a:pPr algn="ctr">
+              <a:spcBef>
+                <a:spcPct val="0"/>
+              </a:spcBef>
+            </a:pPr>
+            <a:r>
+              <a:rPr lang="en-US" altLang="ja-JP" sz="1600" dirty="0">
+                <a:solidFill>
+                  <a:schemeClr val="bg1"/>
+                </a:solidFill>
+                <a:ea typeface="ＭＳ Ｐゴシック" pitchFamily="50" charset="-128"/>
+              </a:rPr>
+              <a:t>F1-Score of 89.58%</a:t>
+            </a:r>
+          </a:p>
+        </p:txBody>
+      </p:sp>
+      <p:pic>
+        <p:nvPicPr>
+          <p:cNvPr id="14" name="Picture 13">
+            <a:extLst>
+              <a:ext uri="{FF2B5EF4-FFF2-40B4-BE49-F238E27FC236}">
+                <a16:creationId xmlns:a16="http://schemas.microsoft.com/office/drawing/2014/main" id="{AF7C270E-A7FB-4941-B436-17DD0935EE31}"/>
+              </a:ext>
+            </a:extLst>
+          </p:cNvPr>
+          <p:cNvPicPr>
+            <a:picLocks noChangeAspect="1"/>
+          </p:cNvPicPr>
+          <p:nvPr/>
+        </p:nvPicPr>
+        <p:blipFill rotWithShape="1">
+          <a:blip r:embed="rId3"/>
+          <a:srcRect l="19810" t="18533" r="24429" b="9855"/>
+          <a:stretch/>
+        </p:blipFill>
+        <p:spPr>
+          <a:xfrm>
+            <a:off x="442216" y="1377616"/>
+            <a:ext cx="5679307" cy="4102768"/>
+          </a:xfrm>
+          <a:prstGeom prst="rect">
+            <a:avLst/>
+          </a:prstGeom>
+          <a:ln>
+            <a:solidFill>
+              <a:schemeClr val="tx1"/>
+            </a:solidFill>
+          </a:ln>
+        </p:spPr>
+      </p:pic>
+      <p:cxnSp>
+        <p:nvCxnSpPr>
+          <p:cNvPr id="6" name="Straight Connector 5">
+            <a:extLst>
+              <a:ext uri="{FF2B5EF4-FFF2-40B4-BE49-F238E27FC236}">
+                <a16:creationId xmlns:a16="http://schemas.microsoft.com/office/drawing/2014/main" id="{B7CC3C23-80B7-480F-9084-06A99D8EDBB5}"/>
+              </a:ext>
+            </a:extLst>
+          </p:cNvPr>
+          <p:cNvCxnSpPr>
+            <a:stCxn id="13" idx="7"/>
+            <a:endCxn id="21" idx="1"/>
+          </p:cNvCxnSpPr>
+          <p:nvPr/>
+        </p:nvCxnSpPr>
+        <p:spPr>
+          <a:xfrm flipV="1">
+            <a:off x="8188832" y="1449859"/>
+            <a:ext cx="895462" cy="1338638"/>
+          </a:xfrm>
+          <a:prstGeom prst="line">
+            <a:avLst/>
+          </a:prstGeom>
+          <a:ln>
+            <a:solidFill>
+              <a:srgbClr val="CC0066"/>
+            </a:solidFill>
+          </a:ln>
+        </p:spPr>
+        <p:style>
+          <a:lnRef idx="1">
+            <a:schemeClr val="accent1"/>
+          </a:lnRef>
+          <a:fillRef idx="0">
+            <a:schemeClr val="accent1"/>
+          </a:fillRef>
+          <a:effectRef idx="0">
+            <a:schemeClr val="accent1"/>
+          </a:effectRef>
+          <a:fontRef idx="minor">
+            <a:schemeClr val="tx1"/>
+          </a:fontRef>
+        </p:style>
+      </p:cxnSp>
+      <p:cxnSp>
+        <p:nvCxnSpPr>
+          <p:cNvPr id="8" name="Straight Connector 7">
+            <a:extLst>
+              <a:ext uri="{FF2B5EF4-FFF2-40B4-BE49-F238E27FC236}">
+                <a16:creationId xmlns:a16="http://schemas.microsoft.com/office/drawing/2014/main" id="{63F3DEC1-AE99-4896-81D0-E7CCCF40F947}"/>
+              </a:ext>
+            </a:extLst>
+          </p:cNvPr>
+          <p:cNvCxnSpPr>
+            <a:stCxn id="13" idx="6"/>
+            <a:endCxn id="28" idx="1"/>
+          </p:cNvCxnSpPr>
+          <p:nvPr/>
+        </p:nvCxnSpPr>
+        <p:spPr>
+          <a:xfrm flipV="1">
+            <a:off x="8456654" y="2574208"/>
+            <a:ext cx="627640" cy="860867"/>
+          </a:xfrm>
+          <a:prstGeom prst="line">
+            <a:avLst/>
+          </a:prstGeom>
+          <a:ln>
+            <a:solidFill>
+              <a:srgbClr val="CC0066"/>
+            </a:solidFill>
+          </a:ln>
+        </p:spPr>
+        <p:style>
+          <a:lnRef idx="1">
+            <a:schemeClr val="accent1"/>
+          </a:lnRef>
+          <a:fillRef idx="0">
+            <a:schemeClr val="accent1"/>
+          </a:fillRef>
+          <a:effectRef idx="0">
+            <a:schemeClr val="accent1"/>
+          </a:effectRef>
+          <a:fontRef idx="minor">
+            <a:schemeClr val="tx1"/>
+          </a:fontRef>
+        </p:style>
+      </p:cxnSp>
+      <p:cxnSp>
+        <p:nvCxnSpPr>
+          <p:cNvPr id="10" name="Straight Connector 9">
+            <a:extLst>
+              <a:ext uri="{FF2B5EF4-FFF2-40B4-BE49-F238E27FC236}">
+                <a16:creationId xmlns:a16="http://schemas.microsoft.com/office/drawing/2014/main" id="{7811C38F-CA34-4504-BC36-35C635F063FD}"/>
+              </a:ext>
+            </a:extLst>
+          </p:cNvPr>
+          <p:cNvCxnSpPr>
+            <a:stCxn id="13" idx="6"/>
+            <a:endCxn id="17" idx="1"/>
+          </p:cNvCxnSpPr>
+          <p:nvPr/>
+        </p:nvCxnSpPr>
+        <p:spPr>
+          <a:xfrm>
+            <a:off x="8456654" y="3435075"/>
+            <a:ext cx="627640" cy="873648"/>
+          </a:xfrm>
+          <a:prstGeom prst="line">
+            <a:avLst/>
+          </a:prstGeom>
+          <a:ln>
+            <a:solidFill>
+              <a:srgbClr val="CC0066"/>
+            </a:solidFill>
+          </a:ln>
+        </p:spPr>
+        <p:style>
+          <a:lnRef idx="1">
+            <a:schemeClr val="accent1"/>
+          </a:lnRef>
+          <a:fillRef idx="0">
+            <a:schemeClr val="accent1"/>
+          </a:fillRef>
+          <a:effectRef idx="0">
+            <a:schemeClr val="accent1"/>
+          </a:effectRef>
+          <a:fontRef idx="minor">
+            <a:schemeClr val="tx1"/>
+          </a:fontRef>
+        </p:style>
+      </p:cxnSp>
+      <p:cxnSp>
+        <p:nvCxnSpPr>
+          <p:cNvPr id="12" name="Straight Connector 11">
+            <a:extLst>
+              <a:ext uri="{FF2B5EF4-FFF2-40B4-BE49-F238E27FC236}">
+                <a16:creationId xmlns:a16="http://schemas.microsoft.com/office/drawing/2014/main" id="{73C115B1-5906-45A2-BEA1-CFAF4EBE555F}"/>
+              </a:ext>
+            </a:extLst>
+          </p:cNvPr>
+          <p:cNvCxnSpPr>
+            <a:cxnSpLocks/>
+            <a:stCxn id="13" idx="5"/>
+            <a:endCxn id="84" idx="1"/>
+          </p:cNvCxnSpPr>
+          <p:nvPr/>
+        </p:nvCxnSpPr>
+        <p:spPr>
+          <a:xfrm>
+            <a:off x="8188832" y="4081653"/>
+            <a:ext cx="895462" cy="1413735"/>
+          </a:xfrm>
+          <a:prstGeom prst="line">
+            <a:avLst/>
+          </a:prstGeom>
+          <a:ln>
+            <a:solidFill>
+              <a:srgbClr val="CC0066"/>
+            </a:solidFill>
+          </a:ln>
+        </p:spPr>
+        <p:style>
+          <a:lnRef idx="1">
+            <a:schemeClr val="accent1"/>
+          </a:lnRef>
+          <a:fillRef idx="0">
+            <a:schemeClr val="accent1"/>
+          </a:fillRef>
+          <a:effectRef idx="0">
+            <a:schemeClr val="accent1"/>
+          </a:effectRef>
+          <a:fontRef idx="minor">
+            <a:schemeClr val="tx1"/>
+          </a:fontRef>
+        </p:style>
+      </p:cxnSp>
+    </p:spTree>
+    <p:extLst>
+      <p:ext uri="{BB962C8B-B14F-4D97-AF65-F5344CB8AC3E}">
+        <p14:creationId xmlns:p14="http://schemas.microsoft.com/office/powerpoint/2010/main" val="2310656867"/>
+      </p:ext>
+    </p:extLst>
+  </p:cSld>
+  <p:clrMapOvr>
+    <a:masterClrMapping/>
+  </p:clrMapOvr>
+  <p:transition spd="slow">
+    <p:push dir="u"/>
+  </p:transition>
+</p:sld>
+</file>
+
+<file path=ppt/slides/slide14.xml><?xml version="1.0" encoding="utf-8"?>
+<p:sld xmlns:a="http://schemas.openxmlformats.org/drawingml/2006/main" xmlns:r="http://schemas.openxmlformats.org/officeDocument/2006/relationships" xmlns:p="http://schemas.openxmlformats.org/presentationml/2006/main">
+  <p:cSld>
+    <p:spTree>
+      <p:nvGrpSpPr>
+        <p:cNvPr id="1" name=""/>
+        <p:cNvGrpSpPr/>
+        <p:nvPr/>
+      </p:nvGrpSpPr>
+      <p:grpSpPr>
+        <a:xfrm>
+          <a:off x="0" y="0"/>
+          <a:ext cx="0" cy="0"/>
+          <a:chOff x="0" y="0"/>
+          <a:chExt cx="0" cy="0"/>
+        </a:xfrm>
+      </p:grpSpPr>
+      <p:sp>
+        <p:nvSpPr>
+          <p:cNvPr id="8" name="Title 7">
+            <a:extLst>
+              <a:ext uri="{FF2B5EF4-FFF2-40B4-BE49-F238E27FC236}">
+                <a16:creationId xmlns:a16="http://schemas.microsoft.com/office/drawing/2014/main" id="{53791108-5DDC-2E47-A3F7-331F0782AA8B}"/>
+              </a:ext>
+            </a:extLst>
+          </p:cNvPr>
+          <p:cNvSpPr>
+            <a:spLocks noGrp="1"/>
+          </p:cNvSpPr>
+          <p:nvPr>
+            <p:ph type="title"/>
+          </p:nvPr>
+        </p:nvSpPr>
+        <p:spPr>
+          <a:xfrm>
+            <a:off x="3646617" y="3086039"/>
+            <a:ext cx="4898765" cy="685921"/>
+          </a:xfrm>
+        </p:spPr>
+        <p:txBody>
+          <a:bodyPr anchor="ctr"/>
+          <a:lstStyle/>
+          <a:p>
+            <a:pPr algn="ctr"/>
+            <a:r>
+              <a:rPr lang="en-US" dirty="0">
+                <a:solidFill>
+                  <a:srgbClr val="006699"/>
+                </a:solidFill>
+              </a:rPr>
+              <a:t>6 – Conclusions</a:t>
+            </a:r>
+          </a:p>
+        </p:txBody>
+      </p:sp>
+    </p:spTree>
+    <p:extLst>
+      <p:ext uri="{BB962C8B-B14F-4D97-AF65-F5344CB8AC3E}">
+        <p14:creationId xmlns:p14="http://schemas.microsoft.com/office/powerpoint/2010/main" val="2406133229"/>
+      </p:ext>
+    </p:extLst>
+  </p:cSld>
+  <p:clrMapOvr>
+    <a:masterClrMapping/>
+  </p:clrMapOvr>
+  <p:transition spd="slow">
+    <p:push dir="u"/>
+  </p:transition>
+</p:sld>
+</file>
+
+<file path=ppt/slides/slide15.xml><?xml version="1.0" encoding="utf-8"?>
+<p:sld xmlns:a="http://schemas.openxmlformats.org/drawingml/2006/main" xmlns:r="http://schemas.openxmlformats.org/officeDocument/2006/relationships" xmlns:p="http://schemas.openxmlformats.org/presentationml/2006/main">
+  <p:cSld>
+    <p:spTree>
+      <p:nvGrpSpPr>
+        <p:cNvPr id="1" name=""/>
+        <p:cNvGrpSpPr/>
+        <p:nvPr/>
+      </p:nvGrpSpPr>
+      <p:grpSpPr>
+        <a:xfrm>
+          <a:off x="0" y="0"/>
+          <a:ext cx="0" cy="0"/>
+          <a:chOff x="0" y="0"/>
+          <a:chExt cx="0" cy="0"/>
+        </a:xfrm>
+      </p:grpSpPr>
+      <p:sp>
+        <p:nvSpPr>
+          <p:cNvPr id="61" name="Rectangle 60"/>
+          <p:cNvSpPr/>
+          <p:nvPr/>
+        </p:nvSpPr>
+        <p:spPr bwMode="gray">
+          <a:xfrm>
+            <a:off x="1016411" y="3057849"/>
+            <a:ext cx="2813652" cy="2766482"/>
+          </a:xfrm>
+          <a:prstGeom prst="rect">
+            <a:avLst/>
+          </a:prstGeom>
+          <a:solidFill>
+            <a:srgbClr val="00A3E0"/>
+          </a:solidFill>
+          <a:ln w="19050" algn="ctr">
+            <a:solidFill>
+              <a:schemeClr val="tx1"/>
+            </a:solidFill>
+            <a:miter lim="800000"/>
+            <a:headEnd/>
+            <a:tailEnd/>
+          </a:ln>
+          <a:effectLst/>
+        </p:spPr>
+        <p:txBody>
+          <a:bodyPr wrap="square" lIns="88900" tIns="88900" rIns="88900" bIns="88900" rtlCol="0" anchor="ctr"/>
+          <a:lstStyle/>
+          <a:p>
+            <a:pPr marL="0" marR="0" lvl="0" indent="0" algn="ctr" defTabSz="914400" rtl="0" eaLnBrk="1" fontAlgn="auto" latinLnBrk="0" hangingPunct="1">
+              <a:lnSpc>
+                <a:spcPct val="106000"/>
+              </a:lnSpc>
+              <a:spcBef>
+                <a:spcPts val="0"/>
+              </a:spcBef>
+              <a:spcAft>
+                <a:spcPts val="0"/>
+              </a:spcAft>
+              <a:buClrTx/>
+              <a:buSzTx/>
+              <a:buFont typeface="Wingdings 2" pitchFamily="18" charset="2"/>
+              <a:buNone/>
+              <a:tabLst/>
+              <a:defRPr/>
+            </a:pPr>
+            <a:r>
+              <a:rPr kumimoji="0" lang="es-MX" sz="1600" b="1" i="0" u="none" strike="noStrike" kern="1200" cap="none" spc="0" normalizeH="0" baseline="0" noProof="0" dirty="0">
+                <a:ln>
+                  <a:noFill/>
+                </a:ln>
+                <a:solidFill>
+                  <a:prstClr val="white"/>
+                </a:solidFill>
+                <a:effectLst/>
+                <a:uLnTx/>
+                <a:uFillTx/>
+                <a:ea typeface="+mn-ea"/>
+                <a:cs typeface="+mn-cs"/>
+              </a:rPr>
+              <a:t>Machine </a:t>
+            </a:r>
+            <a:r>
+              <a:rPr kumimoji="0" lang="es-MX" sz="1600" b="1" i="0" u="none" strike="noStrike" kern="1200" cap="none" spc="0" normalizeH="0" baseline="0" noProof="0" dirty="0" err="1">
+                <a:ln>
+                  <a:noFill/>
+                </a:ln>
+                <a:solidFill>
+                  <a:prstClr val="white"/>
+                </a:solidFill>
+                <a:effectLst/>
+                <a:uLnTx/>
+                <a:uFillTx/>
+                <a:ea typeface="+mn-ea"/>
+                <a:cs typeface="+mn-cs"/>
+              </a:rPr>
+              <a:t>learning</a:t>
+            </a:r>
+            <a:r>
+              <a:rPr kumimoji="0" lang="es-MX" sz="1600" b="1" i="0" u="none" strike="noStrike" kern="1200" cap="none" spc="0" normalizeH="0" baseline="0" noProof="0" dirty="0">
+                <a:ln>
+                  <a:noFill/>
+                </a:ln>
+                <a:solidFill>
+                  <a:prstClr val="white"/>
+                </a:solidFill>
+                <a:effectLst/>
+                <a:uLnTx/>
+                <a:uFillTx/>
+                <a:ea typeface="+mn-ea"/>
+                <a:cs typeface="+mn-cs"/>
+              </a:rPr>
+              <a:t> </a:t>
+            </a:r>
+            <a:r>
+              <a:rPr kumimoji="0" lang="es-MX" sz="1600" b="1" i="0" u="none" strike="noStrike" kern="1200" cap="none" spc="0" normalizeH="0" baseline="0" noProof="0" dirty="0" err="1">
+                <a:ln>
+                  <a:noFill/>
+                </a:ln>
+                <a:solidFill>
+                  <a:prstClr val="white"/>
+                </a:solidFill>
+                <a:effectLst/>
+                <a:uLnTx/>
+                <a:uFillTx/>
+                <a:ea typeface="+mn-ea"/>
+                <a:cs typeface="+mn-cs"/>
+              </a:rPr>
+              <a:t>algorithms</a:t>
+            </a:r>
+            <a:r>
+              <a:rPr kumimoji="0" lang="es-MX" sz="1600" b="1" i="0" u="none" strike="noStrike" kern="1200" cap="none" spc="0" normalizeH="0" baseline="0" noProof="0" dirty="0">
+                <a:ln>
+                  <a:noFill/>
+                </a:ln>
+                <a:solidFill>
+                  <a:prstClr val="white"/>
+                </a:solidFill>
+                <a:effectLst/>
+                <a:uLnTx/>
+                <a:uFillTx/>
+                <a:ea typeface="+mn-ea"/>
+                <a:cs typeface="+mn-cs"/>
+              </a:rPr>
+              <a:t> can </a:t>
+            </a:r>
+            <a:r>
+              <a:rPr kumimoji="0" lang="es-MX" sz="1600" b="1" i="0" u="none" strike="noStrike" kern="1200" cap="none" spc="0" normalizeH="0" baseline="0" noProof="0" dirty="0" err="1">
+                <a:ln>
+                  <a:noFill/>
+                </a:ln>
+                <a:solidFill>
+                  <a:prstClr val="white"/>
+                </a:solidFill>
+                <a:effectLst/>
+                <a:uLnTx/>
+                <a:uFillTx/>
+                <a:ea typeface="+mn-ea"/>
+                <a:cs typeface="+mn-cs"/>
+              </a:rPr>
+              <a:t>aid</a:t>
+            </a:r>
+            <a:r>
+              <a:rPr kumimoji="0" lang="es-MX" sz="1600" b="1" i="0" u="none" strike="noStrike" kern="1200" cap="none" spc="0" normalizeH="0" baseline="0" noProof="0" dirty="0">
+                <a:ln>
+                  <a:noFill/>
+                </a:ln>
+                <a:solidFill>
+                  <a:prstClr val="white"/>
+                </a:solidFill>
+                <a:effectLst/>
+                <a:uLnTx/>
+                <a:uFillTx/>
+                <a:ea typeface="+mn-ea"/>
+                <a:cs typeface="+mn-cs"/>
+              </a:rPr>
+              <a:t> in </a:t>
+            </a:r>
+            <a:r>
+              <a:rPr kumimoji="0" lang="es-MX" sz="1600" b="1" i="0" u="none" strike="noStrike" kern="1200" cap="none" spc="0" normalizeH="0" baseline="0" noProof="0" dirty="0" err="1">
+                <a:ln>
+                  <a:noFill/>
+                </a:ln>
+                <a:solidFill>
+                  <a:prstClr val="white"/>
+                </a:solidFill>
+                <a:effectLst/>
+                <a:uLnTx/>
+                <a:uFillTx/>
+                <a:ea typeface="+mn-ea"/>
+                <a:cs typeface="+mn-cs"/>
+              </a:rPr>
+              <a:t>detecting</a:t>
+            </a:r>
+            <a:r>
+              <a:rPr kumimoji="0" lang="es-MX" sz="1600" b="1" i="0" u="none" strike="noStrike" kern="1200" cap="none" spc="0" normalizeH="0" baseline="0" noProof="0" dirty="0">
+                <a:ln>
+                  <a:noFill/>
+                </a:ln>
+                <a:solidFill>
+                  <a:prstClr val="white"/>
+                </a:solidFill>
+                <a:effectLst/>
+                <a:uLnTx/>
+                <a:uFillTx/>
+                <a:ea typeface="+mn-ea"/>
+                <a:cs typeface="+mn-cs"/>
+              </a:rPr>
+              <a:t> </a:t>
+            </a:r>
+            <a:r>
+              <a:rPr kumimoji="0" lang="es-MX" sz="1600" b="1" i="0" u="none" strike="noStrike" kern="1200" cap="none" spc="0" normalizeH="0" baseline="0" noProof="0" dirty="0" err="1">
+                <a:ln>
+                  <a:noFill/>
+                </a:ln>
+                <a:solidFill>
+                  <a:prstClr val="white"/>
+                </a:solidFill>
+                <a:effectLst/>
+                <a:uLnTx/>
+                <a:uFillTx/>
+                <a:ea typeface="+mn-ea"/>
+                <a:cs typeface="+mn-cs"/>
+              </a:rPr>
+              <a:t>fraudulent</a:t>
+            </a:r>
+            <a:r>
+              <a:rPr kumimoji="0" lang="es-MX" sz="1600" b="1" i="0" u="none" strike="noStrike" kern="1200" cap="none" spc="0" normalizeH="0" baseline="0" noProof="0" dirty="0">
+                <a:ln>
+                  <a:noFill/>
+                </a:ln>
+                <a:solidFill>
+                  <a:prstClr val="white"/>
+                </a:solidFill>
+                <a:effectLst/>
+                <a:uLnTx/>
+                <a:uFillTx/>
+                <a:ea typeface="+mn-ea"/>
+                <a:cs typeface="+mn-cs"/>
+              </a:rPr>
+              <a:t> </a:t>
+            </a:r>
+            <a:r>
+              <a:rPr kumimoji="0" lang="es-MX" sz="1600" b="1" i="0" u="none" strike="noStrike" kern="1200" cap="none" spc="0" normalizeH="0" baseline="0" noProof="0" dirty="0" err="1">
+                <a:ln>
+                  <a:noFill/>
+                </a:ln>
+                <a:solidFill>
+                  <a:prstClr val="white"/>
+                </a:solidFill>
+                <a:effectLst/>
+                <a:uLnTx/>
+                <a:uFillTx/>
+                <a:ea typeface="+mn-ea"/>
+                <a:cs typeface="+mn-cs"/>
+              </a:rPr>
+              <a:t>activity</a:t>
+            </a:r>
+            <a:r>
+              <a:rPr kumimoji="0" lang="es-MX" sz="1600" b="1" i="0" u="none" strike="noStrike" kern="1200" cap="none" spc="0" normalizeH="0" baseline="0" noProof="0" dirty="0">
+                <a:ln>
+                  <a:noFill/>
+                </a:ln>
+                <a:solidFill>
+                  <a:prstClr val="white"/>
+                </a:solidFill>
+                <a:effectLst/>
+                <a:uLnTx/>
+                <a:uFillTx/>
+                <a:ea typeface="+mn-ea"/>
+                <a:cs typeface="+mn-cs"/>
+              </a:rPr>
+              <a:t> in </a:t>
+            </a:r>
+            <a:r>
+              <a:rPr kumimoji="0" lang="es-MX" sz="1600" b="1" i="0" u="none" strike="noStrike" kern="1200" cap="none" spc="0" normalizeH="0" baseline="0" noProof="0" dirty="0" err="1">
+                <a:ln>
+                  <a:noFill/>
+                </a:ln>
+                <a:solidFill>
+                  <a:prstClr val="white"/>
+                </a:solidFill>
+                <a:effectLst/>
+                <a:uLnTx/>
+                <a:uFillTx/>
+                <a:ea typeface="+mn-ea"/>
+                <a:cs typeface="+mn-cs"/>
+              </a:rPr>
+              <a:t>financial</a:t>
+            </a:r>
+            <a:r>
+              <a:rPr kumimoji="0" lang="es-MX" sz="1600" b="1" i="0" u="none" strike="noStrike" kern="1200" cap="none" spc="0" normalizeH="0" baseline="0" noProof="0" dirty="0">
+                <a:ln>
+                  <a:noFill/>
+                </a:ln>
+                <a:solidFill>
+                  <a:prstClr val="white"/>
+                </a:solidFill>
+                <a:effectLst/>
+                <a:uLnTx/>
+                <a:uFillTx/>
+                <a:ea typeface="+mn-ea"/>
+                <a:cs typeface="+mn-cs"/>
+              </a:rPr>
+              <a:t> </a:t>
+            </a:r>
+            <a:r>
+              <a:rPr kumimoji="0" lang="es-MX" sz="1600" b="1" i="0" u="none" strike="noStrike" kern="1200" cap="none" spc="0" normalizeH="0" baseline="0" noProof="0" dirty="0" err="1">
+                <a:ln>
+                  <a:noFill/>
+                </a:ln>
+                <a:solidFill>
+                  <a:prstClr val="white"/>
+                </a:solidFill>
+                <a:effectLst/>
+                <a:uLnTx/>
+                <a:uFillTx/>
+                <a:ea typeface="+mn-ea"/>
+                <a:cs typeface="+mn-cs"/>
+              </a:rPr>
+              <a:t>transactions</a:t>
+            </a:r>
+            <a:r>
+              <a:rPr kumimoji="0" lang="es-MX" sz="1600" b="1" i="0" u="none" strike="noStrike" kern="1200" cap="none" spc="0" normalizeH="0" baseline="0" noProof="0" dirty="0">
+                <a:ln>
+                  <a:noFill/>
+                </a:ln>
+                <a:solidFill>
+                  <a:prstClr val="white"/>
+                </a:solidFill>
+                <a:effectLst/>
+                <a:uLnTx/>
+                <a:uFillTx/>
+                <a:ea typeface="+mn-ea"/>
+                <a:cs typeface="+mn-cs"/>
+              </a:rPr>
+              <a:t> at a </a:t>
+            </a:r>
+            <a:r>
+              <a:rPr kumimoji="0" lang="es-MX" sz="1600" b="1" i="0" u="none" strike="noStrike" kern="1200" cap="none" spc="0" normalizeH="0" baseline="0" noProof="0" dirty="0" err="1">
+                <a:ln>
+                  <a:noFill/>
+                </a:ln>
+                <a:solidFill>
+                  <a:prstClr val="white"/>
+                </a:solidFill>
+                <a:effectLst/>
+                <a:uLnTx/>
+                <a:uFillTx/>
+                <a:ea typeface="+mn-ea"/>
+                <a:cs typeface="+mn-cs"/>
+              </a:rPr>
+              <a:t>low</a:t>
+            </a:r>
+            <a:r>
+              <a:rPr lang="es-MX" sz="1600" b="1" dirty="0">
+                <a:solidFill>
+                  <a:prstClr val="white"/>
+                </a:solidFill>
+              </a:rPr>
+              <a:t> p</a:t>
+            </a:r>
+            <a:r>
+              <a:rPr kumimoji="0" lang="es-MX" sz="1600" b="1" i="0" u="none" strike="noStrike" kern="1200" cap="none" spc="0" normalizeH="0" baseline="0" noProof="0" dirty="0">
+                <a:ln>
+                  <a:noFill/>
+                </a:ln>
+                <a:solidFill>
+                  <a:prstClr val="white"/>
+                </a:solidFill>
+                <a:effectLst/>
+                <a:uLnTx/>
+                <a:uFillTx/>
+                <a:ea typeface="+mn-ea"/>
+                <a:cs typeface="+mn-cs"/>
+              </a:rPr>
+              <a:t>rice and </a:t>
+            </a:r>
+            <a:r>
+              <a:rPr kumimoji="0" lang="es-MX" sz="1600" b="1" i="0" u="none" strike="noStrike" kern="1200" cap="none" spc="0" normalizeH="0" baseline="0" noProof="0" dirty="0" err="1">
+                <a:ln>
+                  <a:noFill/>
+                </a:ln>
+                <a:solidFill>
+                  <a:prstClr val="white"/>
+                </a:solidFill>
+                <a:effectLst/>
+                <a:uLnTx/>
+                <a:uFillTx/>
+                <a:ea typeface="+mn-ea"/>
+                <a:cs typeface="+mn-cs"/>
+              </a:rPr>
+              <a:t>high</a:t>
+            </a:r>
+            <a:r>
+              <a:rPr kumimoji="0" lang="es-MX" sz="1600" b="1" i="0" u="none" strike="noStrike" kern="1200" cap="none" spc="0" normalizeH="0" baseline="0" noProof="0" dirty="0">
+                <a:ln>
+                  <a:noFill/>
+                </a:ln>
+                <a:solidFill>
+                  <a:prstClr val="white"/>
+                </a:solidFill>
+                <a:effectLst/>
+                <a:uLnTx/>
+                <a:uFillTx/>
+                <a:ea typeface="+mn-ea"/>
+                <a:cs typeface="+mn-cs"/>
+              </a:rPr>
+              <a:t> </a:t>
+            </a:r>
+            <a:r>
+              <a:rPr kumimoji="0" lang="es-MX" sz="1600" b="1" i="0" u="none" strike="noStrike" kern="1200" cap="none" spc="0" normalizeH="0" baseline="0" noProof="0" dirty="0" err="1">
+                <a:ln>
+                  <a:noFill/>
+                </a:ln>
+                <a:solidFill>
+                  <a:prstClr val="white"/>
+                </a:solidFill>
+                <a:effectLst/>
+                <a:uLnTx/>
+                <a:uFillTx/>
+                <a:ea typeface="+mn-ea"/>
+                <a:cs typeface="+mn-cs"/>
+              </a:rPr>
+              <a:t>efficiency</a:t>
+            </a:r>
+            <a:r>
+              <a:rPr kumimoji="0" lang="es-MX" sz="1600" b="1" i="0" u="none" strike="noStrike" kern="1200" cap="none" spc="0" normalizeH="0" baseline="0" noProof="0" dirty="0">
+                <a:ln>
+                  <a:noFill/>
+                </a:ln>
+                <a:solidFill>
+                  <a:prstClr val="white"/>
+                </a:solidFill>
+                <a:effectLst/>
+                <a:uLnTx/>
+                <a:uFillTx/>
+                <a:ea typeface="+mn-ea"/>
+                <a:cs typeface="+mn-cs"/>
+              </a:rPr>
+              <a:t>.</a:t>
+            </a:r>
+          </a:p>
+          <a:p>
+            <a:pPr marL="0" marR="0" lvl="0" indent="0" algn="ctr" defTabSz="914400" rtl="0" eaLnBrk="1" fontAlgn="auto" latinLnBrk="0" hangingPunct="1">
+              <a:lnSpc>
+                <a:spcPct val="106000"/>
+              </a:lnSpc>
+              <a:spcBef>
+                <a:spcPts val="0"/>
+              </a:spcBef>
+              <a:spcAft>
+                <a:spcPts val="0"/>
+              </a:spcAft>
+              <a:buClrTx/>
+              <a:buSzTx/>
+              <a:buFont typeface="Wingdings 2" pitchFamily="18" charset="2"/>
+              <a:buNone/>
+              <a:tabLst/>
+              <a:defRPr/>
+            </a:pPr>
+            <a:endParaRPr lang="es-MX" sz="1600" b="1" dirty="0">
+              <a:solidFill>
+                <a:prstClr val="white"/>
+              </a:solidFill>
+            </a:endParaRPr>
+          </a:p>
+          <a:p>
+            <a:pPr marL="0" marR="0" lvl="0" indent="0" algn="ctr" defTabSz="914400" rtl="0" eaLnBrk="1" fontAlgn="auto" latinLnBrk="0" hangingPunct="1">
+              <a:lnSpc>
+                <a:spcPct val="106000"/>
+              </a:lnSpc>
+              <a:spcBef>
+                <a:spcPts val="0"/>
+              </a:spcBef>
+              <a:spcAft>
+                <a:spcPts val="0"/>
+              </a:spcAft>
+              <a:buClrTx/>
+              <a:buSzTx/>
+              <a:buFont typeface="Wingdings 2" pitchFamily="18" charset="2"/>
+              <a:buNone/>
+              <a:tabLst/>
+              <a:defRPr/>
+            </a:pPr>
+            <a:r>
+              <a:rPr kumimoji="0" lang="es-MX" sz="1600" b="1" i="0" u="none" strike="noStrike" kern="1200" cap="none" spc="0" normalizeH="0" baseline="0" noProof="0" dirty="0" err="1">
+                <a:ln>
+                  <a:noFill/>
+                </a:ln>
+                <a:solidFill>
+                  <a:prstClr val="white"/>
+                </a:solidFill>
+                <a:effectLst/>
+                <a:uLnTx/>
+                <a:uFillTx/>
+                <a:ea typeface="+mn-ea"/>
+                <a:cs typeface="+mn-cs"/>
+              </a:rPr>
+              <a:t>For</a:t>
+            </a:r>
+            <a:r>
+              <a:rPr kumimoji="0" lang="es-MX" sz="1600" b="1" i="0" u="none" strike="noStrike" kern="1200" cap="none" spc="0" normalizeH="0" baseline="0" noProof="0" dirty="0">
+                <a:ln>
+                  <a:noFill/>
+                </a:ln>
+                <a:solidFill>
+                  <a:prstClr val="white"/>
+                </a:solidFill>
+                <a:effectLst/>
+                <a:uLnTx/>
+                <a:uFillTx/>
+                <a:ea typeface="+mn-ea"/>
+                <a:cs typeface="+mn-cs"/>
+              </a:rPr>
+              <a:t> </a:t>
+            </a:r>
+            <a:r>
+              <a:rPr kumimoji="0" lang="es-MX" sz="1600" b="1" i="0" u="none" strike="noStrike" kern="1200" cap="none" spc="0" normalizeH="0" baseline="0" noProof="0" dirty="0" err="1">
+                <a:ln>
+                  <a:noFill/>
+                </a:ln>
+                <a:solidFill>
+                  <a:prstClr val="white"/>
+                </a:solidFill>
+                <a:effectLst/>
+                <a:uLnTx/>
+                <a:uFillTx/>
+                <a:ea typeface="+mn-ea"/>
+                <a:cs typeface="+mn-cs"/>
+              </a:rPr>
+              <a:t>that</a:t>
+            </a:r>
+            <a:r>
+              <a:rPr kumimoji="0" lang="es-MX" sz="1600" b="1" i="0" u="none" strike="noStrike" kern="1200" cap="none" spc="0" normalizeH="0" baseline="0" noProof="0" dirty="0">
+                <a:ln>
+                  <a:noFill/>
+                </a:ln>
+                <a:solidFill>
+                  <a:prstClr val="white"/>
+                </a:solidFill>
+                <a:effectLst/>
+                <a:uLnTx/>
+                <a:uFillTx/>
+                <a:ea typeface="+mn-ea"/>
+                <a:cs typeface="+mn-cs"/>
+              </a:rPr>
+              <a:t>, </a:t>
+            </a:r>
+            <a:r>
+              <a:rPr kumimoji="0" lang="es-MX" sz="1600" b="1" i="0" u="none" strike="noStrike" kern="1200" cap="none" spc="0" normalizeH="0" baseline="0" noProof="0" dirty="0" err="1">
+                <a:ln>
+                  <a:noFill/>
+                </a:ln>
+                <a:solidFill>
+                  <a:prstClr val="white"/>
+                </a:solidFill>
+                <a:effectLst/>
+                <a:uLnTx/>
+                <a:uFillTx/>
+                <a:ea typeface="+mn-ea"/>
+                <a:cs typeface="+mn-cs"/>
+              </a:rPr>
+              <a:t>historical</a:t>
+            </a:r>
+            <a:r>
+              <a:rPr kumimoji="0" lang="es-MX" sz="1600" b="1" i="0" u="none" strike="noStrike" kern="1200" cap="none" spc="0" normalizeH="0" baseline="0" noProof="0" dirty="0">
+                <a:ln>
+                  <a:noFill/>
+                </a:ln>
+                <a:solidFill>
+                  <a:prstClr val="white"/>
+                </a:solidFill>
+                <a:effectLst/>
+                <a:uLnTx/>
+                <a:uFillTx/>
+                <a:ea typeface="+mn-ea"/>
+                <a:cs typeface="+mn-cs"/>
+              </a:rPr>
+              <a:t> </a:t>
+            </a:r>
+            <a:r>
+              <a:rPr kumimoji="0" lang="es-MX" sz="1600" b="1" i="0" u="none" strike="noStrike" kern="1200" cap="none" spc="0" normalizeH="0" baseline="0" noProof="0" dirty="0" err="1">
+                <a:ln>
+                  <a:noFill/>
+                </a:ln>
+                <a:solidFill>
+                  <a:prstClr val="white"/>
+                </a:solidFill>
+                <a:effectLst/>
+                <a:uLnTx/>
+                <a:uFillTx/>
+                <a:ea typeface="+mn-ea"/>
+                <a:cs typeface="+mn-cs"/>
+              </a:rPr>
+              <a:t>transaction</a:t>
+            </a:r>
+            <a:r>
+              <a:rPr lang="es-MX" sz="1600" b="1" dirty="0">
+                <a:solidFill>
+                  <a:prstClr val="white"/>
+                </a:solidFill>
+              </a:rPr>
+              <a:t>s data </a:t>
+            </a:r>
+            <a:r>
+              <a:rPr lang="es-MX" sz="1600" b="1" dirty="0" err="1">
+                <a:solidFill>
+                  <a:prstClr val="white"/>
+                </a:solidFill>
+              </a:rPr>
+              <a:t>must</a:t>
+            </a:r>
+            <a:r>
+              <a:rPr lang="es-MX" sz="1600" b="1" dirty="0">
+                <a:solidFill>
+                  <a:prstClr val="white"/>
+                </a:solidFill>
+              </a:rPr>
+              <a:t> be </a:t>
+            </a:r>
+            <a:r>
+              <a:rPr lang="es-MX" sz="1600" b="1" dirty="0" err="1">
+                <a:solidFill>
+                  <a:prstClr val="white"/>
+                </a:solidFill>
+              </a:rPr>
+              <a:t>used</a:t>
+            </a:r>
+            <a:r>
+              <a:rPr lang="es-MX" sz="1600" b="1" dirty="0">
+                <a:solidFill>
+                  <a:prstClr val="white"/>
+                </a:solidFill>
+              </a:rPr>
+              <a:t> </a:t>
+            </a:r>
+            <a:r>
+              <a:rPr lang="es-MX" sz="1600" b="1" dirty="0" err="1">
+                <a:solidFill>
+                  <a:prstClr val="white"/>
+                </a:solidFill>
+              </a:rPr>
+              <a:t>for</a:t>
+            </a:r>
+            <a:r>
+              <a:rPr lang="es-MX" sz="1600" b="1" dirty="0">
+                <a:solidFill>
+                  <a:prstClr val="white"/>
+                </a:solidFill>
+              </a:rPr>
+              <a:t> training </a:t>
+            </a:r>
+            <a:r>
+              <a:rPr lang="es-MX" sz="1600" b="1" dirty="0" err="1">
+                <a:solidFill>
+                  <a:prstClr val="white"/>
+                </a:solidFill>
+              </a:rPr>
+              <a:t>the</a:t>
+            </a:r>
+            <a:r>
+              <a:rPr lang="es-MX" sz="1600" b="1" dirty="0">
+                <a:solidFill>
+                  <a:prstClr val="white"/>
+                </a:solidFill>
+              </a:rPr>
+              <a:t> </a:t>
+            </a:r>
+            <a:r>
+              <a:rPr lang="es-MX" sz="1600" b="1" dirty="0" err="1">
+                <a:solidFill>
+                  <a:prstClr val="white"/>
+                </a:solidFill>
+              </a:rPr>
+              <a:t>model</a:t>
+            </a:r>
+            <a:r>
+              <a:rPr lang="es-MX" sz="1600" b="1" dirty="0">
+                <a:solidFill>
+                  <a:prstClr val="white"/>
+                </a:solidFill>
+              </a:rPr>
+              <a:t>.</a:t>
+            </a:r>
+            <a:endParaRPr kumimoji="0" lang="en-US" sz="1600" b="1" i="0" u="none" strike="noStrike" kern="1200" cap="none" spc="0" normalizeH="0" baseline="0" noProof="0" dirty="0">
+              <a:ln>
+                <a:noFill/>
+              </a:ln>
+              <a:solidFill>
+                <a:prstClr val="white"/>
+              </a:solidFill>
+              <a:effectLst/>
+              <a:uLnTx/>
+              <a:uFillTx/>
+              <a:ea typeface="+mn-ea"/>
+              <a:cs typeface="+mn-cs"/>
+            </a:endParaRPr>
+          </a:p>
+        </p:txBody>
+      </p:sp>
+      <p:sp>
+        <p:nvSpPr>
+          <p:cNvPr id="68" name="Rectangle 67"/>
+          <p:cNvSpPr/>
+          <p:nvPr/>
+        </p:nvSpPr>
+        <p:spPr bwMode="gray">
+          <a:xfrm>
+            <a:off x="4689174" y="3057848"/>
+            <a:ext cx="2813652" cy="2766482"/>
+          </a:xfrm>
+          <a:prstGeom prst="rect">
+            <a:avLst/>
+          </a:prstGeom>
+          <a:solidFill>
+            <a:srgbClr val="007680"/>
+          </a:solidFill>
+          <a:ln w="19050" algn="ctr">
+            <a:solidFill>
+              <a:schemeClr val="tx1"/>
+            </a:solidFill>
+            <a:miter lim="800000"/>
+            <a:headEnd/>
+            <a:tailEnd/>
+          </a:ln>
+          <a:effectLst/>
+        </p:spPr>
+        <p:txBody>
+          <a:bodyPr wrap="square" lIns="88900" tIns="88900" rIns="88900" bIns="88900" rtlCol="0" anchor="ctr"/>
+          <a:lstStyle/>
+          <a:p>
+            <a:pPr marL="0" marR="0" lvl="0" indent="0" algn="ctr" defTabSz="914400" rtl="0" eaLnBrk="1" fontAlgn="auto" latinLnBrk="0" hangingPunct="1">
+              <a:lnSpc>
+                <a:spcPct val="106000"/>
+              </a:lnSpc>
+              <a:spcBef>
+                <a:spcPts val="0"/>
+              </a:spcBef>
+              <a:spcAft>
+                <a:spcPts val="0"/>
+              </a:spcAft>
+              <a:buClrTx/>
+              <a:buSzTx/>
+              <a:buFont typeface="Wingdings 2" pitchFamily="18" charset="2"/>
+              <a:buNone/>
+              <a:tabLst/>
+              <a:defRPr/>
+            </a:pPr>
+            <a:r>
+              <a:rPr lang="es-MX" sz="1600" b="1" dirty="0" err="1">
+                <a:solidFill>
+                  <a:prstClr val="white"/>
+                </a:solidFill>
+                <a:latin typeface="Calibri Light"/>
+              </a:rPr>
+              <a:t>Imbalanced</a:t>
+            </a:r>
+            <a:r>
+              <a:rPr lang="es-MX" sz="1600" b="1" dirty="0">
+                <a:solidFill>
+                  <a:prstClr val="white"/>
+                </a:solidFill>
+                <a:latin typeface="Calibri Light"/>
+              </a:rPr>
+              <a:t> </a:t>
+            </a:r>
+            <a:r>
+              <a:rPr lang="es-MX" sz="1600" b="1" dirty="0" err="1">
+                <a:solidFill>
+                  <a:prstClr val="white"/>
+                </a:solidFill>
+                <a:latin typeface="Calibri Light"/>
+              </a:rPr>
+              <a:t>datasets</a:t>
+            </a:r>
+            <a:r>
+              <a:rPr lang="es-MX" sz="1600" b="1" dirty="0">
+                <a:solidFill>
+                  <a:prstClr val="white"/>
+                </a:solidFill>
+                <a:latin typeface="Calibri Light"/>
+              </a:rPr>
+              <a:t> can be </a:t>
+            </a:r>
+            <a:r>
+              <a:rPr lang="es-MX" sz="1600" b="1" dirty="0" err="1">
+                <a:solidFill>
+                  <a:prstClr val="white"/>
+                </a:solidFill>
+                <a:latin typeface="Calibri Light"/>
+              </a:rPr>
+              <a:t>treated</a:t>
+            </a:r>
+            <a:r>
+              <a:rPr lang="es-MX" sz="1600" b="1" dirty="0">
+                <a:solidFill>
+                  <a:prstClr val="white"/>
+                </a:solidFill>
+                <a:latin typeface="Calibri Light"/>
+              </a:rPr>
+              <a:t> </a:t>
+            </a:r>
+            <a:r>
+              <a:rPr lang="es-MX" sz="1600" b="1" dirty="0" err="1">
+                <a:solidFill>
+                  <a:prstClr val="white"/>
+                </a:solidFill>
+                <a:latin typeface="Calibri Light"/>
+              </a:rPr>
+              <a:t>through</a:t>
+            </a:r>
+            <a:r>
+              <a:rPr lang="es-MX" sz="1600" b="1" dirty="0">
+                <a:solidFill>
+                  <a:prstClr val="white"/>
+                </a:solidFill>
+                <a:latin typeface="Calibri Light"/>
+              </a:rPr>
+              <a:t> </a:t>
+            </a:r>
+            <a:r>
+              <a:rPr lang="es-MX" sz="1600" b="1" dirty="0" err="1">
+                <a:solidFill>
+                  <a:prstClr val="white"/>
+                </a:solidFill>
+                <a:latin typeface="Calibri Light"/>
+              </a:rPr>
+              <a:t>statistical</a:t>
+            </a:r>
+            <a:r>
+              <a:rPr lang="es-MX" sz="1600" b="1" dirty="0">
+                <a:solidFill>
+                  <a:prstClr val="white"/>
+                </a:solidFill>
+                <a:latin typeface="Calibri Light"/>
+              </a:rPr>
+              <a:t> </a:t>
+            </a:r>
+            <a:r>
+              <a:rPr lang="es-MX" sz="1600" b="1" dirty="0" err="1">
+                <a:solidFill>
+                  <a:prstClr val="white"/>
+                </a:solidFill>
+                <a:latin typeface="Calibri Light"/>
+              </a:rPr>
+              <a:t>techniques</a:t>
+            </a:r>
+            <a:r>
+              <a:rPr lang="es-MX" sz="1600" b="1" dirty="0">
+                <a:solidFill>
+                  <a:prstClr val="white"/>
+                </a:solidFill>
+                <a:latin typeface="Calibri Light"/>
+              </a:rPr>
+              <a:t> </a:t>
+            </a:r>
+            <a:r>
+              <a:rPr lang="es-MX" sz="1600" b="1" dirty="0" err="1">
+                <a:solidFill>
+                  <a:prstClr val="white"/>
+                </a:solidFill>
+                <a:latin typeface="Calibri Light"/>
+              </a:rPr>
+              <a:t>for</a:t>
+            </a:r>
+            <a:r>
+              <a:rPr lang="es-MX" sz="1600" b="1" dirty="0">
+                <a:solidFill>
+                  <a:prstClr val="white"/>
+                </a:solidFill>
+                <a:latin typeface="Calibri Light"/>
+              </a:rPr>
+              <a:t> a </a:t>
+            </a:r>
+            <a:r>
+              <a:rPr lang="es-MX" sz="1600" b="1" dirty="0" err="1">
+                <a:solidFill>
+                  <a:prstClr val="white"/>
+                </a:solidFill>
+                <a:latin typeface="Calibri Light"/>
+              </a:rPr>
+              <a:t>better</a:t>
+            </a:r>
+            <a:r>
+              <a:rPr lang="es-MX" sz="1600" b="1" dirty="0">
+                <a:solidFill>
+                  <a:prstClr val="white"/>
+                </a:solidFill>
+                <a:latin typeface="Calibri Light"/>
+              </a:rPr>
+              <a:t> </a:t>
+            </a:r>
+            <a:r>
+              <a:rPr lang="es-MX" sz="1600" b="1" dirty="0" err="1">
+                <a:solidFill>
+                  <a:prstClr val="white"/>
+                </a:solidFill>
+                <a:latin typeface="Calibri Light"/>
+              </a:rPr>
+              <a:t>analysis</a:t>
+            </a:r>
+            <a:r>
+              <a:rPr lang="es-MX" sz="1600" b="1" dirty="0">
+                <a:solidFill>
+                  <a:prstClr val="white"/>
+                </a:solidFill>
+                <a:latin typeface="Calibri Light"/>
+              </a:rPr>
+              <a:t> and </a:t>
+            </a:r>
+            <a:r>
+              <a:rPr lang="es-MX" sz="1600" b="1" dirty="0" err="1">
+                <a:solidFill>
+                  <a:prstClr val="white"/>
+                </a:solidFill>
+                <a:latin typeface="Calibri Light"/>
+              </a:rPr>
+              <a:t>prediction</a:t>
+            </a:r>
+            <a:r>
+              <a:rPr lang="es-MX" sz="1600" b="1" dirty="0">
+                <a:solidFill>
+                  <a:prstClr val="white"/>
+                </a:solidFill>
+                <a:latin typeface="Calibri Light"/>
+              </a:rPr>
+              <a:t>.</a:t>
+            </a:r>
+          </a:p>
+          <a:p>
+            <a:pPr marL="0" marR="0" lvl="0" indent="0" algn="ctr" defTabSz="914400" rtl="0" eaLnBrk="1" fontAlgn="auto" latinLnBrk="0" hangingPunct="1">
+              <a:lnSpc>
+                <a:spcPct val="106000"/>
+              </a:lnSpc>
+              <a:spcBef>
+                <a:spcPts val="0"/>
+              </a:spcBef>
+              <a:spcAft>
+                <a:spcPts val="0"/>
+              </a:spcAft>
+              <a:buClrTx/>
+              <a:buSzTx/>
+              <a:buFont typeface="Wingdings 2" pitchFamily="18" charset="2"/>
+              <a:buNone/>
+              <a:tabLst/>
+              <a:defRPr/>
+            </a:pPr>
+            <a:endParaRPr kumimoji="0" lang="es-MX" sz="1600" b="1" i="0" u="none" strike="noStrike" kern="1200" cap="none" spc="0" normalizeH="0" baseline="0" noProof="0" dirty="0">
+              <a:ln>
+                <a:noFill/>
+              </a:ln>
+              <a:solidFill>
+                <a:prstClr val="white"/>
+              </a:solidFill>
+              <a:effectLst/>
+              <a:uLnTx/>
+              <a:uFillTx/>
+              <a:latin typeface="Calibri Light"/>
+              <a:ea typeface="+mn-ea"/>
+              <a:cs typeface="+mn-cs"/>
+            </a:endParaRPr>
+          </a:p>
+          <a:p>
+            <a:pPr marL="0" marR="0" lvl="0" indent="0" algn="ctr" defTabSz="914400" rtl="0" eaLnBrk="1" fontAlgn="auto" latinLnBrk="0" hangingPunct="1">
+              <a:lnSpc>
+                <a:spcPct val="106000"/>
+              </a:lnSpc>
+              <a:spcBef>
+                <a:spcPts val="0"/>
+              </a:spcBef>
+              <a:spcAft>
+                <a:spcPts val="0"/>
+              </a:spcAft>
+              <a:buClrTx/>
+              <a:buSzTx/>
+              <a:buFont typeface="Wingdings 2" pitchFamily="18" charset="2"/>
+              <a:buNone/>
+              <a:tabLst/>
+              <a:defRPr/>
+            </a:pPr>
+            <a:r>
+              <a:rPr lang="es-MX" sz="1600" b="1" dirty="0" err="1">
+                <a:solidFill>
+                  <a:prstClr val="white"/>
+                </a:solidFill>
+                <a:latin typeface="Calibri Light"/>
+              </a:rPr>
+              <a:t>However</a:t>
+            </a:r>
+            <a:r>
+              <a:rPr lang="es-MX" sz="1600" b="1" dirty="0">
+                <a:solidFill>
+                  <a:prstClr val="white"/>
+                </a:solidFill>
+                <a:latin typeface="Calibri Light"/>
+              </a:rPr>
+              <a:t>, </a:t>
+            </a:r>
+            <a:r>
+              <a:rPr lang="es-MX" sz="1600" b="1" dirty="0" err="1">
+                <a:solidFill>
+                  <a:prstClr val="white"/>
+                </a:solidFill>
+                <a:latin typeface="Calibri Light"/>
+              </a:rPr>
+              <a:t>there</a:t>
+            </a:r>
+            <a:r>
+              <a:rPr lang="es-MX" sz="1600" b="1" dirty="0">
+                <a:solidFill>
+                  <a:prstClr val="white"/>
+                </a:solidFill>
+                <a:latin typeface="Calibri Light"/>
+              </a:rPr>
+              <a:t> are </a:t>
+            </a:r>
+            <a:r>
+              <a:rPr lang="es-MX" sz="1600" b="1" dirty="0" err="1">
+                <a:solidFill>
+                  <a:prstClr val="white"/>
+                </a:solidFill>
+                <a:latin typeface="Calibri Light"/>
+              </a:rPr>
+              <a:t>some</a:t>
+            </a:r>
+            <a:r>
+              <a:rPr lang="es-MX" sz="1600" b="1" dirty="0">
+                <a:solidFill>
+                  <a:prstClr val="white"/>
+                </a:solidFill>
+                <a:latin typeface="Calibri Light"/>
+              </a:rPr>
+              <a:t> </a:t>
+            </a:r>
+            <a:r>
+              <a:rPr lang="es-MX" sz="1600" b="1" dirty="0" err="1">
+                <a:solidFill>
+                  <a:prstClr val="white"/>
+                </a:solidFill>
+                <a:latin typeface="Calibri Light"/>
+              </a:rPr>
+              <a:t>disadvantages</a:t>
+            </a:r>
+            <a:r>
+              <a:rPr lang="es-MX" sz="1600" b="1" dirty="0">
+                <a:solidFill>
+                  <a:prstClr val="white"/>
+                </a:solidFill>
+                <a:latin typeface="Calibri Light"/>
+              </a:rPr>
+              <a:t> </a:t>
+            </a:r>
+            <a:r>
+              <a:rPr lang="es-MX" sz="1600" b="1" dirty="0" err="1">
+                <a:solidFill>
+                  <a:prstClr val="white"/>
+                </a:solidFill>
+                <a:latin typeface="Calibri Light"/>
+              </a:rPr>
+              <a:t>that</a:t>
+            </a:r>
+            <a:r>
+              <a:rPr lang="es-MX" sz="1600" b="1" dirty="0">
+                <a:solidFill>
+                  <a:prstClr val="white"/>
+                </a:solidFill>
+                <a:latin typeface="Calibri Light"/>
+              </a:rPr>
+              <a:t> are </a:t>
+            </a:r>
+            <a:r>
+              <a:rPr lang="es-MX" sz="1600" b="1" dirty="0" err="1">
+                <a:solidFill>
+                  <a:prstClr val="white"/>
+                </a:solidFill>
+                <a:latin typeface="Calibri Light"/>
+              </a:rPr>
+              <a:t>worth</a:t>
+            </a:r>
+            <a:r>
+              <a:rPr lang="es-MX" sz="1600" b="1" dirty="0">
+                <a:solidFill>
+                  <a:prstClr val="white"/>
+                </a:solidFill>
+                <a:latin typeface="Calibri Light"/>
+              </a:rPr>
+              <a:t> </a:t>
+            </a:r>
+            <a:r>
+              <a:rPr lang="es-MX" sz="1600" b="1" dirty="0" err="1">
+                <a:solidFill>
+                  <a:prstClr val="white"/>
+                </a:solidFill>
+                <a:latin typeface="Calibri Light"/>
+              </a:rPr>
+              <a:t>exploring</a:t>
+            </a:r>
+            <a:r>
+              <a:rPr lang="es-MX" sz="1600" b="1" dirty="0">
+                <a:solidFill>
+                  <a:prstClr val="white"/>
+                </a:solidFill>
+                <a:latin typeface="Calibri Light"/>
+              </a:rPr>
+              <a:t> (</a:t>
+            </a:r>
+            <a:r>
+              <a:rPr lang="es-MX" sz="1600" b="1" dirty="0" err="1">
+                <a:solidFill>
+                  <a:prstClr val="white"/>
+                </a:solidFill>
+                <a:latin typeface="Calibri Light"/>
+              </a:rPr>
+              <a:t>e.g</a:t>
+            </a:r>
+            <a:r>
+              <a:rPr lang="es-MX" sz="1600" b="1" dirty="0">
+                <a:solidFill>
+                  <a:prstClr val="white"/>
+                </a:solidFill>
+                <a:latin typeface="Calibri Light"/>
+              </a:rPr>
+              <a:t>. it </a:t>
+            </a:r>
+            <a:r>
+              <a:rPr lang="es-MX" sz="1600" b="1" dirty="0" err="1">
+                <a:solidFill>
+                  <a:prstClr val="white"/>
+                </a:solidFill>
+                <a:latin typeface="Calibri Light"/>
+              </a:rPr>
+              <a:t>oversamples</a:t>
+            </a:r>
+            <a:r>
+              <a:rPr lang="es-MX" sz="1600" b="1" dirty="0">
+                <a:solidFill>
+                  <a:prstClr val="white"/>
+                </a:solidFill>
+                <a:latin typeface="Calibri Light"/>
+              </a:rPr>
+              <a:t> </a:t>
+            </a:r>
+            <a:r>
+              <a:rPr lang="es-MX" sz="1600" b="1" dirty="0" err="1">
+                <a:solidFill>
+                  <a:prstClr val="white"/>
+                </a:solidFill>
+                <a:latin typeface="Calibri Light"/>
+              </a:rPr>
+              <a:t>uniformly</a:t>
+            </a:r>
+            <a:r>
+              <a:rPr lang="es-MX" sz="1600" b="1" dirty="0">
+                <a:solidFill>
+                  <a:prstClr val="white"/>
+                </a:solidFill>
+                <a:latin typeface="Calibri Light"/>
+              </a:rPr>
+              <a:t>)</a:t>
+            </a:r>
+            <a:endParaRPr kumimoji="0" lang="en-US" sz="1600" b="1" i="0" u="none" strike="noStrike" kern="1200" cap="none" spc="0" normalizeH="0" baseline="0" noProof="0" dirty="0">
+              <a:ln>
+                <a:noFill/>
+              </a:ln>
+              <a:solidFill>
+                <a:prstClr val="white"/>
+              </a:solidFill>
+              <a:effectLst/>
+              <a:uLnTx/>
+              <a:uFillTx/>
+              <a:latin typeface="Calibri Light"/>
+              <a:ea typeface="+mn-ea"/>
+              <a:cs typeface="+mn-cs"/>
+            </a:endParaRPr>
+          </a:p>
+        </p:txBody>
+      </p:sp>
+      <p:sp>
+        <p:nvSpPr>
+          <p:cNvPr id="84" name="Rectangle 83"/>
+          <p:cNvSpPr/>
+          <p:nvPr/>
+        </p:nvSpPr>
+        <p:spPr bwMode="gray">
+          <a:xfrm>
+            <a:off x="8361936" y="3057847"/>
+            <a:ext cx="3160644" cy="2766483"/>
+          </a:xfrm>
+          <a:prstGeom prst="rect">
+            <a:avLst/>
+          </a:prstGeom>
+          <a:solidFill>
+            <a:srgbClr val="43B02A"/>
+          </a:solidFill>
+          <a:ln w="19050" algn="ctr">
+            <a:solidFill>
+              <a:schemeClr val="tx1"/>
+            </a:solidFill>
+            <a:miter lim="800000"/>
+            <a:headEnd/>
+            <a:tailEnd/>
+          </a:ln>
+          <a:effectLst/>
+        </p:spPr>
+        <p:txBody>
+          <a:bodyPr wrap="square" lIns="88900" tIns="88900" rIns="88900" bIns="88900" rtlCol="0" anchor="ctr"/>
+          <a:lstStyle/>
+          <a:p>
+            <a:pPr marL="0" marR="0" lvl="0" indent="0" algn="ctr" defTabSz="914400" rtl="0" eaLnBrk="1" fontAlgn="auto" latinLnBrk="0" hangingPunct="1">
+              <a:lnSpc>
+                <a:spcPct val="106000"/>
+              </a:lnSpc>
+              <a:spcBef>
+                <a:spcPts val="0"/>
+              </a:spcBef>
+              <a:spcAft>
+                <a:spcPts val="0"/>
+              </a:spcAft>
+              <a:buClrTx/>
+              <a:buSzTx/>
+              <a:buFont typeface="Wingdings 2" pitchFamily="18" charset="2"/>
+              <a:buNone/>
+              <a:tabLst/>
+              <a:defRPr/>
+            </a:pPr>
+            <a:r>
+              <a:rPr kumimoji="0" lang="es-MX" sz="1600" b="1" i="0" u="none" strike="noStrike" kern="1200" cap="none" spc="0" normalizeH="0" baseline="0" noProof="0" dirty="0" err="1">
+                <a:ln>
+                  <a:noFill/>
+                </a:ln>
+                <a:solidFill>
+                  <a:prstClr val="white"/>
+                </a:solidFill>
+                <a:effectLst/>
+                <a:uLnTx/>
+                <a:uFillTx/>
+                <a:latin typeface="Calibri Light"/>
+                <a:ea typeface="+mn-ea"/>
+                <a:cs typeface="+mn-cs"/>
+              </a:rPr>
+              <a:t>For</a:t>
+            </a:r>
+            <a:r>
+              <a:rPr kumimoji="0" lang="es-MX" sz="1600" b="1" i="0" u="none" strike="noStrike" kern="1200" cap="none" spc="0" normalizeH="0" baseline="0" noProof="0" dirty="0">
+                <a:ln>
+                  <a:noFill/>
+                </a:ln>
+                <a:solidFill>
+                  <a:prstClr val="white"/>
+                </a:solidFill>
+                <a:effectLst/>
+                <a:uLnTx/>
+                <a:uFillTx/>
+                <a:latin typeface="Calibri Light"/>
+                <a:ea typeface="+mn-ea"/>
+                <a:cs typeface="+mn-cs"/>
+              </a:rPr>
+              <a:t> </a:t>
+            </a:r>
+            <a:r>
+              <a:rPr kumimoji="0" lang="es-MX" sz="1600" b="1" i="0" u="none" strike="noStrike" kern="1200" cap="none" spc="0" normalizeH="0" baseline="0" noProof="0" dirty="0" err="1">
+                <a:ln>
+                  <a:noFill/>
+                </a:ln>
+                <a:solidFill>
+                  <a:prstClr val="white"/>
+                </a:solidFill>
+                <a:effectLst/>
+                <a:uLnTx/>
+                <a:uFillTx/>
+                <a:latin typeface="Calibri Light"/>
+                <a:ea typeface="+mn-ea"/>
+                <a:cs typeface="+mn-cs"/>
+              </a:rPr>
+              <a:t>this</a:t>
+            </a:r>
+            <a:r>
+              <a:rPr kumimoji="0" lang="es-MX" sz="1600" b="1" i="0" u="none" strike="noStrike" kern="1200" cap="none" spc="0" normalizeH="0" baseline="0" noProof="0" dirty="0">
+                <a:ln>
+                  <a:noFill/>
+                </a:ln>
+                <a:solidFill>
+                  <a:prstClr val="white"/>
+                </a:solidFill>
+                <a:effectLst/>
+                <a:uLnTx/>
+                <a:uFillTx/>
+                <a:latin typeface="Calibri Light"/>
+                <a:ea typeface="+mn-ea"/>
+                <a:cs typeface="+mn-cs"/>
+              </a:rPr>
+              <a:t> </a:t>
+            </a:r>
+            <a:r>
+              <a:rPr kumimoji="0" lang="es-MX" sz="1600" b="1" i="0" u="none" strike="noStrike" kern="1200" cap="none" spc="0" normalizeH="0" baseline="0" noProof="0" dirty="0" err="1">
+                <a:ln>
+                  <a:noFill/>
+                </a:ln>
+                <a:solidFill>
+                  <a:prstClr val="white"/>
+                </a:solidFill>
+                <a:effectLst/>
+                <a:uLnTx/>
+                <a:uFillTx/>
+                <a:latin typeface="Calibri Light"/>
+                <a:ea typeface="+mn-ea"/>
+                <a:cs typeface="+mn-cs"/>
+              </a:rPr>
+              <a:t>capstone</a:t>
+            </a:r>
+            <a:r>
+              <a:rPr kumimoji="0" lang="es-MX" sz="1600" b="1" i="0" u="none" strike="noStrike" kern="1200" cap="none" spc="0" normalizeH="0" baseline="0" noProof="0" dirty="0">
+                <a:ln>
+                  <a:noFill/>
+                </a:ln>
+                <a:solidFill>
+                  <a:prstClr val="white"/>
+                </a:solidFill>
+                <a:effectLst/>
+                <a:uLnTx/>
+                <a:uFillTx/>
+                <a:latin typeface="Calibri Light"/>
+                <a:ea typeface="+mn-ea"/>
+                <a:cs typeface="+mn-cs"/>
+              </a:rPr>
+              <a:t> </a:t>
+            </a:r>
+            <a:r>
+              <a:rPr kumimoji="0" lang="es-MX" sz="1600" b="1" i="0" u="none" strike="noStrike" kern="1200" cap="none" spc="0" normalizeH="0" baseline="0" noProof="0" dirty="0" err="1">
+                <a:ln>
+                  <a:noFill/>
+                </a:ln>
+                <a:solidFill>
+                  <a:prstClr val="white"/>
+                </a:solidFill>
+                <a:effectLst/>
+                <a:uLnTx/>
+                <a:uFillTx/>
+                <a:latin typeface="Calibri Light"/>
+                <a:ea typeface="+mn-ea"/>
+                <a:cs typeface="+mn-cs"/>
+              </a:rPr>
+              <a:t>project</a:t>
+            </a:r>
+            <a:r>
+              <a:rPr kumimoji="0" lang="es-MX" sz="1600" b="1" i="0" u="none" strike="noStrike" kern="1200" cap="none" spc="0" normalizeH="0" baseline="0" noProof="0" dirty="0">
+                <a:ln>
+                  <a:noFill/>
+                </a:ln>
+                <a:solidFill>
+                  <a:prstClr val="white"/>
+                </a:solidFill>
+                <a:effectLst/>
+                <a:uLnTx/>
+                <a:uFillTx/>
+                <a:latin typeface="Calibri Light"/>
+                <a:ea typeface="+mn-ea"/>
+                <a:cs typeface="+mn-cs"/>
+              </a:rPr>
+              <a:t>, </a:t>
+            </a:r>
+            <a:r>
+              <a:rPr kumimoji="0" lang="es-MX" sz="1600" b="1" i="0" u="none" strike="noStrike" kern="1200" cap="none" spc="0" normalizeH="0" baseline="0" noProof="0" dirty="0" err="1">
+                <a:ln>
+                  <a:noFill/>
+                </a:ln>
+                <a:solidFill>
+                  <a:prstClr val="white"/>
+                </a:solidFill>
+                <a:effectLst/>
+                <a:uLnTx/>
+                <a:uFillTx/>
+                <a:latin typeface="Calibri Light"/>
+                <a:ea typeface="+mn-ea"/>
+                <a:cs typeface="+mn-cs"/>
+              </a:rPr>
+              <a:t>the</a:t>
+            </a:r>
+            <a:r>
+              <a:rPr kumimoji="0" lang="es-MX" sz="1600" b="1" i="0" u="none" strike="noStrike" kern="1200" cap="none" spc="0" normalizeH="0" baseline="0" noProof="0" dirty="0">
+                <a:ln>
+                  <a:noFill/>
+                </a:ln>
+                <a:solidFill>
+                  <a:prstClr val="white"/>
+                </a:solidFill>
+                <a:effectLst/>
+                <a:uLnTx/>
+                <a:uFillTx/>
+                <a:latin typeface="Calibri Light"/>
+                <a:ea typeface="+mn-ea"/>
+                <a:cs typeface="+mn-cs"/>
+              </a:rPr>
+              <a:t> </a:t>
+            </a:r>
+            <a:r>
+              <a:rPr kumimoji="0" lang="es-MX" sz="1600" b="1" i="0" u="none" strike="noStrike" kern="1200" cap="none" spc="0" normalizeH="0" baseline="0" noProof="0" dirty="0" err="1">
+                <a:ln>
+                  <a:noFill/>
+                </a:ln>
+                <a:solidFill>
+                  <a:prstClr val="white"/>
+                </a:solidFill>
+                <a:effectLst/>
+                <a:uLnTx/>
+                <a:uFillTx/>
+                <a:latin typeface="Calibri Light"/>
+                <a:ea typeface="+mn-ea"/>
+                <a:cs typeface="+mn-cs"/>
+              </a:rPr>
+              <a:t>most</a:t>
+            </a:r>
+            <a:r>
+              <a:rPr kumimoji="0" lang="es-MX" sz="1600" b="1" i="0" u="none" strike="noStrike" kern="1200" cap="none" spc="0" normalizeH="0" baseline="0" noProof="0" dirty="0">
+                <a:ln>
+                  <a:noFill/>
+                </a:ln>
+                <a:solidFill>
+                  <a:prstClr val="white"/>
+                </a:solidFill>
+                <a:effectLst/>
+                <a:uLnTx/>
+                <a:uFillTx/>
+                <a:latin typeface="Calibri Light"/>
+                <a:ea typeface="+mn-ea"/>
+                <a:cs typeface="+mn-cs"/>
+              </a:rPr>
+              <a:t> </a:t>
+            </a:r>
+            <a:r>
+              <a:rPr kumimoji="0" lang="es-MX" sz="1600" b="1" i="0" u="none" strike="noStrike" kern="1200" cap="none" spc="0" normalizeH="0" baseline="0" noProof="0" dirty="0" err="1">
+                <a:ln>
+                  <a:noFill/>
+                </a:ln>
+                <a:solidFill>
+                  <a:prstClr val="white"/>
+                </a:solidFill>
+                <a:effectLst/>
+                <a:uLnTx/>
+                <a:uFillTx/>
+                <a:latin typeface="Calibri Light"/>
+                <a:ea typeface="+mn-ea"/>
+                <a:cs typeface="+mn-cs"/>
+              </a:rPr>
+              <a:t>efficient</a:t>
+            </a:r>
+            <a:r>
+              <a:rPr kumimoji="0" lang="es-MX" sz="1600" b="1" i="0" u="none" strike="noStrike" kern="1200" cap="none" spc="0" normalizeH="0" baseline="0" noProof="0" dirty="0">
+                <a:ln>
+                  <a:noFill/>
+                </a:ln>
+                <a:solidFill>
+                  <a:prstClr val="white"/>
+                </a:solidFill>
+                <a:effectLst/>
+                <a:uLnTx/>
+                <a:uFillTx/>
+                <a:latin typeface="Calibri Light"/>
+                <a:ea typeface="+mn-ea"/>
+                <a:cs typeface="+mn-cs"/>
+              </a:rPr>
+              <a:t> </a:t>
+            </a:r>
+            <a:r>
+              <a:rPr kumimoji="0" lang="es-MX" sz="1600" b="1" i="0" u="none" strike="noStrike" kern="1200" cap="none" spc="0" normalizeH="0" baseline="0" noProof="0" dirty="0" err="1">
+                <a:ln>
+                  <a:noFill/>
+                </a:ln>
+                <a:solidFill>
+                  <a:prstClr val="white"/>
+                </a:solidFill>
+                <a:effectLst/>
+                <a:uLnTx/>
+                <a:uFillTx/>
+                <a:latin typeface="Calibri Light"/>
+                <a:ea typeface="+mn-ea"/>
+                <a:cs typeface="+mn-cs"/>
+              </a:rPr>
+              <a:t>algoritm</a:t>
+            </a:r>
+            <a:r>
+              <a:rPr kumimoji="0" lang="es-MX" sz="1600" b="1" i="0" u="none" strike="noStrike" kern="1200" cap="none" spc="0" normalizeH="0" baseline="0" noProof="0" dirty="0">
+                <a:ln>
+                  <a:noFill/>
+                </a:ln>
+                <a:solidFill>
+                  <a:prstClr val="white"/>
+                </a:solidFill>
+                <a:effectLst/>
+                <a:uLnTx/>
+                <a:uFillTx/>
+                <a:latin typeface="Calibri Light"/>
+                <a:ea typeface="+mn-ea"/>
+                <a:cs typeface="+mn-cs"/>
+              </a:rPr>
+              <a:t> </a:t>
+            </a:r>
+            <a:r>
+              <a:rPr kumimoji="0" lang="es-MX" sz="1600" b="1" i="0" u="none" strike="noStrike" kern="1200" cap="none" spc="0" normalizeH="0" baseline="0" noProof="0" dirty="0" err="1">
+                <a:ln>
+                  <a:noFill/>
+                </a:ln>
+                <a:solidFill>
+                  <a:prstClr val="white"/>
+                </a:solidFill>
+                <a:effectLst/>
+                <a:uLnTx/>
+                <a:uFillTx/>
+                <a:latin typeface="Calibri Light"/>
+                <a:ea typeface="+mn-ea"/>
+                <a:cs typeface="+mn-cs"/>
+              </a:rPr>
+              <a:t>was</a:t>
+            </a:r>
+            <a:r>
+              <a:rPr kumimoji="0" lang="es-MX" sz="1600" b="1" i="0" u="none" strike="noStrike" kern="1200" cap="none" spc="0" normalizeH="0" baseline="0" noProof="0" dirty="0">
+                <a:ln>
+                  <a:noFill/>
+                </a:ln>
+                <a:solidFill>
+                  <a:prstClr val="white"/>
+                </a:solidFill>
+                <a:effectLst/>
+                <a:uLnTx/>
+                <a:uFillTx/>
+                <a:latin typeface="Calibri Light"/>
+                <a:ea typeface="+mn-ea"/>
+                <a:cs typeface="+mn-cs"/>
+              </a:rPr>
+              <a:t> </a:t>
+            </a:r>
+            <a:r>
+              <a:rPr kumimoji="0" lang="es-MX" sz="1600" b="1" i="0" u="none" strike="noStrike" kern="1200" cap="none" spc="0" normalizeH="0" baseline="0" noProof="0" dirty="0" err="1">
+                <a:ln>
+                  <a:noFill/>
+                </a:ln>
+                <a:solidFill>
+                  <a:prstClr val="white"/>
+                </a:solidFill>
+                <a:effectLst/>
+                <a:uLnTx/>
+                <a:uFillTx/>
+                <a:latin typeface="Calibri Light"/>
+                <a:ea typeface="+mn-ea"/>
+                <a:cs typeface="+mn-cs"/>
+              </a:rPr>
+              <a:t>the</a:t>
+            </a:r>
+            <a:r>
+              <a:rPr kumimoji="0" lang="es-MX" sz="1600" b="1" i="0" u="none" strike="noStrike" kern="1200" cap="none" spc="0" normalizeH="0" baseline="0" noProof="0" dirty="0">
+                <a:ln>
+                  <a:noFill/>
+                </a:ln>
+                <a:solidFill>
+                  <a:prstClr val="white"/>
+                </a:solidFill>
+                <a:effectLst/>
+                <a:uLnTx/>
+                <a:uFillTx/>
+                <a:latin typeface="Calibri Light"/>
+                <a:ea typeface="+mn-ea"/>
+                <a:cs typeface="+mn-cs"/>
+              </a:rPr>
+              <a:t> </a:t>
+            </a:r>
+            <a:r>
+              <a:rPr kumimoji="0" lang="es-MX" sz="1600" b="1" i="0" u="none" strike="noStrike" kern="1200" cap="none" spc="0" normalizeH="0" baseline="0" noProof="0" dirty="0" err="1">
+                <a:ln>
+                  <a:noFill/>
+                </a:ln>
+                <a:solidFill>
+                  <a:prstClr val="white"/>
+                </a:solidFill>
+                <a:effectLst/>
+                <a:uLnTx/>
+                <a:uFillTx/>
+                <a:latin typeface="Calibri Light"/>
+                <a:ea typeface="+mn-ea"/>
+                <a:cs typeface="+mn-cs"/>
+              </a:rPr>
+              <a:t>Logistic</a:t>
+            </a:r>
+            <a:r>
+              <a:rPr kumimoji="0" lang="es-MX" sz="1600" b="1" i="0" u="none" strike="noStrike" kern="1200" cap="none" spc="0" normalizeH="0" baseline="0" noProof="0" dirty="0">
+                <a:ln>
+                  <a:noFill/>
+                </a:ln>
+                <a:solidFill>
+                  <a:prstClr val="white"/>
+                </a:solidFill>
+                <a:effectLst/>
+                <a:uLnTx/>
+                <a:uFillTx/>
+                <a:latin typeface="Calibri Light"/>
+                <a:ea typeface="+mn-ea"/>
+                <a:cs typeface="+mn-cs"/>
+              </a:rPr>
+              <a:t> </a:t>
+            </a:r>
+            <a:r>
+              <a:rPr kumimoji="0" lang="es-MX" sz="1600" b="1" i="0" u="none" strike="noStrike" kern="1200" cap="none" spc="0" normalizeH="0" baseline="0" noProof="0" dirty="0" err="1">
+                <a:ln>
+                  <a:noFill/>
+                </a:ln>
+                <a:solidFill>
+                  <a:prstClr val="white"/>
+                </a:solidFill>
+                <a:effectLst/>
+                <a:uLnTx/>
+                <a:uFillTx/>
+                <a:latin typeface="Calibri Light"/>
+                <a:ea typeface="+mn-ea"/>
+                <a:cs typeface="+mn-cs"/>
+              </a:rPr>
+              <a:t>Regression</a:t>
+            </a:r>
+            <a:r>
+              <a:rPr kumimoji="0" lang="es-MX" sz="1600" b="1" i="0" u="none" strike="noStrike" kern="1200" cap="none" spc="0" normalizeH="0" baseline="0" noProof="0" dirty="0">
+                <a:ln>
+                  <a:noFill/>
+                </a:ln>
+                <a:solidFill>
+                  <a:prstClr val="white"/>
+                </a:solidFill>
+                <a:effectLst/>
+                <a:uLnTx/>
+                <a:uFillTx/>
+                <a:latin typeface="Calibri Light"/>
+                <a:ea typeface="+mn-ea"/>
+                <a:cs typeface="+mn-cs"/>
+              </a:rPr>
+              <a:t> </a:t>
+            </a:r>
+            <a:r>
+              <a:rPr kumimoji="0" lang="es-MX" sz="1600" b="1" i="0" u="none" strike="noStrike" kern="1200" cap="none" spc="0" normalizeH="0" baseline="0" noProof="0" dirty="0" err="1">
+                <a:ln>
+                  <a:noFill/>
+                </a:ln>
+                <a:solidFill>
+                  <a:prstClr val="white"/>
+                </a:solidFill>
+                <a:effectLst/>
+                <a:uLnTx/>
+                <a:uFillTx/>
+                <a:latin typeface="Calibri Light"/>
+                <a:ea typeface="+mn-ea"/>
+                <a:cs typeface="+mn-cs"/>
+              </a:rPr>
+              <a:t>Algorithm</a:t>
+            </a:r>
+            <a:r>
+              <a:rPr kumimoji="0" lang="es-MX" sz="1600" b="1" i="0" u="none" strike="noStrike" kern="1200" cap="none" spc="0" normalizeH="0" baseline="0" noProof="0" dirty="0">
+                <a:ln>
+                  <a:noFill/>
+                </a:ln>
+                <a:solidFill>
+                  <a:prstClr val="white"/>
+                </a:solidFill>
+                <a:effectLst/>
+                <a:uLnTx/>
+                <a:uFillTx/>
+                <a:latin typeface="Calibri Light"/>
+                <a:ea typeface="+mn-ea"/>
+                <a:cs typeface="+mn-cs"/>
+              </a:rPr>
+              <a:t>, </a:t>
+            </a:r>
+            <a:r>
+              <a:rPr kumimoji="0" lang="es-MX" sz="1600" b="1" i="0" u="none" strike="noStrike" kern="1200" cap="none" spc="0" normalizeH="0" baseline="0" noProof="0" dirty="0" err="1">
+                <a:ln>
+                  <a:noFill/>
+                </a:ln>
+                <a:solidFill>
+                  <a:prstClr val="white"/>
+                </a:solidFill>
+                <a:effectLst/>
+                <a:uLnTx/>
+                <a:uFillTx/>
+                <a:latin typeface="Calibri Light"/>
+                <a:ea typeface="+mn-ea"/>
+                <a:cs typeface="+mn-cs"/>
+              </a:rPr>
+              <a:t>although</a:t>
+            </a:r>
+            <a:r>
+              <a:rPr kumimoji="0" lang="es-MX" sz="1600" b="1" i="0" u="none" strike="noStrike" kern="1200" cap="none" spc="0" normalizeH="0" baseline="0" noProof="0" dirty="0">
+                <a:ln>
+                  <a:noFill/>
+                </a:ln>
+                <a:solidFill>
+                  <a:prstClr val="white"/>
+                </a:solidFill>
+                <a:effectLst/>
+                <a:uLnTx/>
+                <a:uFillTx/>
+                <a:latin typeface="Calibri Light"/>
+                <a:ea typeface="+mn-ea"/>
+                <a:cs typeface="+mn-cs"/>
+              </a:rPr>
+              <a:t> alternatives as </a:t>
+            </a:r>
+            <a:r>
+              <a:rPr kumimoji="0" lang="es-MX" sz="1600" b="1" i="0" u="none" strike="noStrike" kern="1200" cap="none" spc="0" normalizeH="0" baseline="0" noProof="0" dirty="0" err="1">
+                <a:ln>
+                  <a:noFill/>
+                </a:ln>
+                <a:solidFill>
+                  <a:prstClr val="white"/>
+                </a:solidFill>
+                <a:effectLst/>
+                <a:uLnTx/>
+                <a:uFillTx/>
+                <a:latin typeface="Calibri Light"/>
+                <a:ea typeface="+mn-ea"/>
+                <a:cs typeface="+mn-cs"/>
+              </a:rPr>
+              <a:t>Random</a:t>
+            </a:r>
+            <a:r>
+              <a:rPr kumimoji="0" lang="es-MX" sz="1600" b="1" i="0" u="none" strike="noStrike" kern="1200" cap="none" spc="0" normalizeH="0" baseline="0" noProof="0" dirty="0">
+                <a:ln>
+                  <a:noFill/>
+                </a:ln>
+                <a:solidFill>
+                  <a:prstClr val="white"/>
+                </a:solidFill>
+                <a:effectLst/>
+                <a:uLnTx/>
+                <a:uFillTx/>
+                <a:latin typeface="Calibri Light"/>
+                <a:ea typeface="+mn-ea"/>
+                <a:cs typeface="+mn-cs"/>
+              </a:rPr>
+              <a:t> Forest </a:t>
+            </a:r>
+            <a:r>
+              <a:rPr kumimoji="0" lang="es-MX" sz="1600" b="1" i="0" u="none" strike="noStrike" kern="1200" cap="none" spc="0" normalizeH="0" baseline="0" noProof="0" dirty="0" err="1">
+                <a:ln>
+                  <a:noFill/>
+                </a:ln>
+                <a:solidFill>
+                  <a:prstClr val="white"/>
+                </a:solidFill>
+                <a:effectLst/>
+                <a:uLnTx/>
+                <a:uFillTx/>
+                <a:latin typeface="Calibri Light"/>
+                <a:ea typeface="+mn-ea"/>
+                <a:cs typeface="+mn-cs"/>
+              </a:rPr>
+              <a:t>Classifier</a:t>
+            </a:r>
+            <a:r>
+              <a:rPr kumimoji="0" lang="es-MX" sz="1600" b="1" i="0" u="none" strike="noStrike" kern="1200" cap="none" spc="0" normalizeH="0" baseline="0" noProof="0" dirty="0">
+                <a:ln>
+                  <a:noFill/>
+                </a:ln>
+                <a:solidFill>
+                  <a:prstClr val="white"/>
+                </a:solidFill>
+                <a:effectLst/>
+                <a:uLnTx/>
+                <a:uFillTx/>
+                <a:latin typeface="Calibri Light"/>
+                <a:ea typeface="+mn-ea"/>
+                <a:cs typeface="+mn-cs"/>
+              </a:rPr>
+              <a:t> can be </a:t>
+            </a:r>
+            <a:r>
+              <a:rPr kumimoji="0" lang="es-MX" sz="1600" b="1" i="0" u="none" strike="noStrike" kern="1200" cap="none" spc="0" normalizeH="0" baseline="0" noProof="0" dirty="0" err="1">
+                <a:ln>
+                  <a:noFill/>
+                </a:ln>
+                <a:solidFill>
+                  <a:prstClr val="white"/>
+                </a:solidFill>
+                <a:effectLst/>
+                <a:uLnTx/>
+                <a:uFillTx/>
+                <a:latin typeface="Calibri Light"/>
+                <a:ea typeface="+mn-ea"/>
+                <a:cs typeface="+mn-cs"/>
+              </a:rPr>
+              <a:t>an</a:t>
+            </a:r>
+            <a:r>
+              <a:rPr kumimoji="0" lang="es-MX" sz="1600" b="1" i="0" u="none" strike="noStrike" kern="1200" cap="none" spc="0" normalizeH="0" baseline="0" noProof="0" dirty="0">
+                <a:ln>
+                  <a:noFill/>
+                </a:ln>
+                <a:solidFill>
+                  <a:prstClr val="white"/>
+                </a:solidFill>
+                <a:effectLst/>
+                <a:uLnTx/>
+                <a:uFillTx/>
+                <a:latin typeface="Calibri Light"/>
+                <a:ea typeface="+mn-ea"/>
+                <a:cs typeface="+mn-cs"/>
+              </a:rPr>
+              <a:t> alternative </a:t>
+            </a:r>
+            <a:r>
+              <a:rPr lang="es-MX" sz="1600" b="1" dirty="0" err="1">
+                <a:solidFill>
+                  <a:prstClr val="white"/>
+                </a:solidFill>
+                <a:latin typeface="Calibri Light"/>
+              </a:rPr>
+              <a:t>path</a:t>
+            </a:r>
+            <a:r>
+              <a:rPr lang="es-MX" sz="1600" b="1" dirty="0">
+                <a:solidFill>
+                  <a:prstClr val="white"/>
+                </a:solidFill>
+                <a:latin typeface="Calibri Light"/>
+              </a:rPr>
+              <a:t> </a:t>
+            </a:r>
+            <a:r>
+              <a:rPr lang="es-MX" sz="1600" b="1" dirty="0" err="1">
+                <a:solidFill>
+                  <a:prstClr val="white"/>
+                </a:solidFill>
+                <a:latin typeface="Calibri Light"/>
+              </a:rPr>
+              <a:t>if</a:t>
+            </a:r>
+            <a:r>
+              <a:rPr lang="es-MX" sz="1600" b="1" dirty="0">
+                <a:solidFill>
+                  <a:prstClr val="white"/>
+                </a:solidFill>
+                <a:latin typeface="Calibri Light"/>
+              </a:rPr>
+              <a:t> </a:t>
+            </a:r>
+            <a:r>
+              <a:rPr lang="es-MX" sz="1600" b="1" dirty="0" err="1">
+                <a:solidFill>
+                  <a:prstClr val="white"/>
+                </a:solidFill>
+                <a:latin typeface="Calibri Light"/>
+              </a:rPr>
+              <a:t>needed</a:t>
+            </a:r>
+            <a:r>
+              <a:rPr lang="es-MX" sz="1600" b="1" dirty="0">
+                <a:solidFill>
+                  <a:prstClr val="white"/>
+                </a:solidFill>
+                <a:latin typeface="Calibri Light"/>
+              </a:rPr>
+              <a:t>.</a:t>
+            </a:r>
+            <a:endParaRPr kumimoji="0" lang="en-US" sz="1600" b="1" i="0" u="none" strike="noStrike" kern="1200" cap="none" spc="0" normalizeH="0" baseline="0" noProof="0" dirty="0">
+              <a:ln>
+                <a:noFill/>
+              </a:ln>
+              <a:solidFill>
+                <a:prstClr val="white"/>
+              </a:solidFill>
+              <a:effectLst/>
+              <a:uLnTx/>
+              <a:uFillTx/>
+              <a:latin typeface="Calibri Light"/>
+              <a:ea typeface="+mn-ea"/>
+              <a:cs typeface="+mn-cs"/>
+            </a:endParaRPr>
+          </a:p>
+        </p:txBody>
+      </p:sp>
+      <p:pic>
+        <p:nvPicPr>
+          <p:cNvPr id="4" name="Picture 3">
+            <a:extLst>
+              <a:ext uri="{FF2B5EF4-FFF2-40B4-BE49-F238E27FC236}">
+                <a16:creationId xmlns:a16="http://schemas.microsoft.com/office/drawing/2014/main" id="{971EA503-8791-4B08-BF7D-666BBDD5FA24}"/>
+              </a:ext>
+            </a:extLst>
+          </p:cNvPr>
+          <p:cNvPicPr>
+            <a:picLocks noChangeAspect="1"/>
+          </p:cNvPicPr>
+          <p:nvPr/>
+        </p:nvPicPr>
+        <p:blipFill>
+          <a:blip r:embed="rId3"/>
+          <a:stretch>
+            <a:fillRect/>
+          </a:stretch>
+        </p:blipFill>
+        <p:spPr>
+          <a:xfrm>
+            <a:off x="1016412" y="1202635"/>
+            <a:ext cx="2813652" cy="1580322"/>
+          </a:xfrm>
+          <a:prstGeom prst="rect">
+            <a:avLst/>
+          </a:prstGeom>
+          <a:ln>
+            <a:solidFill>
+              <a:schemeClr val="tx1"/>
+            </a:solidFill>
+          </a:ln>
+        </p:spPr>
+      </p:pic>
+      <p:pic>
+        <p:nvPicPr>
+          <p:cNvPr id="3076" name="Picture 4" descr="Logistic Regression | What is Logistic Regression and Why do we need it?">
+            <a:extLst>
+              <a:ext uri="{FF2B5EF4-FFF2-40B4-BE49-F238E27FC236}">
+                <a16:creationId xmlns:a16="http://schemas.microsoft.com/office/drawing/2014/main" id="{47FAF998-A894-4E0D-A6AA-FFBC8BD950E3}"/>
+              </a:ext>
+            </a:extLst>
+          </p:cNvPr>
+          <p:cNvPicPr>
+            <a:picLocks noChangeAspect="1" noChangeArrowheads="1"/>
+          </p:cNvPicPr>
+          <p:nvPr/>
+        </p:nvPicPr>
+        <p:blipFill>
+          <a:blip r:embed="rId4">
+            <a:extLst>
+              <a:ext uri="{28A0092B-C50C-407E-A947-70E740481C1C}">
+                <a14:useLocalDpi xmlns:a14="http://schemas.microsoft.com/office/drawing/2010/main" val="0"/>
+              </a:ext>
+            </a:extLst>
+          </a:blip>
+          <a:srcRect/>
+          <a:stretch>
+            <a:fillRect/>
+          </a:stretch>
+        </p:blipFill>
+        <p:spPr bwMode="auto">
+          <a:xfrm>
+            <a:off x="8361936" y="1200278"/>
+            <a:ext cx="3160644" cy="1580322"/>
+          </a:xfrm>
+          <a:prstGeom prst="rect">
+            <a:avLst/>
+          </a:prstGeom>
+          <a:noFill/>
+          <a:ln>
+            <a:solidFill>
+              <a:schemeClr val="tx1"/>
+            </a:solidFill>
+          </a:ln>
+          <a:extLst>
+            <a:ext uri="{909E8E84-426E-40DD-AFC4-6F175D3DCCD1}">
+              <a14:hiddenFill xmlns:a14="http://schemas.microsoft.com/office/drawing/2010/main">
+                <a:solidFill>
+                  <a:srgbClr val="FFFFFF"/>
+                </a:solidFill>
+              </a14:hiddenFill>
+            </a:ext>
+          </a:extLst>
+        </p:spPr>
+      </p:pic>
+      <p:pic>
+        <p:nvPicPr>
+          <p:cNvPr id="3080" name="Picture 8" descr="SMOTE - Handle imbalanced dataset | Synthetic Minority Oversampling  Technique | Machine Learning - YouTube">
+            <a:extLst>
+              <a:ext uri="{FF2B5EF4-FFF2-40B4-BE49-F238E27FC236}">
+                <a16:creationId xmlns:a16="http://schemas.microsoft.com/office/drawing/2014/main" id="{50D514F4-7D97-4AAD-9A96-9759D8FEAFFA}"/>
+              </a:ext>
+            </a:extLst>
+          </p:cNvPr>
+          <p:cNvPicPr>
+            <a:picLocks noChangeAspect="1" noChangeArrowheads="1"/>
+          </p:cNvPicPr>
+          <p:nvPr/>
+        </p:nvPicPr>
+        <p:blipFill>
+          <a:blip r:embed="rId5">
+            <a:extLst>
+              <a:ext uri="{28A0092B-C50C-407E-A947-70E740481C1C}">
+                <a14:useLocalDpi xmlns:a14="http://schemas.microsoft.com/office/drawing/2010/main" val="0"/>
+              </a:ext>
+            </a:extLst>
+          </a:blip>
+          <a:srcRect/>
+          <a:stretch>
+            <a:fillRect/>
+          </a:stretch>
+        </p:blipFill>
+        <p:spPr bwMode="auto">
+          <a:xfrm>
+            <a:off x="4689174" y="1200278"/>
+            <a:ext cx="2813652" cy="1582679"/>
+          </a:xfrm>
+          <a:prstGeom prst="rect">
+            <a:avLst/>
+          </a:prstGeom>
+          <a:noFill/>
+          <a:ln>
+            <a:solidFill>
+              <a:schemeClr val="tx1"/>
+            </a:solidFill>
+          </a:ln>
+          <a:extLst>
+            <a:ext uri="{909E8E84-426E-40DD-AFC4-6F175D3DCCD1}">
+              <a14:hiddenFill xmlns:a14="http://schemas.microsoft.com/office/drawing/2010/main">
+                <a:solidFill>
+                  <a:srgbClr val="FFFFFF"/>
+                </a:solidFill>
+              </a14:hiddenFill>
+            </a:ext>
+          </a:extLst>
+        </p:spPr>
+      </p:pic>
+    </p:spTree>
+    <p:extLst>
+      <p:ext uri="{BB962C8B-B14F-4D97-AF65-F5344CB8AC3E}">
+        <p14:creationId xmlns:p14="http://schemas.microsoft.com/office/powerpoint/2010/main" val="1444180675"/>
+      </p:ext>
+    </p:extLst>
+  </p:cSld>
+  <p:clrMapOvr>
+    <a:masterClrMapping/>
+  </p:clrMapOvr>
+  <p:transition spd="slow">
+    <p:push dir="u"/>
+  </p:transition>
+</p:sld>
+</file>
+
 <file path=ppt/slides/slide2.xml><?xml version="1.0" encoding="utf-8"?>
 <p:sld xmlns:a="http://schemas.openxmlformats.org/drawingml/2006/main" xmlns:r="http://schemas.openxmlformats.org/officeDocument/2006/relationships" xmlns:p="http://schemas.openxmlformats.org/presentationml/2006/main">
   <p:cSld>
@@ -7669,7 +12358,7 @@
         </p:nvSpPr>
         <p:spPr>
           <a:xfrm>
-            <a:off x="253172" y="268935"/>
+            <a:off x="3941555" y="3021219"/>
             <a:ext cx="4308889" cy="815561"/>
           </a:xfrm>
         </p:spPr>
@@ -7677,13 +12366,51 @@
           <a:bodyPr anchor="ctr"/>
           <a:lstStyle/>
           <a:p>
-            <a:r>
-              <a:rPr lang="en-GB" sz="4500" dirty="0"/>
-              <a:t>01 - Content</a:t>
+            <a:pPr algn="ctr"/>
+            <a:r>
+              <a:rPr lang="en-GB" sz="4500" dirty="0">
+                <a:solidFill>
+                  <a:srgbClr val="008000"/>
+                </a:solidFill>
+              </a:rPr>
+              <a:t>01 – Content</a:t>
             </a:r>
           </a:p>
         </p:txBody>
       </p:sp>
+    </p:spTree>
+    <p:extLst>
+      <p:ext uri="{BB962C8B-B14F-4D97-AF65-F5344CB8AC3E}">
+        <p14:creationId xmlns:p14="http://schemas.microsoft.com/office/powerpoint/2010/main" val="380002374"/>
+      </p:ext>
+    </p:extLst>
+  </p:cSld>
+  <p:clrMapOvr>
+    <a:masterClrMapping/>
+  </p:clrMapOvr>
+  <p:transition spd="slow">
+    <p:push dir="u"/>
+  </p:transition>
+</p:sld>
+</file>
+
+<file path=ppt/slides/slide3.xml><?xml version="1.0" encoding="utf-8"?>
+<p:sld xmlns:a="http://schemas.openxmlformats.org/drawingml/2006/main" xmlns:r="http://schemas.openxmlformats.org/officeDocument/2006/relationships" xmlns:p="http://schemas.openxmlformats.org/presentationml/2006/main">
+  <p:cSld>
+    <p:spTree>
+      <p:nvGrpSpPr>
+        <p:cNvPr id="1" name=""/>
+        <p:cNvGrpSpPr/>
+        <p:nvPr/>
+      </p:nvGrpSpPr>
+      <p:grpSpPr>
+        <a:xfrm>
+          <a:off x="0" y="0"/>
+          <a:ext cx="0" cy="0"/>
+          <a:chOff x="0" y="0"/>
+          <a:chExt cx="0" cy="0"/>
+        </a:xfrm>
+      </p:grpSpPr>
       <p:sp>
         <p:nvSpPr>
           <p:cNvPr id="50" name="TextBox 49"/>
@@ -7692,7 +12419,7 @@
         </p:nvSpPr>
         <p:spPr>
           <a:xfrm>
-            <a:off x="3440903" y="1854938"/>
+            <a:off x="3729138" y="1606459"/>
             <a:ext cx="2051428" cy="1077218"/>
           </a:xfrm>
           <a:prstGeom prst="rect">
@@ -7726,7 +12453,7 @@
         </p:nvSpPr>
         <p:spPr>
           <a:xfrm>
-            <a:off x="1506096" y="2896809"/>
+            <a:off x="1794331" y="2648330"/>
             <a:ext cx="1713511" cy="1354217"/>
           </a:xfrm>
           <a:prstGeom prst="rect">
@@ -7765,7 +12492,7 @@
         </p:nvSpPr>
         <p:spPr>
           <a:xfrm>
-            <a:off x="1506096" y="1629304"/>
+            <a:off x="1794331" y="1380825"/>
             <a:ext cx="1713511" cy="1354217"/>
           </a:xfrm>
           <a:prstGeom prst="rect">
@@ -7804,7 +12531,7 @@
         </p:nvSpPr>
         <p:spPr>
           <a:xfrm>
-            <a:off x="7657077" y="1854938"/>
+            <a:off x="7945312" y="1606459"/>
             <a:ext cx="2256571" cy="1077218"/>
           </a:xfrm>
           <a:prstGeom prst="rect">
@@ -7843,7 +12570,7 @@
         </p:nvSpPr>
         <p:spPr>
           <a:xfrm>
-            <a:off x="5713627" y="1629304"/>
+            <a:off x="6001862" y="1380825"/>
             <a:ext cx="1722154" cy="1354217"/>
           </a:xfrm>
           <a:prstGeom prst="rect">
@@ -7882,7 +12609,7 @@
         </p:nvSpPr>
         <p:spPr>
           <a:xfrm>
-            <a:off x="1506096" y="4294539"/>
+            <a:off x="1794331" y="4046060"/>
             <a:ext cx="1713511" cy="1354217"/>
           </a:xfrm>
           <a:prstGeom prst="rect">
@@ -7921,7 +12648,7 @@
         </p:nvSpPr>
         <p:spPr>
           <a:xfrm>
-            <a:off x="5713627" y="2896809"/>
+            <a:off x="6001862" y="2648330"/>
             <a:ext cx="1713511" cy="1354217"/>
           </a:xfrm>
           <a:prstGeom prst="rect">
@@ -7944,7 +12671,7 @@
             <a:r>
               <a:rPr lang="en-GB" sz="8800" dirty="0">
                 <a:solidFill>
-                  <a:schemeClr val="accent5"/>
+                  <a:srgbClr val="3399FF"/>
                 </a:solidFill>
               </a:rPr>
               <a:t>05</a:t>
@@ -7960,7 +12687,7 @@
         </p:nvSpPr>
         <p:spPr>
           <a:xfrm>
-            <a:off x="5713627" y="4294539"/>
+            <a:off x="6001862" y="4046060"/>
             <a:ext cx="1722154" cy="1354217"/>
           </a:xfrm>
           <a:prstGeom prst="rect">
@@ -7999,7 +12726,7 @@
         </p:nvSpPr>
         <p:spPr>
           <a:xfrm>
-            <a:off x="3440903" y="3164024"/>
+            <a:off x="3729138" y="2915545"/>
             <a:ext cx="2051428" cy="1077218"/>
           </a:xfrm>
           <a:prstGeom prst="rect">
@@ -8038,7 +12765,7 @@
         </p:nvSpPr>
         <p:spPr>
           <a:xfrm>
-            <a:off x="7657077" y="3164024"/>
+            <a:off x="7945312" y="2915545"/>
             <a:ext cx="2256571" cy="1077218"/>
           </a:xfrm>
           <a:prstGeom prst="rect">
@@ -8056,14 +12783,14 @@
             <a:r>
               <a:rPr lang="en-GB" b="1" dirty="0">
                 <a:solidFill>
-                  <a:schemeClr val="accent5"/>
+                  <a:srgbClr val="3399FF"/>
                 </a:solidFill>
               </a:rPr>
               <a:t>Model predictions</a:t>
             </a:r>
             <a:endParaRPr lang="en-GB" dirty="0">
               <a:solidFill>
-                <a:srgbClr val="53565A"/>
+                <a:srgbClr val="3399FF"/>
               </a:solidFill>
             </a:endParaRPr>
           </a:p>
@@ -8077,7 +12804,7 @@
         </p:nvSpPr>
         <p:spPr>
           <a:xfrm>
-            <a:off x="3440903" y="4568595"/>
+            <a:off x="3729138" y="4320116"/>
             <a:ext cx="2051428" cy="1077218"/>
           </a:xfrm>
           <a:prstGeom prst="rect">
@@ -8098,7 +12825,7 @@
                   <a:srgbClr val="00CC66"/>
                 </a:solidFill>
               </a:rPr>
-              <a:t>Overview</a:t>
+              <a:t>ML Flow Overview</a:t>
             </a:r>
           </a:p>
         </p:txBody>
@@ -8111,7 +12838,7 @@
         </p:nvSpPr>
         <p:spPr>
           <a:xfrm>
-            <a:off x="7657077" y="4568595"/>
+            <a:off x="7945312" y="4320116"/>
             <a:ext cx="2256571" cy="1077218"/>
           </a:xfrm>
           <a:prstGeom prst="rect">
@@ -8158,7 +12885,7 @@
 </p:sld>
 </file>
 
-<file path=ppt/slides/slide3.xml><?xml version="1.0" encoding="utf-8"?>
+<file path=ppt/slides/slide4.xml><?xml version="1.0" encoding="utf-8"?>
 <p:sld xmlns:a="http://schemas.openxmlformats.org/drawingml/2006/main" xmlns:r="http://schemas.openxmlformats.org/officeDocument/2006/relationships" xmlns:p="http://schemas.openxmlformats.org/presentationml/2006/main">
   <p:cSld>
     <p:spTree>
@@ -8193,7 +12920,7 @@
         </p:nvSpPr>
         <p:spPr>
           <a:xfrm>
-            <a:off x="276823" y="275804"/>
+            <a:off x="2802904" y="3124610"/>
             <a:ext cx="6586191" cy="608779"/>
           </a:xfrm>
         </p:spPr>
@@ -8201,13 +12928,51 @@
           <a:bodyPr anchor="ctr"/>
           <a:lstStyle/>
           <a:p>
-            <a:r>
-              <a:rPr lang="en-US" dirty="0"/>
-              <a:t>02 – Why Fraud Detection?</a:t>
+            <a:pPr algn="ctr"/>
+            <a:r>
+              <a:rPr lang="en-US" dirty="0">
+                <a:solidFill>
+                  <a:srgbClr val="00CC00"/>
+                </a:solidFill>
+              </a:rPr>
+              <a:t>2 – Why Fraud Detection?</a:t>
             </a:r>
           </a:p>
         </p:txBody>
       </p:sp>
+    </p:spTree>
+    <p:extLst>
+      <p:ext uri="{BB962C8B-B14F-4D97-AF65-F5344CB8AC3E}">
+        <p14:creationId xmlns:p14="http://schemas.microsoft.com/office/powerpoint/2010/main" val="2999972416"/>
+      </p:ext>
+    </p:extLst>
+  </p:cSld>
+  <p:clrMapOvr>
+    <a:masterClrMapping/>
+  </p:clrMapOvr>
+  <p:transition spd="slow">
+    <p:push dir="u"/>
+  </p:transition>
+</p:sld>
+</file>
+
+<file path=ppt/slides/slide5.xml><?xml version="1.0" encoding="utf-8"?>
+<p:sld xmlns:a="http://schemas.openxmlformats.org/drawingml/2006/main" xmlns:r="http://schemas.openxmlformats.org/officeDocument/2006/relationships" xmlns:p="http://schemas.openxmlformats.org/presentationml/2006/main">
+  <p:cSld>
+    <p:spTree>
+      <p:nvGrpSpPr>
+        <p:cNvPr id="1" name=""/>
+        <p:cNvGrpSpPr/>
+        <p:nvPr/>
+      </p:nvGrpSpPr>
+      <p:grpSpPr>
+        <a:xfrm>
+          <a:off x="0" y="0"/>
+          <a:ext cx="0" cy="0"/>
+          <a:chOff x="0" y="0"/>
+          <a:chExt cx="0" cy="0"/>
+        </a:xfrm>
+      </p:grpSpPr>
       <p:grpSp>
         <p:nvGrpSpPr>
           <p:cNvPr id="4" name="Group 3">
@@ -8222,7 +12987,7 @@
         </p:nvGrpSpPr>
         <p:grpSpPr>
           <a:xfrm>
-            <a:off x="375920" y="1120848"/>
+            <a:off x="425616" y="743304"/>
             <a:ext cx="11196320" cy="5371392"/>
             <a:chOff x="572494" y="1430668"/>
             <a:chExt cx="9144000" cy="4141823"/>
@@ -9672,7 +14437,7 @@
         </p:nvSpPr>
         <p:spPr>
           <a:xfrm>
-            <a:off x="8053041" y="1102807"/>
+            <a:off x="8102737" y="725263"/>
             <a:ext cx="3376959" cy="2031325"/>
           </a:xfrm>
           <a:prstGeom prst="rect">
@@ -10167,10 +14932,104 @@
           </a:p>
         </p:txBody>
       </p:sp>
+      <p:pic>
+        <p:nvPicPr>
+          <p:cNvPr id="1026" name="Picture 2" descr="Money loss vector illustration (553043)">
+            <a:extLst>
+              <a:ext uri="{FF2B5EF4-FFF2-40B4-BE49-F238E27FC236}">
+                <a16:creationId xmlns:a16="http://schemas.microsoft.com/office/drawing/2014/main" id="{C4403F3D-FE66-490A-9471-4955B82FBDC4}"/>
+              </a:ext>
+            </a:extLst>
+          </p:cNvPr>
+          <p:cNvPicPr>
+            <a:picLocks noChangeAspect="1" noChangeArrowheads="1"/>
+          </p:cNvPicPr>
+          <p:nvPr/>
+        </p:nvPicPr>
+        <p:blipFill>
+          <a:blip r:embed="rId2">
+            <a:extLst>
+              <a:ext uri="{28A0092B-C50C-407E-A947-70E740481C1C}">
+                <a14:useLocalDpi xmlns:a14="http://schemas.microsoft.com/office/drawing/2010/main" val="0"/>
+              </a:ext>
+            </a:extLst>
+          </a:blip>
+          <a:srcRect/>
+          <a:stretch>
+            <a:fillRect/>
+          </a:stretch>
+        </p:blipFill>
+        <p:spPr bwMode="auto">
+          <a:xfrm>
+            <a:off x="8889152" y="4905895"/>
+            <a:ext cx="2283402" cy="1522268"/>
+          </a:xfrm>
+          <a:prstGeom prst="rect">
+            <a:avLst/>
+          </a:prstGeom>
+          <a:noFill/>
+          <a:extLst>
+            <a:ext uri="{909E8E84-426E-40DD-AFC4-6F175D3DCCD1}">
+              <a14:hiddenFill xmlns:a14="http://schemas.microsoft.com/office/drawing/2010/main">
+                <a:solidFill>
+                  <a:srgbClr val="FFFFFF"/>
+                </a:solidFill>
+              </a14:hiddenFill>
+            </a:ext>
+          </a:extLst>
+        </p:spPr>
+      </p:pic>
+      <p:pic>
+        <p:nvPicPr>
+          <p:cNvPr id="1028" name="Picture 4" descr="Impact of technology in our daily lives - George Chan">
+            <a:extLst>
+              <a:ext uri="{FF2B5EF4-FFF2-40B4-BE49-F238E27FC236}">
+                <a16:creationId xmlns:a16="http://schemas.microsoft.com/office/drawing/2014/main" id="{8BF2EA34-FB14-4DDD-B970-DF737F97FC34}"/>
+              </a:ext>
+            </a:extLst>
+          </p:cNvPr>
+          <p:cNvPicPr>
+            <a:picLocks noChangeAspect="1" noChangeArrowheads="1"/>
+          </p:cNvPicPr>
+          <p:nvPr/>
+        </p:nvPicPr>
+        <p:blipFill>
+          <a:blip r:embed="rId3">
+            <a:extLst>
+              <a:ext uri="{28A0092B-C50C-407E-A947-70E740481C1C}">
+                <a14:useLocalDpi xmlns:a14="http://schemas.microsoft.com/office/drawing/2010/main" val="0"/>
+              </a:ext>
+            </a:extLst>
+          </a:blip>
+          <a:srcRect/>
+          <a:stretch>
+            <a:fillRect/>
+          </a:stretch>
+        </p:blipFill>
+        <p:spPr bwMode="auto">
+          <a:xfrm>
+            <a:off x="1088722" y="504458"/>
+            <a:ext cx="2357510" cy="1487192"/>
+          </a:xfrm>
+          <a:prstGeom prst="rect">
+            <a:avLst/>
+          </a:prstGeom>
+          <a:noFill/>
+          <a:extLst>
+            <a:ext uri="{909E8E84-426E-40DD-AFC4-6F175D3DCCD1}">
+              <a14:hiddenFill xmlns:a14="http://schemas.microsoft.com/office/drawing/2010/main">
+                <a:solidFill>
+                  <a:srgbClr val="FFFFFF"/>
+                </a:solidFill>
+              </a14:hiddenFill>
+            </a:ext>
+          </a:extLst>
+        </p:spPr>
+      </p:pic>
     </p:spTree>
     <p:extLst>
       <p:ext uri="{BB962C8B-B14F-4D97-AF65-F5344CB8AC3E}">
-        <p14:creationId xmlns:p14="http://schemas.microsoft.com/office/powerpoint/2010/main" val="2999972416"/>
+        <p14:creationId xmlns:p14="http://schemas.microsoft.com/office/powerpoint/2010/main" val="3086755261"/>
       </p:ext>
     </p:extLst>
   </p:cSld>
@@ -10183,7 +15042,7 @@
 </p:sld>
 </file>
 
-<file path=ppt/slides/slide4.xml><?xml version="1.0" encoding="utf-8"?>
+<file path=ppt/slides/slide6.xml><?xml version="1.0" encoding="utf-8"?>
 <p:sld xmlns:a="http://schemas.openxmlformats.org/drawingml/2006/main" xmlns:r="http://schemas.openxmlformats.org/officeDocument/2006/relationships" xmlns:p="http://schemas.openxmlformats.org/presentationml/2006/main">
   <p:cSld>
     <p:spTree>
@@ -10212,7 +15071,7 @@
         </p:nvSpPr>
         <p:spPr>
           <a:xfrm>
-            <a:off x="282989" y="346538"/>
+            <a:off x="3193157" y="3100342"/>
             <a:ext cx="5805685" cy="657315"/>
           </a:xfrm>
         </p:spPr>
@@ -10220,13 +15079,51 @@
           <a:bodyPr anchor="ctr"/>
           <a:lstStyle/>
           <a:p>
-            <a:r>
-              <a:rPr lang="en-US" sz="4500" dirty="0"/>
-              <a:t>03 – Overview</a:t>
+            <a:pPr algn="ctr"/>
+            <a:r>
+              <a:rPr lang="en-US" sz="4500" dirty="0">
+                <a:solidFill>
+                  <a:srgbClr val="00CC66"/>
+                </a:solidFill>
+              </a:rPr>
+              <a:t>3 – ML Flow Overview</a:t>
             </a:r>
           </a:p>
         </p:txBody>
       </p:sp>
+    </p:spTree>
+    <p:extLst>
+      <p:ext uri="{BB962C8B-B14F-4D97-AF65-F5344CB8AC3E}">
+        <p14:creationId xmlns:p14="http://schemas.microsoft.com/office/powerpoint/2010/main" val="1528781611"/>
+      </p:ext>
+    </p:extLst>
+  </p:cSld>
+  <p:clrMapOvr>
+    <a:masterClrMapping/>
+  </p:clrMapOvr>
+  <p:transition spd="slow">
+    <p:push dir="u"/>
+  </p:transition>
+</p:sld>
+</file>
+
+<file path=ppt/slides/slide7.xml><?xml version="1.0" encoding="utf-8"?>
+<p:sld xmlns:a="http://schemas.openxmlformats.org/drawingml/2006/main" xmlns:r="http://schemas.openxmlformats.org/officeDocument/2006/relationships" xmlns:p="http://schemas.openxmlformats.org/presentationml/2006/main">
+  <p:cSld>
+    <p:spTree>
+      <p:nvGrpSpPr>
+        <p:cNvPr id="1" name=""/>
+        <p:cNvGrpSpPr/>
+        <p:nvPr/>
+      </p:nvGrpSpPr>
+      <p:grpSpPr>
+        <a:xfrm>
+          <a:off x="0" y="0"/>
+          <a:ext cx="0" cy="0"/>
+          <a:chOff x="0" y="0"/>
+          <a:chExt cx="0" cy="0"/>
+        </a:xfrm>
+      </p:grpSpPr>
       <p:sp>
         <p:nvSpPr>
           <p:cNvPr id="21" name="Oval 2"/>
@@ -10237,7 +15134,7 @@
         </p:nvSpPr>
         <p:spPr bwMode="auto">
           <a:xfrm>
-            <a:off x="4991712" y="3121275"/>
+            <a:off x="4999162" y="4053583"/>
             <a:ext cx="2193925" cy="1017587"/>
           </a:xfrm>
           <a:prstGeom prst="ellipse">
@@ -10264,8 +15161,7 @@
               <a:defRPr/>
             </a:pPr>
             <a:r>
-              <a:rPr lang="en-US" sz="1500" b="1" kern="0" dirty="0">
-                <a:latin typeface="+mj-lt"/>
+              <a:rPr lang="en-US" sz="1600" b="1" kern="0" dirty="0">
                 <a:ea typeface="ＭＳ Ｐゴシック" charset="-128"/>
               </a:rPr>
               <a:t>Fraud Detection Model</a:t>
@@ -10275,7 +15171,7 @@
       </p:sp>
       <p:sp>
         <p:nvSpPr>
-          <p:cNvPr id="22" name="Rectangle 3"/>
+          <p:cNvPr id="24" name="Rectangle 5"/>
           <p:cNvSpPr>
             <a:spLocks noChangeArrowheads="1"/>
           </p:cNvSpPr>
@@ -10283,13 +15179,18 @@
         </p:nvSpPr>
         <p:spPr bwMode="auto">
           <a:xfrm>
-            <a:off x="5082833" y="5105648"/>
-            <a:ext cx="2011680" cy="731520"/>
+            <a:off x="7811259" y="4196616"/>
+            <a:ext cx="2505557" cy="731520"/>
           </a:xfrm>
           <a:prstGeom prst="rect">
             <a:avLst/>
           </a:prstGeom>
-          <a:noFill/>
+          <a:solidFill>
+            <a:schemeClr val="accent2">
+              <a:lumMod val="40000"/>
+              <a:lumOff val="60000"/>
+            </a:schemeClr>
+          </a:solidFill>
           <a:ln w="19050">
             <a:solidFill>
               <a:schemeClr val="tx1"/>
@@ -10310,18 +15211,31 @@
               <a:defRPr/>
             </a:pPr>
             <a:r>
-              <a:rPr lang="en-US" kern="0" dirty="0">
-                <a:latin typeface="+mj-lt"/>
+              <a:rPr lang="en-US" sz="1600" kern="0" dirty="0">
                 <a:ea typeface="ＭＳ Ｐゴシック" pitchFamily="50" charset="-128"/>
               </a:rPr>
-              <a:t>Text</a:t>
+              <a:t>Logistic Regression</a:t>
+            </a:r>
+          </a:p>
+          <a:p>
+            <a:pPr algn="ctr" defTabSz="954088">
+              <a:lnSpc>
+                <a:spcPct val="95000"/>
+              </a:lnSpc>
+              <a:defRPr/>
+            </a:pPr>
+            <a:r>
+              <a:rPr lang="en-US" sz="1600" kern="0" dirty="0">
+                <a:ea typeface="ＭＳ Ｐゴシック" pitchFamily="50" charset="-128"/>
+              </a:rPr>
+              <a:t>Random Forest Classifier</a:t>
             </a:r>
           </a:p>
         </p:txBody>
       </p:sp>
       <p:sp>
         <p:nvSpPr>
-          <p:cNvPr id="23" name="Rectangle 4"/>
+          <p:cNvPr id="27" name="Rectangle 8"/>
           <p:cNvSpPr>
             <a:spLocks noChangeArrowheads="1"/>
           </p:cNvSpPr>
@@ -10329,59 +15243,15 @@
         </p:nvSpPr>
         <p:spPr bwMode="auto">
           <a:xfrm>
-            <a:off x="7820857" y="2208143"/>
+            <a:off x="5087409" y="431264"/>
             <a:ext cx="2011680" cy="731520"/>
           </a:xfrm>
           <a:prstGeom prst="rect">
             <a:avLst/>
           </a:prstGeom>
-          <a:noFill/>
-          <a:ln w="19050" algn="ctr">
-            <a:solidFill>
-              <a:schemeClr val="tx1"/>
-            </a:solidFill>
-            <a:miter lim="800000"/>
-            <a:headEnd/>
-            <a:tailEnd/>
-          </a:ln>
-        </p:spPr>
-        <p:txBody>
-          <a:bodyPr lIns="88900" tIns="88900" rIns="88900" bIns="88900" anchor="ctr"/>
-          <a:lstStyle/>
-          <a:p>
-            <a:pPr algn="ctr" defTabSz="954088">
-              <a:lnSpc>
-                <a:spcPct val="95000"/>
-              </a:lnSpc>
-              <a:defRPr/>
-            </a:pPr>
-            <a:r>
-              <a:rPr lang="en-US" kern="0" dirty="0">
-                <a:latin typeface="+mj-lt"/>
-                <a:ea typeface="ＭＳ Ｐゴシック" pitchFamily="50" charset="-128"/>
-              </a:rPr>
-              <a:t>Text</a:t>
-            </a:r>
-          </a:p>
-        </p:txBody>
-      </p:sp>
-      <p:sp>
-        <p:nvSpPr>
-          <p:cNvPr id="24" name="Rectangle 5"/>
-          <p:cNvSpPr>
-            <a:spLocks noChangeArrowheads="1"/>
-          </p:cNvSpPr>
-          <p:nvPr/>
-        </p:nvSpPr>
-        <p:spPr bwMode="auto">
-          <a:xfrm>
-            <a:off x="7803935" y="3267324"/>
-            <a:ext cx="2011680" cy="731520"/>
-          </a:xfrm>
-          <a:prstGeom prst="rect">
-            <a:avLst/>
-          </a:prstGeom>
-          <a:noFill/>
+          <a:solidFill>
+            <a:srgbClr val="FF99FF"/>
+          </a:solidFill>
           <a:ln w="19050">
             <a:solidFill>
               <a:schemeClr val="tx1"/>
@@ -10403,17 +15273,16 @@
             </a:pPr>
             <a:r>
               <a:rPr lang="en-US" kern="0" dirty="0">
-                <a:latin typeface="+mj-lt"/>
                 <a:ea typeface="ＭＳ Ｐゴシック" pitchFamily="50" charset="-128"/>
               </a:rPr>
-              <a:t>Text</a:t>
+              <a:t>Dataset: banking transactions</a:t>
             </a:r>
           </a:p>
         </p:txBody>
       </p:sp>
       <p:sp>
         <p:nvSpPr>
-          <p:cNvPr id="25" name="Rectangle 6"/>
+          <p:cNvPr id="28" name="Rectangle 9"/>
           <p:cNvSpPr>
             <a:spLocks noChangeArrowheads="1"/>
           </p:cNvSpPr>
@@ -10421,13 +15290,18 @@
         </p:nvSpPr>
         <p:spPr bwMode="auto">
           <a:xfrm>
-            <a:off x="2361985" y="4445249"/>
+            <a:off x="2369310" y="4196616"/>
             <a:ext cx="2011680" cy="731520"/>
           </a:xfrm>
           <a:prstGeom prst="rect">
             <a:avLst/>
           </a:prstGeom>
-          <a:noFill/>
+          <a:solidFill>
+            <a:schemeClr val="accent2">
+              <a:lumMod val="40000"/>
+              <a:lumOff val="60000"/>
+            </a:schemeClr>
+          </a:solidFill>
           <a:ln w="19050">
             <a:solidFill>
               <a:schemeClr val="tx1"/>
@@ -10448,18 +15322,17 @@
               <a:defRPr/>
             </a:pPr>
             <a:r>
-              <a:rPr lang="en-US" kern="0" dirty="0">
-                <a:latin typeface="+mj-lt"/>
+              <a:rPr lang="en-US" sz="1600" kern="0" dirty="0">
                 <a:ea typeface="ＭＳ Ｐゴシック" pitchFamily="50" charset="-128"/>
               </a:rPr>
-              <a:t>Text</a:t>
+              <a:t>Type: Classification</a:t>
             </a:r>
           </a:p>
         </p:txBody>
       </p:sp>
       <p:sp>
         <p:nvSpPr>
-          <p:cNvPr id="26" name="Rectangle 7"/>
+          <p:cNvPr id="29" name="Rectangle 10"/>
           <p:cNvSpPr>
             <a:spLocks noChangeArrowheads="1"/>
           </p:cNvSpPr>
@@ -10467,13 +15340,18 @@
         </p:nvSpPr>
         <p:spPr bwMode="auto">
           <a:xfrm>
-            <a:off x="7803935" y="4445249"/>
-            <a:ext cx="2011680" cy="731520"/>
+            <a:off x="1422926" y="1937969"/>
+            <a:ext cx="1302205" cy="731520"/>
           </a:xfrm>
           <a:prstGeom prst="rect">
             <a:avLst/>
           </a:prstGeom>
-          <a:noFill/>
+          <a:solidFill>
+            <a:schemeClr val="accent4">
+              <a:lumMod val="40000"/>
+              <a:lumOff val="60000"/>
+            </a:schemeClr>
+          </a:solidFill>
           <a:ln w="19050">
             <a:solidFill>
               <a:schemeClr val="tx1"/>
@@ -10495,148 +15373,9 @@
             </a:pPr>
             <a:r>
               <a:rPr lang="en-US" kern="0" dirty="0">
-                <a:latin typeface="+mj-lt"/>
                 <a:ea typeface="ＭＳ Ｐゴシック" pitchFamily="50" charset="-128"/>
               </a:rPr>
-              <a:t>Text</a:t>
-            </a:r>
-          </a:p>
-        </p:txBody>
-      </p:sp>
-      <p:sp>
-        <p:nvSpPr>
-          <p:cNvPr id="27" name="Rectangle 8"/>
-          <p:cNvSpPr>
-            <a:spLocks noChangeArrowheads="1"/>
-          </p:cNvSpPr>
-          <p:nvPr/>
-        </p:nvSpPr>
-        <p:spPr bwMode="auto">
-          <a:xfrm>
-            <a:off x="5082833" y="1424236"/>
-            <a:ext cx="2011680" cy="731520"/>
-          </a:xfrm>
-          <a:prstGeom prst="rect">
-            <a:avLst/>
-          </a:prstGeom>
-          <a:noFill/>
-          <a:ln w="19050">
-            <a:solidFill>
-              <a:schemeClr val="tx1"/>
-            </a:solidFill>
-            <a:miter lim="800000"/>
-            <a:headEnd/>
-            <a:tailEnd/>
-          </a:ln>
-        </p:spPr>
-        <p:txBody>
-          <a:bodyPr lIns="88900" tIns="88900" rIns="88900" bIns="88900" anchor="ctr"/>
-          <a:lstStyle/>
-          <a:p>
-            <a:pPr algn="ctr" defTabSz="954088">
-              <a:lnSpc>
-                <a:spcPct val="95000"/>
-              </a:lnSpc>
-              <a:defRPr/>
-            </a:pPr>
-            <a:r>
-              <a:rPr lang="en-US" kern="0" dirty="0">
-                <a:latin typeface="+mj-lt"/>
-                <a:ea typeface="ＭＳ Ｐゴシック" pitchFamily="50" charset="-128"/>
-              </a:rPr>
-              <a:t>Text</a:t>
-            </a:r>
-          </a:p>
-        </p:txBody>
-      </p:sp>
-      <p:sp>
-        <p:nvSpPr>
-          <p:cNvPr id="28" name="Rectangle 9"/>
-          <p:cNvSpPr>
-            <a:spLocks noChangeArrowheads="1"/>
-          </p:cNvSpPr>
-          <p:nvPr/>
-        </p:nvSpPr>
-        <p:spPr bwMode="auto">
-          <a:xfrm>
-            <a:off x="2361985" y="3267324"/>
-            <a:ext cx="2011680" cy="731520"/>
-          </a:xfrm>
-          <a:prstGeom prst="rect">
-            <a:avLst/>
-          </a:prstGeom>
-          <a:noFill/>
-          <a:ln w="19050">
-            <a:solidFill>
-              <a:schemeClr val="tx1"/>
-            </a:solidFill>
-            <a:miter lim="800000"/>
-            <a:headEnd/>
-            <a:tailEnd/>
-          </a:ln>
-        </p:spPr>
-        <p:txBody>
-          <a:bodyPr lIns="88900" tIns="88900" rIns="88900" bIns="88900" anchor="ctr"/>
-          <a:lstStyle/>
-          <a:p>
-            <a:pPr algn="ctr" defTabSz="954088">
-              <a:lnSpc>
-                <a:spcPct val="95000"/>
-              </a:lnSpc>
-              <a:defRPr/>
-            </a:pPr>
-            <a:r>
-              <a:rPr lang="en-US" kern="0" dirty="0">
-                <a:latin typeface="+mj-lt"/>
-                <a:ea typeface="ＭＳ Ｐゴシック" pitchFamily="50" charset="-128"/>
-              </a:rPr>
-              <a:t>Text</a:t>
-            </a:r>
-          </a:p>
-        </p:txBody>
-      </p:sp>
-      <p:sp>
-        <p:nvSpPr>
-          <p:cNvPr id="29" name="Rectangle 10"/>
-          <p:cNvSpPr>
-            <a:spLocks noChangeArrowheads="1"/>
-          </p:cNvSpPr>
-          <p:nvPr/>
-        </p:nvSpPr>
-        <p:spPr bwMode="auto">
-          <a:xfrm>
-            <a:off x="2361985" y="2162423"/>
-            <a:ext cx="2011680" cy="731520"/>
-          </a:xfrm>
-          <a:prstGeom prst="rect">
-            <a:avLst/>
-          </a:prstGeom>
-          <a:noFill/>
-          <a:ln w="19050">
-            <a:solidFill>
-              <a:schemeClr val="tx1"/>
-            </a:solidFill>
-            <a:miter lim="800000"/>
-            <a:headEnd/>
-            <a:tailEnd/>
-          </a:ln>
-        </p:spPr>
-        <p:txBody>
-          <a:bodyPr lIns="88900" tIns="88900" rIns="88900" bIns="88900" anchor="ctr"/>
-          <a:lstStyle/>
-          <a:p>
-            <a:pPr algn="ctr" defTabSz="954088">
-              <a:lnSpc>
-                <a:spcPct val="95000"/>
-              </a:lnSpc>
-              <a:defRPr/>
-            </a:pPr>
-            <a:r>
-              <a:rPr lang="en-US" kern="0" dirty="0">
-                <a:latin typeface="+mj-lt"/>
-                <a:ea typeface="ＭＳ Ｐゴシック" pitchFamily="50" charset="-128"/>
-              </a:rPr>
-              <a:t>Text</a:t>
+              <a:t>Features: numerical</a:t>
             </a:r>
           </a:p>
         </p:txBody>
@@ -10646,76 +15385,20 @@
           <p:cNvPr id="30" name="AutoShape 11"/>
           <p:cNvCxnSpPr>
             <a:cxnSpLocks noChangeShapeType="1"/>
-            <a:stCxn id="29" idx="3"/>
-            <a:endCxn id="21" idx="1"/>
+            <a:stCxn id="98" idx="2"/>
+            <a:endCxn id="48" idx="0"/>
           </p:cNvCxnSpPr>
           <p:nvPr/>
         </p:nvCxnSpPr>
         <p:spPr bwMode="auto">
-          <a:xfrm>
-            <a:off x="4373666" y="2528184"/>
-            <a:ext cx="939339" cy="742113"/>
+          <a:xfrm rot="16200000" flipH="1">
+            <a:off x="2933366" y="1291156"/>
+            <a:ext cx="571762" cy="721864"/>
           </a:xfrm>
-          <a:prstGeom prst="curvedConnector2">
-            <a:avLst/>
-          </a:prstGeom>
-          <a:noFill/>
-          <a:ln w="6350">
-            <a:solidFill>
-              <a:schemeClr val="tx1"/>
-            </a:solidFill>
-            <a:round/>
-            <a:headEnd/>
-            <a:tailEnd type="triangle" w="med" len="med"/>
-          </a:ln>
-        </p:spPr>
-      </p:cxnSp>
-      <p:cxnSp>
-        <p:nvCxnSpPr>
-          <p:cNvPr id="31" name="AutoShape 12"/>
-          <p:cNvCxnSpPr>
-            <a:cxnSpLocks noChangeShapeType="1"/>
-            <a:stCxn id="25" idx="3"/>
-            <a:endCxn id="21" idx="3"/>
-          </p:cNvCxnSpPr>
-          <p:nvPr/>
-        </p:nvCxnSpPr>
-        <p:spPr bwMode="auto">
-          <a:xfrm flipV="1">
-            <a:off x="4373666" y="3989839"/>
-            <a:ext cx="939339" cy="821170"/>
-          </a:xfrm>
-          <a:prstGeom prst="curvedConnector2">
-            <a:avLst/>
-          </a:prstGeom>
-          <a:noFill/>
-          <a:ln w="6350">
-            <a:solidFill>
-              <a:schemeClr val="tx1"/>
-            </a:solidFill>
-            <a:round/>
-            <a:headEnd/>
-            <a:tailEnd type="triangle" w="med" len="med"/>
-          </a:ln>
-        </p:spPr>
-      </p:cxnSp>
-      <p:cxnSp>
-        <p:nvCxnSpPr>
-          <p:cNvPr id="32" name="AutoShape 13"/>
-          <p:cNvCxnSpPr>
-            <a:cxnSpLocks noChangeShapeType="1"/>
-            <a:stCxn id="26" idx="1"/>
-            <a:endCxn id="21" idx="5"/>
-          </p:cNvCxnSpPr>
-          <p:nvPr/>
-        </p:nvCxnSpPr>
-        <p:spPr bwMode="auto">
-          <a:xfrm rot="10800000">
-            <a:off x="6864343" y="3989839"/>
-            <a:ext cx="939592" cy="821170"/>
-          </a:xfrm>
-          <a:prstGeom prst="curvedConnector2">
-            <a:avLst/>
+          <a:prstGeom prst="curvedConnector3">
+            <a:avLst>
+              <a:gd name="adj1" fmla="val 50000"/>
+            </a:avLst>
           </a:prstGeom>
           <a:noFill/>
           <a:ln w="6350">
@@ -10733,18 +15416,20 @@
           <p:cNvPr id="33" name="AutoShape 14"/>
           <p:cNvCxnSpPr>
             <a:cxnSpLocks noChangeShapeType="1"/>
-            <a:stCxn id="23" idx="1"/>
-            <a:endCxn id="21" idx="7"/>
+            <a:stCxn id="27" idx="3"/>
+            <a:endCxn id="47" idx="1"/>
           </p:cNvCxnSpPr>
           <p:nvPr/>
         </p:nvCxnSpPr>
         <p:spPr bwMode="auto">
-          <a:xfrm rot="10800000" flipV="1">
-            <a:off x="6864345" y="2573903"/>
-            <a:ext cx="956513" cy="696394"/>
+          <a:xfrm>
+            <a:off x="7099089" y="797024"/>
+            <a:ext cx="1080465" cy="203423"/>
           </a:xfrm>
-          <a:prstGeom prst="curvedConnector2">
-            <a:avLst/>
+          <a:prstGeom prst="curvedConnector3">
+            <a:avLst>
+              <a:gd name="adj1" fmla="val 50000"/>
+            </a:avLst>
           </a:prstGeom>
           <a:noFill/>
           <a:ln w="6350">
@@ -10762,15 +15447,15 @@
           <p:cNvPr id="34" name="AutoShape 15"/>
           <p:cNvCxnSpPr>
             <a:cxnSpLocks noChangeShapeType="1"/>
-            <a:stCxn id="27" idx="2"/>
-            <a:endCxn id="21" idx="0"/>
+            <a:stCxn id="42" idx="2"/>
+            <a:endCxn id="81" idx="0"/>
           </p:cNvCxnSpPr>
           <p:nvPr/>
         </p:nvCxnSpPr>
         <p:spPr bwMode="auto">
           <a:xfrm>
-            <a:off x="6088674" y="2155756"/>
-            <a:ext cx="1" cy="965518"/>
+            <a:off x="6093249" y="2448157"/>
+            <a:ext cx="2876" cy="427334"/>
           </a:xfrm>
           <a:prstGeom prst="straightConnector1">
             <a:avLst/>
@@ -10791,15 +15476,15 @@
           <p:cNvPr id="35" name="AutoShape 16"/>
           <p:cNvCxnSpPr>
             <a:cxnSpLocks noChangeShapeType="1"/>
-            <a:stCxn id="22" idx="0"/>
-            <a:endCxn id="21" idx="4"/>
+            <a:stCxn id="21" idx="4"/>
+            <a:endCxn id="67" idx="0"/>
           </p:cNvCxnSpPr>
           <p:nvPr/>
         </p:nvCxnSpPr>
         <p:spPr bwMode="auto">
-          <a:xfrm flipV="1">
-            <a:off x="6088674" y="4138862"/>
-            <a:ext cx="1" cy="966787"/>
+          <a:xfrm flipH="1">
+            <a:off x="6095998" y="5071170"/>
+            <a:ext cx="127" cy="504852"/>
           </a:xfrm>
           <a:prstGeom prst="straightConnector1">
             <a:avLst/>
@@ -10826,9 +15511,9 @@
           <p:nvPr/>
         </p:nvCxnSpPr>
         <p:spPr bwMode="auto">
-          <a:xfrm flipV="1">
-            <a:off x="4373665" y="3630068"/>
-            <a:ext cx="618046" cy="3016"/>
+          <a:xfrm>
+            <a:off x="4380990" y="4562376"/>
+            <a:ext cx="618172" cy="1"/>
           </a:xfrm>
           <a:prstGeom prst="straightConnector1">
             <a:avLst/>
@@ -10855,9 +15540,9 @@
           <p:nvPr/>
         </p:nvCxnSpPr>
         <p:spPr bwMode="auto">
-          <a:xfrm flipH="1" flipV="1">
-            <a:off x="7185637" y="3630068"/>
-            <a:ext cx="618299" cy="3016"/>
+          <a:xfrm flipH="1">
+            <a:off x="7193087" y="4562376"/>
+            <a:ext cx="618172" cy="1"/>
           </a:xfrm>
           <a:prstGeom prst="straightConnector1">
             <a:avLst/>
@@ -10873,10 +15558,1156 @@
           </a:ln>
         </p:spPr>
       </p:cxnSp>
+      <p:cxnSp>
+        <p:nvCxnSpPr>
+          <p:cNvPr id="39" name="AutoShape 15">
+            <a:extLst>
+              <a:ext uri="{FF2B5EF4-FFF2-40B4-BE49-F238E27FC236}">
+                <a16:creationId xmlns:a16="http://schemas.microsoft.com/office/drawing/2014/main" id="{73876CA4-EDD6-444A-B73B-B2B203489A94}"/>
+              </a:ext>
+            </a:extLst>
+          </p:cNvPr>
+          <p:cNvCxnSpPr>
+            <a:cxnSpLocks noChangeShapeType="1"/>
+            <a:stCxn id="27" idx="2"/>
+            <a:endCxn id="42" idx="0"/>
+          </p:cNvCxnSpPr>
+          <p:nvPr/>
+        </p:nvCxnSpPr>
+        <p:spPr bwMode="auto">
+          <a:xfrm>
+            <a:off x="6093249" y="1162784"/>
+            <a:ext cx="0" cy="553853"/>
+          </a:xfrm>
+          <a:prstGeom prst="straightConnector1">
+            <a:avLst/>
+          </a:prstGeom>
+          <a:noFill/>
+          <a:ln w="6350">
+            <a:solidFill>
+              <a:schemeClr val="tx1"/>
+            </a:solidFill>
+            <a:round/>
+            <a:headEnd/>
+            <a:tailEnd type="triangle" w="med" len="med"/>
+          </a:ln>
+        </p:spPr>
+      </p:cxnSp>
+      <p:sp>
+        <p:nvSpPr>
+          <p:cNvPr id="42" name="Rectangle 8">
+            <a:extLst>
+              <a:ext uri="{FF2B5EF4-FFF2-40B4-BE49-F238E27FC236}">
+                <a16:creationId xmlns:a16="http://schemas.microsoft.com/office/drawing/2014/main" id="{71308F31-168F-4C48-B6BE-D46768C65CFC}"/>
+              </a:ext>
+            </a:extLst>
+          </p:cNvPr>
+          <p:cNvSpPr>
+            <a:spLocks noChangeArrowheads="1"/>
+          </p:cNvSpPr>
+          <p:nvPr/>
+        </p:nvSpPr>
+        <p:spPr bwMode="auto">
+          <a:xfrm>
+            <a:off x="5087409" y="1716637"/>
+            <a:ext cx="2011680" cy="731520"/>
+          </a:xfrm>
+          <a:prstGeom prst="rect">
+            <a:avLst/>
+          </a:prstGeom>
+          <a:solidFill>
+            <a:srgbClr val="FF99FF"/>
+          </a:solidFill>
+          <a:ln w="19050">
+            <a:solidFill>
+              <a:schemeClr val="tx1"/>
+            </a:solidFill>
+            <a:miter lim="800000"/>
+            <a:headEnd/>
+            <a:tailEnd/>
+          </a:ln>
+        </p:spPr>
+        <p:txBody>
+          <a:bodyPr lIns="88900" tIns="88900" rIns="88900" bIns="88900" anchor="ctr"/>
+          <a:lstStyle/>
+          <a:p>
+            <a:pPr algn="ctr" defTabSz="954088">
+              <a:lnSpc>
+                <a:spcPct val="95000"/>
+              </a:lnSpc>
+              <a:defRPr/>
+            </a:pPr>
+            <a:r>
+              <a:rPr lang="en-US" kern="0" dirty="0">
+                <a:ea typeface="ＭＳ Ｐゴシック" pitchFamily="50" charset="-128"/>
+              </a:rPr>
+              <a:t>Normalization and Oversampling</a:t>
+            </a:r>
+          </a:p>
+        </p:txBody>
+      </p:sp>
+      <p:sp>
+        <p:nvSpPr>
+          <p:cNvPr id="47" name="Rectangle 4">
+            <a:extLst>
+              <a:ext uri="{FF2B5EF4-FFF2-40B4-BE49-F238E27FC236}">
+                <a16:creationId xmlns:a16="http://schemas.microsoft.com/office/drawing/2014/main" id="{BE08CE4A-F416-4823-B929-4C5678521012}"/>
+              </a:ext>
+            </a:extLst>
+          </p:cNvPr>
+          <p:cNvSpPr>
+            <a:spLocks noChangeArrowheads="1"/>
+          </p:cNvSpPr>
+          <p:nvPr/>
+        </p:nvSpPr>
+        <p:spPr bwMode="auto">
+          <a:xfrm>
+            <a:off x="8179554" y="634687"/>
+            <a:ext cx="2011680" cy="731520"/>
+          </a:xfrm>
+          <a:prstGeom prst="rect">
+            <a:avLst/>
+          </a:prstGeom>
+          <a:solidFill>
+            <a:schemeClr val="accent4">
+              <a:lumMod val="40000"/>
+              <a:lumOff val="60000"/>
+            </a:schemeClr>
+          </a:solidFill>
+          <a:ln w="19050" algn="ctr">
+            <a:solidFill>
+              <a:schemeClr val="tx1"/>
+            </a:solidFill>
+            <a:miter lim="800000"/>
+            <a:headEnd/>
+            <a:tailEnd/>
+          </a:ln>
+        </p:spPr>
+        <p:txBody>
+          <a:bodyPr lIns="88900" tIns="88900" rIns="88900" bIns="88900" anchor="ctr"/>
+          <a:lstStyle/>
+          <a:p>
+            <a:pPr algn="ctr" defTabSz="954088">
+              <a:lnSpc>
+                <a:spcPct val="95000"/>
+              </a:lnSpc>
+              <a:defRPr/>
+            </a:pPr>
+            <a:r>
+              <a:rPr lang="es-MX" kern="0" dirty="0">
+                <a:ea typeface="ＭＳ Ｐゴシック" pitchFamily="50" charset="-128"/>
+              </a:rPr>
+              <a:t>H</a:t>
+            </a:r>
+            <a:r>
+              <a:rPr lang="en-US" kern="0" dirty="0">
+                <a:ea typeface="ＭＳ Ｐゴシック" pitchFamily="50" charset="-128"/>
+              </a:rPr>
+              <a:t>ighly unbalanced</a:t>
+            </a:r>
+          </a:p>
+        </p:txBody>
+      </p:sp>
+      <p:sp>
+        <p:nvSpPr>
+          <p:cNvPr id="48" name="Rectangle 4">
+            <a:extLst>
+              <a:ext uri="{FF2B5EF4-FFF2-40B4-BE49-F238E27FC236}">
+                <a16:creationId xmlns:a16="http://schemas.microsoft.com/office/drawing/2014/main" id="{51B15CB9-DE3A-4DE9-BA26-35EDB7804A67}"/>
+              </a:ext>
+            </a:extLst>
+          </p:cNvPr>
+          <p:cNvSpPr>
+            <a:spLocks noChangeArrowheads="1"/>
+          </p:cNvSpPr>
+          <p:nvPr/>
+        </p:nvSpPr>
+        <p:spPr bwMode="auto">
+          <a:xfrm>
+            <a:off x="2929078" y="1937969"/>
+            <a:ext cx="1302201" cy="731520"/>
+          </a:xfrm>
+          <a:prstGeom prst="rect">
+            <a:avLst/>
+          </a:prstGeom>
+          <a:solidFill>
+            <a:schemeClr val="accent4">
+              <a:lumMod val="40000"/>
+              <a:lumOff val="60000"/>
+            </a:schemeClr>
+          </a:solidFill>
+          <a:ln w="19050" algn="ctr">
+            <a:solidFill>
+              <a:schemeClr val="tx1"/>
+            </a:solidFill>
+            <a:miter lim="800000"/>
+            <a:headEnd/>
+            <a:tailEnd/>
+          </a:ln>
+        </p:spPr>
+        <p:txBody>
+          <a:bodyPr lIns="88900" tIns="88900" rIns="88900" bIns="88900" anchor="ctr"/>
+          <a:lstStyle/>
+          <a:p>
+            <a:pPr algn="ctr" defTabSz="954088">
+              <a:lnSpc>
+                <a:spcPct val="95000"/>
+              </a:lnSpc>
+              <a:defRPr/>
+            </a:pPr>
+            <a:r>
+              <a:rPr lang="en-US" kern="0" dirty="0">
+                <a:ea typeface="ＭＳ Ｐゴシック" pitchFamily="50" charset="-128"/>
+              </a:rPr>
+              <a:t>Label: categorical</a:t>
+            </a:r>
+          </a:p>
+        </p:txBody>
+      </p:sp>
+      <p:cxnSp>
+        <p:nvCxnSpPr>
+          <p:cNvPr id="49" name="AutoShape 14">
+            <a:extLst>
+              <a:ext uri="{FF2B5EF4-FFF2-40B4-BE49-F238E27FC236}">
+                <a16:creationId xmlns:a16="http://schemas.microsoft.com/office/drawing/2014/main" id="{901C7C74-EFD5-4C79-9CEB-2578DEBCA9DA}"/>
+              </a:ext>
+            </a:extLst>
+          </p:cNvPr>
+          <p:cNvCxnSpPr>
+            <a:cxnSpLocks noChangeShapeType="1"/>
+            <a:stCxn id="98" idx="2"/>
+            <a:endCxn id="29" idx="0"/>
+          </p:cNvCxnSpPr>
+          <p:nvPr/>
+        </p:nvCxnSpPr>
+        <p:spPr bwMode="auto">
+          <a:xfrm rot="5400000">
+            <a:off x="2180291" y="1259945"/>
+            <a:ext cx="571762" cy="784286"/>
+          </a:xfrm>
+          <a:prstGeom prst="curvedConnector3">
+            <a:avLst>
+              <a:gd name="adj1" fmla="val 50000"/>
+            </a:avLst>
+          </a:prstGeom>
+          <a:noFill/>
+          <a:ln w="6350">
+            <a:solidFill>
+              <a:schemeClr val="tx1"/>
+            </a:solidFill>
+            <a:round/>
+            <a:headEnd/>
+            <a:tailEnd type="triangle" w="med" len="med"/>
+          </a:ln>
+        </p:spPr>
+      </p:cxnSp>
+      <p:sp>
+        <p:nvSpPr>
+          <p:cNvPr id="65" name="Rectangle 3">
+            <a:extLst>
+              <a:ext uri="{FF2B5EF4-FFF2-40B4-BE49-F238E27FC236}">
+                <a16:creationId xmlns:a16="http://schemas.microsoft.com/office/drawing/2014/main" id="{78C0437B-61E7-4772-B718-E3E56EDDB386}"/>
+              </a:ext>
+            </a:extLst>
+          </p:cNvPr>
+          <p:cNvSpPr>
+            <a:spLocks noChangeArrowheads="1"/>
+          </p:cNvSpPr>
+          <p:nvPr/>
+        </p:nvSpPr>
+        <p:spPr bwMode="auto">
+          <a:xfrm>
+            <a:off x="7403507" y="5599447"/>
+            <a:ext cx="2011680" cy="731520"/>
+          </a:xfrm>
+          <a:prstGeom prst="rect">
+            <a:avLst/>
+          </a:prstGeom>
+          <a:solidFill>
+            <a:srgbClr val="FF0000"/>
+          </a:solidFill>
+          <a:ln w="19050">
+            <a:solidFill>
+              <a:schemeClr val="tx1"/>
+            </a:solidFill>
+            <a:miter lim="800000"/>
+            <a:headEnd/>
+            <a:tailEnd/>
+          </a:ln>
+        </p:spPr>
+        <p:txBody>
+          <a:bodyPr lIns="88900" tIns="88900" rIns="88900" bIns="88900" anchor="ctr"/>
+          <a:lstStyle/>
+          <a:p>
+            <a:pPr algn="ctr" defTabSz="954088">
+              <a:lnSpc>
+                <a:spcPct val="95000"/>
+              </a:lnSpc>
+              <a:defRPr/>
+            </a:pPr>
+            <a:r>
+              <a:rPr lang="en-US" sz="1600" kern="0" dirty="0">
+                <a:solidFill>
+                  <a:schemeClr val="bg1"/>
+                </a:solidFill>
+                <a:ea typeface="ＭＳ Ｐゴシック" pitchFamily="50" charset="-128"/>
+              </a:rPr>
+              <a:t>Transaction is not a fraud</a:t>
+            </a:r>
+          </a:p>
+        </p:txBody>
+      </p:sp>
+      <p:sp>
+        <p:nvSpPr>
+          <p:cNvPr id="66" name="Rectangle 3">
+            <a:extLst>
+              <a:ext uri="{FF2B5EF4-FFF2-40B4-BE49-F238E27FC236}">
+                <a16:creationId xmlns:a16="http://schemas.microsoft.com/office/drawing/2014/main" id="{32D50493-0014-4697-9A8D-33F371F83567}"/>
+              </a:ext>
+            </a:extLst>
+          </p:cNvPr>
+          <p:cNvSpPr>
+            <a:spLocks noChangeArrowheads="1"/>
+          </p:cNvSpPr>
+          <p:nvPr/>
+        </p:nvSpPr>
+        <p:spPr bwMode="auto">
+          <a:xfrm>
+            <a:off x="2678396" y="5599447"/>
+            <a:ext cx="2011680" cy="731520"/>
+          </a:xfrm>
+          <a:prstGeom prst="rect">
+            <a:avLst/>
+          </a:prstGeom>
+          <a:solidFill>
+            <a:srgbClr val="00CC66"/>
+          </a:solidFill>
+          <a:ln w="19050">
+            <a:solidFill>
+              <a:schemeClr val="tx1"/>
+            </a:solidFill>
+            <a:miter lim="800000"/>
+            <a:headEnd/>
+            <a:tailEnd/>
+          </a:ln>
+        </p:spPr>
+        <p:txBody>
+          <a:bodyPr lIns="88900" tIns="88900" rIns="88900" bIns="88900" anchor="ctr"/>
+          <a:lstStyle/>
+          <a:p>
+            <a:pPr algn="ctr" defTabSz="954088">
+              <a:lnSpc>
+                <a:spcPct val="95000"/>
+              </a:lnSpc>
+              <a:defRPr/>
+            </a:pPr>
+            <a:r>
+              <a:rPr lang="es-MX" sz="1600" kern="0" dirty="0" err="1">
+                <a:ea typeface="ＭＳ Ｐゴシック" pitchFamily="50" charset="-128"/>
+              </a:rPr>
+              <a:t>Transaction</a:t>
+            </a:r>
+            <a:r>
+              <a:rPr lang="es-MX" sz="1600" kern="0" dirty="0">
+                <a:ea typeface="ＭＳ Ｐゴシック" pitchFamily="50" charset="-128"/>
+              </a:rPr>
+              <a:t> </a:t>
+            </a:r>
+            <a:r>
+              <a:rPr lang="es-MX" sz="1600" kern="0" dirty="0" err="1">
+                <a:ea typeface="ＭＳ Ｐゴシック" pitchFamily="50" charset="-128"/>
+              </a:rPr>
+              <a:t>is</a:t>
+            </a:r>
+            <a:r>
+              <a:rPr lang="es-MX" sz="1600" kern="0" dirty="0">
+                <a:ea typeface="ＭＳ Ｐゴシック" pitchFamily="50" charset="-128"/>
+              </a:rPr>
+              <a:t> a f</a:t>
+            </a:r>
+            <a:r>
+              <a:rPr lang="en-US" sz="1600" kern="0" dirty="0" err="1">
+                <a:ea typeface="ＭＳ Ｐゴシック" pitchFamily="50" charset="-128"/>
+              </a:rPr>
+              <a:t>raud</a:t>
+            </a:r>
+            <a:endParaRPr lang="en-US" sz="1600" kern="0" dirty="0">
+              <a:ea typeface="ＭＳ Ｐゴシック" pitchFamily="50" charset="-128"/>
+            </a:endParaRPr>
+          </a:p>
+        </p:txBody>
+      </p:sp>
+      <p:sp>
+        <p:nvSpPr>
+          <p:cNvPr id="67" name="Oval 66">
+            <a:extLst>
+              <a:ext uri="{FF2B5EF4-FFF2-40B4-BE49-F238E27FC236}">
+                <a16:creationId xmlns:a16="http://schemas.microsoft.com/office/drawing/2014/main" id="{35B0139B-5AC2-4280-ACBC-3753B1FE1E59}"/>
+              </a:ext>
+            </a:extLst>
+          </p:cNvPr>
+          <p:cNvSpPr/>
+          <p:nvPr/>
+        </p:nvSpPr>
+        <p:spPr>
+          <a:xfrm>
+            <a:off x="5484742" y="5576022"/>
+            <a:ext cx="1222512" cy="783810"/>
+          </a:xfrm>
+          <a:prstGeom prst="ellipse">
+            <a:avLst/>
+          </a:prstGeom>
+        </p:spPr>
+        <p:style>
+          <a:lnRef idx="2">
+            <a:schemeClr val="accent1">
+              <a:shade val="50000"/>
+            </a:schemeClr>
+          </a:lnRef>
+          <a:fillRef idx="1">
+            <a:schemeClr val="accent1"/>
+          </a:fillRef>
+          <a:effectRef idx="0">
+            <a:schemeClr val="accent1"/>
+          </a:effectRef>
+          <a:fontRef idx="minor">
+            <a:schemeClr val="lt1"/>
+          </a:fontRef>
+        </p:style>
+        <p:txBody>
+          <a:bodyPr rtlCol="0" anchor="ctr"/>
+          <a:lstStyle/>
+          <a:p>
+            <a:pPr algn="ctr"/>
+            <a:r>
+              <a:rPr lang="es-MX" dirty="0"/>
+              <a:t>Output</a:t>
+            </a:r>
+            <a:endParaRPr lang="en-US" dirty="0"/>
+          </a:p>
+        </p:txBody>
+      </p:sp>
+      <p:cxnSp>
+        <p:nvCxnSpPr>
+          <p:cNvPr id="73" name="AutoShape 18">
+            <a:extLst>
+              <a:ext uri="{FF2B5EF4-FFF2-40B4-BE49-F238E27FC236}">
+                <a16:creationId xmlns:a16="http://schemas.microsoft.com/office/drawing/2014/main" id="{EF3CD3A6-D934-4B17-8550-382C930DD9EC}"/>
+              </a:ext>
+            </a:extLst>
+          </p:cNvPr>
+          <p:cNvCxnSpPr>
+            <a:cxnSpLocks noChangeShapeType="1"/>
+            <a:stCxn id="67" idx="6"/>
+            <a:endCxn id="65" idx="1"/>
+          </p:cNvCxnSpPr>
+          <p:nvPr/>
+        </p:nvCxnSpPr>
+        <p:spPr bwMode="auto">
+          <a:xfrm flipV="1">
+            <a:off x="6707254" y="5965207"/>
+            <a:ext cx="696253" cy="2720"/>
+          </a:xfrm>
+          <a:prstGeom prst="straightConnector1">
+            <a:avLst/>
+          </a:prstGeom>
+          <a:noFill/>
+          <a:ln w="6350">
+            <a:solidFill>
+              <a:schemeClr val="tx1"/>
+            </a:solidFill>
+            <a:round/>
+            <a:headEnd/>
+            <a:tailEnd type="triangle" w="med" len="med"/>
+          </a:ln>
+        </p:spPr>
+      </p:cxnSp>
+      <p:cxnSp>
+        <p:nvCxnSpPr>
+          <p:cNvPr id="77" name="AutoShape 18">
+            <a:extLst>
+              <a:ext uri="{FF2B5EF4-FFF2-40B4-BE49-F238E27FC236}">
+                <a16:creationId xmlns:a16="http://schemas.microsoft.com/office/drawing/2014/main" id="{30C2E670-D0ED-4D35-A58D-200C35A64207}"/>
+              </a:ext>
+            </a:extLst>
+          </p:cNvPr>
+          <p:cNvCxnSpPr>
+            <a:cxnSpLocks noChangeShapeType="1"/>
+            <a:stCxn id="67" idx="2"/>
+            <a:endCxn id="66" idx="3"/>
+          </p:cNvCxnSpPr>
+          <p:nvPr/>
+        </p:nvCxnSpPr>
+        <p:spPr bwMode="auto">
+          <a:xfrm flipH="1" flipV="1">
+            <a:off x="4690076" y="5965207"/>
+            <a:ext cx="794666" cy="2720"/>
+          </a:xfrm>
+          <a:prstGeom prst="straightConnector1">
+            <a:avLst/>
+          </a:prstGeom>
+          <a:noFill/>
+          <a:ln w="6350">
+            <a:solidFill>
+              <a:schemeClr val="tx1"/>
+            </a:solidFill>
+            <a:round/>
+            <a:headEnd/>
+            <a:tailEnd type="triangle" w="med" len="med"/>
+          </a:ln>
+        </p:spPr>
+      </p:cxnSp>
+      <p:sp>
+        <p:nvSpPr>
+          <p:cNvPr id="81" name="Oval 80">
+            <a:extLst>
+              <a:ext uri="{FF2B5EF4-FFF2-40B4-BE49-F238E27FC236}">
+                <a16:creationId xmlns:a16="http://schemas.microsoft.com/office/drawing/2014/main" id="{6F2A3738-1E74-4869-8D38-97580AB909AB}"/>
+              </a:ext>
+            </a:extLst>
+          </p:cNvPr>
+          <p:cNvSpPr/>
+          <p:nvPr/>
+        </p:nvSpPr>
+        <p:spPr>
+          <a:xfrm>
+            <a:off x="5484869" y="2875491"/>
+            <a:ext cx="1222512" cy="783810"/>
+          </a:xfrm>
+          <a:prstGeom prst="ellipse">
+            <a:avLst/>
+          </a:prstGeom>
+          <a:solidFill>
+            <a:srgbClr val="CC00FF"/>
+          </a:solidFill>
+        </p:spPr>
+        <p:style>
+          <a:lnRef idx="2">
+            <a:schemeClr val="accent1">
+              <a:shade val="50000"/>
+            </a:schemeClr>
+          </a:lnRef>
+          <a:fillRef idx="1">
+            <a:schemeClr val="accent1"/>
+          </a:fillRef>
+          <a:effectRef idx="0">
+            <a:schemeClr val="accent1"/>
+          </a:effectRef>
+          <a:fontRef idx="minor">
+            <a:schemeClr val="lt1"/>
+          </a:fontRef>
+        </p:style>
+        <p:txBody>
+          <a:bodyPr rtlCol="0" anchor="ctr"/>
+          <a:lstStyle/>
+          <a:p>
+            <a:pPr algn="ctr"/>
+            <a:r>
+              <a:rPr lang="es-MX" b="1" dirty="0"/>
+              <a:t>Input</a:t>
+            </a:r>
+            <a:endParaRPr lang="en-US" b="1" dirty="0"/>
+          </a:p>
+        </p:txBody>
+      </p:sp>
+      <p:cxnSp>
+        <p:nvCxnSpPr>
+          <p:cNvPr id="84" name="AutoShape 16">
+            <a:extLst>
+              <a:ext uri="{FF2B5EF4-FFF2-40B4-BE49-F238E27FC236}">
+                <a16:creationId xmlns:a16="http://schemas.microsoft.com/office/drawing/2014/main" id="{E1449C37-232C-43F1-B187-DDC90C416E0E}"/>
+              </a:ext>
+            </a:extLst>
+          </p:cNvPr>
+          <p:cNvCxnSpPr>
+            <a:cxnSpLocks noChangeShapeType="1"/>
+            <a:stCxn id="81" idx="4"/>
+            <a:endCxn id="21" idx="0"/>
+          </p:cNvCxnSpPr>
+          <p:nvPr/>
+        </p:nvCxnSpPr>
+        <p:spPr bwMode="auto">
+          <a:xfrm>
+            <a:off x="6096125" y="3659301"/>
+            <a:ext cx="0" cy="394282"/>
+          </a:xfrm>
+          <a:prstGeom prst="straightConnector1">
+            <a:avLst/>
+          </a:prstGeom>
+          <a:noFill/>
+          <a:ln w="6350">
+            <a:solidFill>
+              <a:schemeClr val="tx1"/>
+            </a:solidFill>
+            <a:round/>
+            <a:headEnd/>
+            <a:tailEnd type="triangle" w="med" len="med"/>
+          </a:ln>
+        </p:spPr>
+      </p:cxnSp>
+      <p:sp>
+        <p:nvSpPr>
+          <p:cNvPr id="98" name="Rectangle 4">
+            <a:extLst>
+              <a:ext uri="{FF2B5EF4-FFF2-40B4-BE49-F238E27FC236}">
+                <a16:creationId xmlns:a16="http://schemas.microsoft.com/office/drawing/2014/main" id="{9A3BA83D-DB81-41A6-9564-9F844C908D09}"/>
+              </a:ext>
+            </a:extLst>
+          </p:cNvPr>
+          <p:cNvSpPr>
+            <a:spLocks noChangeArrowheads="1"/>
+          </p:cNvSpPr>
+          <p:nvPr/>
+        </p:nvSpPr>
+        <p:spPr bwMode="auto">
+          <a:xfrm>
+            <a:off x="1852475" y="634687"/>
+            <a:ext cx="2011680" cy="731520"/>
+          </a:xfrm>
+          <a:prstGeom prst="rect">
+            <a:avLst/>
+          </a:prstGeom>
+          <a:solidFill>
+            <a:schemeClr val="accent4">
+              <a:lumMod val="40000"/>
+              <a:lumOff val="60000"/>
+            </a:schemeClr>
+          </a:solidFill>
+          <a:ln w="19050" algn="ctr">
+            <a:solidFill>
+              <a:schemeClr val="tx1"/>
+            </a:solidFill>
+            <a:miter lim="800000"/>
+            <a:headEnd/>
+            <a:tailEnd/>
+          </a:ln>
+        </p:spPr>
+        <p:txBody>
+          <a:bodyPr lIns="88900" tIns="88900" rIns="88900" bIns="88900" anchor="ctr"/>
+          <a:lstStyle/>
+          <a:p>
+            <a:pPr algn="ctr" defTabSz="954088">
+              <a:lnSpc>
+                <a:spcPct val="95000"/>
+              </a:lnSpc>
+              <a:defRPr/>
+            </a:pPr>
+            <a:r>
+              <a:rPr lang="en-US" kern="0" dirty="0">
+                <a:ea typeface="ＭＳ Ｐゴシック" pitchFamily="50" charset="-128"/>
+              </a:rPr>
+              <a:t>Variables</a:t>
+            </a:r>
+          </a:p>
+        </p:txBody>
+      </p:sp>
+      <p:cxnSp>
+        <p:nvCxnSpPr>
+          <p:cNvPr id="111" name="AutoShape 14">
+            <a:extLst>
+              <a:ext uri="{FF2B5EF4-FFF2-40B4-BE49-F238E27FC236}">
+                <a16:creationId xmlns:a16="http://schemas.microsoft.com/office/drawing/2014/main" id="{0E706A69-2239-4C33-ACA3-D2D78A276528}"/>
+              </a:ext>
+            </a:extLst>
+          </p:cNvPr>
+          <p:cNvCxnSpPr>
+            <a:cxnSpLocks noChangeShapeType="1"/>
+            <a:stCxn id="27" idx="1"/>
+            <a:endCxn id="98" idx="3"/>
+          </p:cNvCxnSpPr>
+          <p:nvPr/>
+        </p:nvCxnSpPr>
+        <p:spPr bwMode="auto">
+          <a:xfrm rot="10800000" flipV="1">
+            <a:off x="3864155" y="797023"/>
+            <a:ext cx="1223254" cy="203423"/>
+          </a:xfrm>
+          <a:prstGeom prst="curvedConnector3">
+            <a:avLst>
+              <a:gd name="adj1" fmla="val 50000"/>
+            </a:avLst>
+          </a:prstGeom>
+          <a:noFill/>
+          <a:ln w="6350">
+            <a:solidFill>
+              <a:schemeClr val="tx1"/>
+            </a:solidFill>
+            <a:round/>
+            <a:headEnd/>
+            <a:tailEnd type="triangle" w="med" len="med"/>
+          </a:ln>
+        </p:spPr>
+      </p:cxnSp>
+      <p:cxnSp>
+        <p:nvCxnSpPr>
+          <p:cNvPr id="152" name="AutoShape 14">
+            <a:extLst>
+              <a:ext uri="{FF2B5EF4-FFF2-40B4-BE49-F238E27FC236}">
+                <a16:creationId xmlns:a16="http://schemas.microsoft.com/office/drawing/2014/main" id="{30F21BDF-6B56-47B6-BA31-819D450FC071}"/>
+              </a:ext>
+            </a:extLst>
+          </p:cNvPr>
+          <p:cNvCxnSpPr>
+            <a:cxnSpLocks noChangeShapeType="1"/>
+            <a:stCxn id="47" idx="2"/>
+            <a:endCxn id="155" idx="0"/>
+          </p:cNvCxnSpPr>
+          <p:nvPr/>
+        </p:nvCxnSpPr>
+        <p:spPr bwMode="auto">
+          <a:xfrm rot="16200000" flipH="1">
+            <a:off x="9144362" y="1407238"/>
+            <a:ext cx="521598" cy="439535"/>
+          </a:xfrm>
+          <a:prstGeom prst="curvedConnector3">
+            <a:avLst>
+              <a:gd name="adj1" fmla="val 50000"/>
+            </a:avLst>
+          </a:prstGeom>
+          <a:noFill/>
+          <a:ln w="6350">
+            <a:solidFill>
+              <a:schemeClr val="tx1"/>
+            </a:solidFill>
+            <a:round/>
+            <a:headEnd/>
+            <a:tailEnd type="triangle" w="med" len="med"/>
+          </a:ln>
+        </p:spPr>
+      </p:cxnSp>
+      <p:sp>
+        <p:nvSpPr>
+          <p:cNvPr id="155" name="Rectangle 4">
+            <a:extLst>
+              <a:ext uri="{FF2B5EF4-FFF2-40B4-BE49-F238E27FC236}">
+                <a16:creationId xmlns:a16="http://schemas.microsoft.com/office/drawing/2014/main" id="{7123ECE2-490B-40CF-8012-AE4A5E050745}"/>
+              </a:ext>
+            </a:extLst>
+          </p:cNvPr>
+          <p:cNvSpPr>
+            <a:spLocks noChangeArrowheads="1"/>
+          </p:cNvSpPr>
+          <p:nvPr/>
+        </p:nvSpPr>
+        <p:spPr bwMode="auto">
+          <a:xfrm>
+            <a:off x="8619089" y="1887805"/>
+            <a:ext cx="2011680" cy="731520"/>
+          </a:xfrm>
+          <a:prstGeom prst="rect">
+            <a:avLst/>
+          </a:prstGeom>
+          <a:solidFill>
+            <a:schemeClr val="accent4">
+              <a:lumMod val="40000"/>
+              <a:lumOff val="60000"/>
+            </a:schemeClr>
+          </a:solidFill>
+          <a:ln w="19050" algn="ctr">
+            <a:solidFill>
+              <a:schemeClr val="tx1"/>
+            </a:solidFill>
+            <a:miter lim="800000"/>
+            <a:headEnd/>
+            <a:tailEnd/>
+          </a:ln>
+        </p:spPr>
+        <p:txBody>
+          <a:bodyPr lIns="88900" tIns="88900" rIns="88900" bIns="88900" anchor="ctr"/>
+          <a:lstStyle/>
+          <a:p>
+            <a:pPr algn="ctr" defTabSz="954088">
+              <a:lnSpc>
+                <a:spcPct val="95000"/>
+              </a:lnSpc>
+              <a:defRPr/>
+            </a:pPr>
+            <a:r>
+              <a:rPr lang="es-MX" kern="0" dirty="0">
+                <a:ea typeface="ＭＳ Ｐゴシック" pitchFamily="50" charset="-128"/>
+              </a:rPr>
+              <a:t>A </a:t>
+            </a:r>
+            <a:r>
+              <a:rPr lang="es-MX" kern="0" dirty="0" err="1">
+                <a:ea typeface="ＭＳ Ｐゴシック" pitchFamily="50" charset="-128"/>
+              </a:rPr>
+              <a:t>category</a:t>
+            </a:r>
+            <a:r>
+              <a:rPr lang="es-MX" kern="0" dirty="0">
+                <a:ea typeface="ＭＳ Ｐゴシック" pitchFamily="50" charset="-128"/>
+              </a:rPr>
+              <a:t> excedes </a:t>
+            </a:r>
+            <a:r>
+              <a:rPr lang="es-MX" kern="0" dirty="0" err="1">
+                <a:ea typeface="ＭＳ Ｐゴシック" pitchFamily="50" charset="-128"/>
+              </a:rPr>
+              <a:t>the</a:t>
+            </a:r>
+            <a:r>
+              <a:rPr lang="es-MX" kern="0" dirty="0">
+                <a:ea typeface="ＭＳ Ｐゴシック" pitchFamily="50" charset="-128"/>
+              </a:rPr>
+              <a:t> </a:t>
+            </a:r>
+            <a:r>
+              <a:rPr lang="es-MX" kern="0" dirty="0" err="1">
+                <a:ea typeface="ＭＳ Ｐゴシック" pitchFamily="50" charset="-128"/>
+              </a:rPr>
+              <a:t>other</a:t>
+            </a:r>
+            <a:endParaRPr lang="en-US" kern="0" dirty="0">
+              <a:ea typeface="ＭＳ Ｐゴシック" pitchFamily="50" charset="-128"/>
+            </a:endParaRPr>
+          </a:p>
+        </p:txBody>
+      </p:sp>
     </p:spTree>
     <p:extLst>
       <p:ext uri="{BB962C8B-B14F-4D97-AF65-F5344CB8AC3E}">
-        <p14:creationId xmlns:p14="http://schemas.microsoft.com/office/powerpoint/2010/main" val="1528781611"/>
+        <p14:creationId xmlns:p14="http://schemas.microsoft.com/office/powerpoint/2010/main" val="1364401439"/>
+      </p:ext>
+    </p:extLst>
+  </p:cSld>
+  <p:clrMapOvr>
+    <a:masterClrMapping/>
+  </p:clrMapOvr>
+  <p:transition spd="slow">
+    <p:push dir="u"/>
+  </p:transition>
+</p:sld>
+</file>
+
+<file path=ppt/slides/slide8.xml><?xml version="1.0" encoding="utf-8"?>
+<p:sld xmlns:a="http://schemas.openxmlformats.org/drawingml/2006/main" xmlns:r="http://schemas.openxmlformats.org/officeDocument/2006/relationships" xmlns:p="http://schemas.openxmlformats.org/presentationml/2006/main">
+  <p:cSld>
+    <p:spTree>
+      <p:nvGrpSpPr>
+        <p:cNvPr id="1" name=""/>
+        <p:cNvGrpSpPr/>
+        <p:nvPr/>
+      </p:nvGrpSpPr>
+      <p:grpSpPr>
+        <a:xfrm>
+          <a:off x="0" y="0"/>
+          <a:ext cx="0" cy="0"/>
+          <a:chOff x="0" y="0"/>
+          <a:chExt cx="0" cy="0"/>
+        </a:xfrm>
+      </p:grpSpPr>
+      <p:sp>
+        <p:nvSpPr>
+          <p:cNvPr id="278532" name="Title 1"/>
+          <p:cNvSpPr>
+            <a:spLocks noGrp="1"/>
+          </p:cNvSpPr>
+          <p:nvPr>
+            <p:ph type="title"/>
+          </p:nvPr>
+        </p:nvSpPr>
+        <p:spPr>
+          <a:xfrm>
+            <a:off x="3312000" y="3109789"/>
+            <a:ext cx="5568000" cy="638421"/>
+          </a:xfrm>
+        </p:spPr>
+        <p:txBody>
+          <a:bodyPr anchor="ctr"/>
+          <a:lstStyle/>
+          <a:p>
+            <a:pPr algn="ctr"/>
+            <a:r>
+              <a:rPr lang="en-US" dirty="0">
+                <a:solidFill>
+                  <a:srgbClr val="00CC99"/>
+                </a:solidFill>
+              </a:rPr>
+              <a:t>4 – Analyzing the data</a:t>
+            </a:r>
+          </a:p>
+        </p:txBody>
+      </p:sp>
+    </p:spTree>
+    <p:extLst>
+      <p:ext uri="{BB962C8B-B14F-4D97-AF65-F5344CB8AC3E}">
+        <p14:creationId xmlns:p14="http://schemas.microsoft.com/office/powerpoint/2010/main" val="3153016447"/>
+      </p:ext>
+    </p:extLst>
+  </p:cSld>
+  <p:clrMapOvr>
+    <a:masterClrMapping/>
+  </p:clrMapOvr>
+  <p:transition spd="slow">
+    <p:push dir="u"/>
+  </p:transition>
+</p:sld>
+</file>
+
+<file path=ppt/slides/slide9.xml><?xml version="1.0" encoding="utf-8"?>
+<p:sld xmlns:a="http://schemas.openxmlformats.org/drawingml/2006/main" xmlns:r="http://schemas.openxmlformats.org/officeDocument/2006/relationships" xmlns:p="http://schemas.openxmlformats.org/presentationml/2006/main">
+  <p:cSld>
+    <p:spTree>
+      <p:nvGrpSpPr>
+        <p:cNvPr id="1" name=""/>
+        <p:cNvGrpSpPr/>
+        <p:nvPr/>
+      </p:nvGrpSpPr>
+      <p:grpSpPr>
+        <a:xfrm>
+          <a:off x="0" y="0"/>
+          <a:ext cx="0" cy="0"/>
+          <a:chOff x="0" y="0"/>
+          <a:chExt cx="0" cy="0"/>
+        </a:xfrm>
+      </p:grpSpPr>
+      <p:pic>
+        <p:nvPicPr>
+          <p:cNvPr id="23" name="Picture 22">
+            <a:extLst>
+              <a:ext uri="{FF2B5EF4-FFF2-40B4-BE49-F238E27FC236}">
+                <a16:creationId xmlns:a16="http://schemas.microsoft.com/office/drawing/2014/main" id="{70FD6CAA-28F6-4820-B5C9-254DE11E0415}"/>
+              </a:ext>
+            </a:extLst>
+          </p:cNvPr>
+          <p:cNvPicPr>
+            <a:picLocks noChangeAspect="1"/>
+          </p:cNvPicPr>
+          <p:nvPr/>
+        </p:nvPicPr>
+        <p:blipFill rotWithShape="1">
+          <a:blip r:embed="rId3"/>
+          <a:srcRect l="20136" t="15942" r="26712" b="10870"/>
+          <a:stretch/>
+        </p:blipFill>
+        <p:spPr>
+          <a:xfrm>
+            <a:off x="4900704" y="869087"/>
+            <a:ext cx="6610152" cy="5119826"/>
+          </a:xfrm>
+          <a:prstGeom prst="rect">
+            <a:avLst/>
+          </a:prstGeom>
+        </p:spPr>
+      </p:pic>
+      <p:sp>
+        <p:nvSpPr>
+          <p:cNvPr id="25" name="Rectangle 5">
+            <a:extLst>
+              <a:ext uri="{FF2B5EF4-FFF2-40B4-BE49-F238E27FC236}">
+                <a16:creationId xmlns:a16="http://schemas.microsoft.com/office/drawing/2014/main" id="{A7C00ECA-8E72-4A26-BF47-1CB567EDCB81}"/>
+              </a:ext>
+            </a:extLst>
+          </p:cNvPr>
+          <p:cNvSpPr>
+            <a:spLocks noChangeArrowheads="1"/>
+          </p:cNvSpPr>
+          <p:nvPr/>
+        </p:nvSpPr>
+        <p:spPr bwMode="auto">
+          <a:xfrm>
+            <a:off x="716844" y="2033820"/>
+            <a:ext cx="3423002" cy="2281703"/>
+          </a:xfrm>
+          <a:prstGeom prst="rect">
+            <a:avLst/>
+          </a:prstGeom>
+          <a:solidFill>
+            <a:srgbClr val="00CC99"/>
+          </a:solidFill>
+          <a:ln w="12700">
+            <a:solidFill>
+              <a:schemeClr val="tx1"/>
+            </a:solidFill>
+            <a:miter lim="800000"/>
+            <a:headEnd/>
+            <a:tailEnd/>
+          </a:ln>
+        </p:spPr>
+        <p:txBody>
+          <a:bodyPr lIns="91440" tIns="91440" rIns="91440" bIns="91440" anchor="ctr"/>
+          <a:lstStyle/>
+          <a:p>
+            <a:pPr algn="ctr" defTabSz="865188">
+              <a:defRPr/>
+            </a:pPr>
+            <a:r>
+              <a:rPr lang="en-US" sz="2200" dirty="0">
+                <a:solidFill>
+                  <a:schemeClr val="bg1"/>
+                </a:solidFill>
+                <a:ea typeface="ＭＳ Ｐゴシック" pitchFamily="50" charset="-128"/>
+              </a:rPr>
+              <a:t>99.83% of the total transactions are labeled as Non-Fraud (284,315)</a:t>
+            </a:r>
+          </a:p>
+          <a:p>
+            <a:pPr algn="ctr" defTabSz="865188">
+              <a:defRPr/>
+            </a:pPr>
+            <a:endParaRPr lang="en-US" sz="2200" dirty="0">
+              <a:solidFill>
+                <a:schemeClr val="bg1"/>
+              </a:solidFill>
+              <a:ea typeface="ＭＳ Ｐゴシック" pitchFamily="50" charset="-128"/>
+            </a:endParaRPr>
+          </a:p>
+          <a:p>
+            <a:pPr algn="ctr" defTabSz="865188">
+              <a:defRPr/>
+            </a:pPr>
+            <a:r>
+              <a:rPr lang="en-US" sz="2200" dirty="0">
+                <a:solidFill>
+                  <a:schemeClr val="bg1"/>
+                </a:solidFill>
+                <a:ea typeface="ＭＳ Ｐゴシック" pitchFamily="50" charset="-128"/>
+              </a:rPr>
+              <a:t>The rest (0.17%) is labeled as Fraud (495)</a:t>
+            </a:r>
+          </a:p>
+        </p:txBody>
+      </p:sp>
+      <p:sp>
+        <p:nvSpPr>
+          <p:cNvPr id="28" name="Arrow: Pentagon 27">
+            <a:extLst>
+              <a:ext uri="{FF2B5EF4-FFF2-40B4-BE49-F238E27FC236}">
+                <a16:creationId xmlns:a16="http://schemas.microsoft.com/office/drawing/2014/main" id="{1622A139-3E65-4A60-AA32-683FE34E232C}"/>
+              </a:ext>
+            </a:extLst>
+          </p:cNvPr>
+          <p:cNvSpPr/>
+          <p:nvPr/>
+        </p:nvSpPr>
+        <p:spPr>
+          <a:xfrm>
+            <a:off x="716844" y="401360"/>
+            <a:ext cx="2802835" cy="805070"/>
+          </a:xfrm>
+          <a:prstGeom prst="homePlate">
+            <a:avLst/>
+          </a:prstGeom>
+          <a:solidFill>
+            <a:srgbClr val="00CC99"/>
+          </a:solidFill>
+          <a:ln w="28575">
+            <a:solidFill>
+              <a:srgbClr val="FF0000"/>
+            </a:solidFill>
+          </a:ln>
+        </p:spPr>
+        <p:style>
+          <a:lnRef idx="2">
+            <a:schemeClr val="accent1">
+              <a:shade val="50000"/>
+            </a:schemeClr>
+          </a:lnRef>
+          <a:fillRef idx="1">
+            <a:schemeClr val="accent1"/>
+          </a:fillRef>
+          <a:effectRef idx="0">
+            <a:schemeClr val="accent1"/>
+          </a:effectRef>
+          <a:fontRef idx="minor">
+            <a:schemeClr val="lt1"/>
+          </a:fontRef>
+        </p:style>
+        <p:txBody>
+          <a:bodyPr rtlCol="0" anchor="ctr"/>
+          <a:lstStyle/>
+          <a:p>
+            <a:pPr algn="ctr"/>
+            <a:r>
+              <a:rPr lang="es-MX" sz="2500" dirty="0">
+                <a:solidFill>
+                  <a:schemeClr val="bg1"/>
+                </a:solidFill>
+              </a:rPr>
+              <a:t>Original data</a:t>
+            </a:r>
+            <a:endParaRPr lang="en-US" sz="2500" dirty="0">
+              <a:solidFill>
+                <a:schemeClr val="bg1"/>
+              </a:solidFill>
+            </a:endParaRPr>
+          </a:p>
+        </p:txBody>
+      </p:sp>
+      <p:sp>
+        <p:nvSpPr>
+          <p:cNvPr id="29" name="Rectangle 5">
+            <a:extLst>
+              <a:ext uri="{FF2B5EF4-FFF2-40B4-BE49-F238E27FC236}">
+                <a16:creationId xmlns:a16="http://schemas.microsoft.com/office/drawing/2014/main" id="{A6953704-1DC7-4284-9749-4AD1BBB7287F}"/>
+              </a:ext>
+            </a:extLst>
+          </p:cNvPr>
+          <p:cNvSpPr>
+            <a:spLocks noChangeArrowheads="1"/>
+          </p:cNvSpPr>
+          <p:nvPr/>
+        </p:nvSpPr>
+        <p:spPr bwMode="auto">
+          <a:xfrm>
+            <a:off x="716844" y="5142913"/>
+            <a:ext cx="3423002" cy="846000"/>
+          </a:xfrm>
+          <a:prstGeom prst="rect">
+            <a:avLst/>
+          </a:prstGeom>
+          <a:solidFill>
+            <a:srgbClr val="00CC99"/>
+          </a:solidFill>
+          <a:ln w="12700">
+            <a:solidFill>
+              <a:schemeClr val="tx1"/>
+            </a:solidFill>
+            <a:miter lim="800000"/>
+            <a:headEnd/>
+            <a:tailEnd/>
+          </a:ln>
+        </p:spPr>
+        <p:txBody>
+          <a:bodyPr lIns="91440" tIns="91440" rIns="91440" bIns="91440" anchor="ctr"/>
+          <a:lstStyle/>
+          <a:p>
+            <a:pPr algn="ctr" defTabSz="865188">
+              <a:defRPr/>
+            </a:pPr>
+            <a:r>
+              <a:rPr lang="en-US" sz="2200" dirty="0">
+                <a:solidFill>
+                  <a:schemeClr val="bg1"/>
+                </a:solidFill>
+                <a:ea typeface="ＭＳ Ｐゴシック" pitchFamily="50" charset="-128"/>
+              </a:rPr>
+              <a:t>Total transactions: </a:t>
+            </a:r>
+            <a:r>
+              <a:rPr lang="en-US" sz="2400" b="0" i="0" dirty="0">
+                <a:solidFill>
+                  <a:schemeClr val="bg1"/>
+                </a:solidFill>
+                <a:effectLst/>
+                <a:latin typeface="-apple-system"/>
+              </a:rPr>
+              <a:t>284,807</a:t>
+            </a:r>
+            <a:endParaRPr lang="en-US" sz="2200" dirty="0">
+              <a:solidFill>
+                <a:schemeClr val="bg1"/>
+              </a:solidFill>
+              <a:ea typeface="ＭＳ Ｐゴシック" pitchFamily="50" charset="-128"/>
+            </a:endParaRPr>
+          </a:p>
+        </p:txBody>
+      </p:sp>
+    </p:spTree>
+    <p:extLst>
+      <p:ext uri="{BB962C8B-B14F-4D97-AF65-F5344CB8AC3E}">
+        <p14:creationId xmlns:p14="http://schemas.microsoft.com/office/powerpoint/2010/main" val="1869071948"/>
       </p:ext>
     </p:extLst>
   </p:cSld>
@@ -11182,4 +17013,299 @@
     </a:ext>
   </a:extLst>
 </a:theme>
+</file>
+
+<file path=ppt/theme/theme2.xml><?xml version="1.0" encoding="utf-8"?>
+<a:theme xmlns:a="http://schemas.openxmlformats.org/drawingml/2006/main" name="Office Theme">
+  <a:themeElements>
+    <a:clrScheme name="Office">
+      <a:dk1>
+        <a:sysClr val="windowText" lastClr="000000"/>
+      </a:dk1>
+      <a:lt1>
+        <a:sysClr val="window" lastClr="FFFFFF"/>
+      </a:lt1>
+      <a:dk2>
+        <a:srgbClr val="44546A"/>
+      </a:dk2>
+      <a:lt2>
+        <a:srgbClr val="E7E6E6"/>
+      </a:lt2>
+      <a:accent1>
+        <a:srgbClr val="4472C4"/>
+      </a:accent1>
+      <a:accent2>
+        <a:srgbClr val="ED7D31"/>
+      </a:accent2>
+      <a:accent3>
+        <a:srgbClr val="A5A5A5"/>
+      </a:accent3>
+      <a:accent4>
+        <a:srgbClr val="FFC000"/>
+      </a:accent4>
+      <a:accent5>
+        <a:srgbClr val="5B9BD5"/>
+      </a:accent5>
+      <a:accent6>
+        <a:srgbClr val="70AD47"/>
+      </a:accent6>
+      <a:hlink>
+        <a:srgbClr val="0563C1"/>
+      </a:hlink>
+      <a:folHlink>
+        <a:srgbClr val="954F72"/>
+      </a:folHlink>
+    </a:clrScheme>
+    <a:fontScheme name="Office">
+      <a:majorFont>
+        <a:latin typeface="Calibri Light" panose="020F0302020204030204"/>
+        <a:ea typeface=""/>
+        <a:cs typeface=""/>
+        <a:font script="Jpan" typeface="游ゴシック Light"/>
+        <a:font script="Hang" typeface="맑은 고딕"/>
+        <a:font script="Hans" typeface="等线 Light"/>
+        <a:font script="Hant" typeface="新細明體"/>
+        <a:font script="Arab" typeface="Times New Roman"/>
+        <a:font script="Hebr" typeface="Times New Roman"/>
+        <a:font script="Thai" typeface="Angsana New"/>
+        <a:font script="Ethi" typeface="Nyala"/>
+        <a:font script="Beng" typeface="Vrinda"/>
+        <a:font script="Gujr" typeface="Shruti"/>
+        <a:font script="Khmr" typeface="MoolBoran"/>
+        <a:font script="Knda" typeface="Tunga"/>
+        <a:font script="Guru" typeface="Raavi"/>
+        <a:font script="Cans" typeface="Euphemia"/>
+        <a:font script="Cher" typeface="Plantagenet Cherokee"/>
+        <a:font script="Yiii" typeface="Microsoft Yi Baiti"/>
+        <a:font script="Tibt" typeface="Microsoft Himalaya"/>
+        <a:font script="Thaa" typeface="MV Boli"/>
+        <a:font script="Deva" typeface="Mangal"/>
+        <a:font script="Telu" typeface="Gautami"/>
+        <a:font script="Taml" typeface="Latha"/>
+        <a:font script="Syrc" typeface="Estrangelo Edessa"/>
+        <a:font script="Orya" typeface="Kalinga"/>
+        <a:font script="Mlym" typeface="Kartika"/>
+        <a:font script="Laoo" typeface="DokChampa"/>
+        <a:font script="Sinh" typeface="Iskoola Pota"/>
+        <a:font script="Mong" typeface="Mongolian Baiti"/>
+        <a:font script="Viet" typeface="Times New Roman"/>
+        <a:font script="Uigh" typeface="Microsoft Uighur"/>
+        <a:font script="Geor" typeface="Sylfaen"/>
+        <a:font script="Armn" typeface="Arial"/>
+        <a:font script="Bugi" typeface="Leelawadee UI"/>
+        <a:font script="Bopo" typeface="Microsoft JhengHei"/>
+        <a:font script="Java" typeface="Javanese Text"/>
+        <a:font script="Lisu" typeface="Segoe UI"/>
+        <a:font script="Mymr" typeface="Myanmar Text"/>
+        <a:font script="Nkoo" typeface="Ebrima"/>
+        <a:font script="Olck" typeface="Nirmala UI"/>
+        <a:font script="Osma" typeface="Ebrima"/>
+        <a:font script="Phag" typeface="Phagspa"/>
+        <a:font script="Syrn" typeface="Estrangelo Edessa"/>
+        <a:font script="Syrj" typeface="Estrangelo Edessa"/>
+        <a:font script="Syre" typeface="Estrangelo Edessa"/>
+        <a:font script="Sora" typeface="Nirmala UI"/>
+        <a:font script="Tale" typeface="Microsoft Tai Le"/>
+        <a:font script="Talu" typeface="Microsoft New Tai Lue"/>
+        <a:font script="Tfng" typeface="Ebrima"/>
+      </a:majorFont>
+      <a:minorFont>
+        <a:latin typeface="Calibri" panose="020F0502020204030204"/>
+        <a:ea typeface=""/>
+        <a:cs typeface=""/>
+        <a:font script="Jpan" typeface="游ゴシック"/>
+        <a:font script="Hang" typeface="맑은 고딕"/>
+        <a:font script="Hans" typeface="等线"/>
+        <a:font script="Hant" typeface="新細明體"/>
+        <a:font script="Arab" typeface="Arial"/>
+        <a:font script="Hebr" typeface="Arial"/>
+        <a:font script="Thai" typeface="Cordia New"/>
+        <a:font script="Ethi" typeface="Nyala"/>
+        <a:font script="Beng" typeface="Vrinda"/>
+        <a:font script="Gujr" typeface="Shruti"/>
+        <a:font script="Khmr" typeface="DaunPenh"/>
+        <a:font script="Knda" typeface="Tunga"/>
+        <a:font script="Guru" typeface="Raavi"/>
+        <a:font script="Cans" typeface="Euphemia"/>
+        <a:font script="Cher" typeface="Plantagenet Cherokee"/>
+        <a:font script="Yiii" typeface="Microsoft Yi Baiti"/>
+        <a:font script="Tibt" typeface="Microsoft Himalaya"/>
+        <a:font script="Thaa" typeface="MV Boli"/>
+        <a:font script="Deva" typeface="Mangal"/>
+        <a:font script="Telu" typeface="Gautami"/>
+        <a:font script="Taml" typeface="Latha"/>
+        <a:font script="Syrc" typeface="Estrangelo Edessa"/>
+        <a:font script="Orya" typeface="Kalinga"/>
+        <a:font script="Mlym" typeface="Kartika"/>
+        <a:font script="Laoo" typeface="DokChampa"/>
+        <a:font script="Sinh" typeface="Iskoola Pota"/>
+        <a:font script="Mong" typeface="Mongolian Baiti"/>
+        <a:font script="Viet" typeface="Arial"/>
+        <a:font script="Uigh" typeface="Microsoft Uighur"/>
+        <a:font script="Geor" typeface="Sylfaen"/>
+        <a:font script="Armn" typeface="Arial"/>
+        <a:font script="Bugi" typeface="Leelawadee UI"/>
+        <a:font script="Bopo" typeface="Microsoft JhengHei"/>
+        <a:font script="Java" typeface="Javanese Text"/>
+        <a:font script="Lisu" typeface="Segoe UI"/>
+        <a:font script="Mymr" typeface="Myanmar Text"/>
+        <a:font script="Nkoo" typeface="Ebrima"/>
+        <a:font script="Olck" typeface="Nirmala UI"/>
+        <a:font script="Osma" typeface="Ebrima"/>
+        <a:font script="Phag" typeface="Phagspa"/>
+        <a:font script="Syrn" typeface="Estrangelo Edessa"/>
+        <a:font script="Syrj" typeface="Estrangelo Edessa"/>
+        <a:font script="Syre" typeface="Estrangelo Edessa"/>
+        <a:font script="Sora" typeface="Nirmala UI"/>
+        <a:font script="Tale" typeface="Microsoft Tai Le"/>
+        <a:font script="Talu" typeface="Microsoft New Tai Lue"/>
+        <a:font script="Tfng" typeface="Ebrima"/>
+      </a:minorFont>
+    </a:fontScheme>
+    <a:fmtScheme name="Office">
+      <a:fillStyleLst>
+        <a:solidFill>
+          <a:schemeClr val="phClr"/>
+        </a:solidFill>
+        <a:gradFill rotWithShape="1">
+          <a:gsLst>
+            <a:gs pos="0">
+              <a:schemeClr val="phClr">
+                <a:lumMod val="110000"/>
+                <a:satMod val="105000"/>
+                <a:tint val="67000"/>
+              </a:schemeClr>
+            </a:gs>
+            <a:gs pos="50000">
+              <a:schemeClr val="phClr">
+                <a:lumMod val="105000"/>
+                <a:satMod val="103000"/>
+                <a:tint val="73000"/>
+              </a:schemeClr>
+            </a:gs>
+            <a:gs pos="100000">
+              <a:schemeClr val="phClr">
+                <a:lumMod val="105000"/>
+                <a:satMod val="109000"/>
+                <a:tint val="81000"/>
+              </a:schemeClr>
+            </a:gs>
+          </a:gsLst>
+          <a:lin ang="5400000" scaled="0"/>
+        </a:gradFill>
+        <a:gradFill rotWithShape="1">
+          <a:gsLst>
+            <a:gs pos="0">
+              <a:schemeClr val="phClr">
+                <a:satMod val="103000"/>
+                <a:lumMod val="102000"/>
+                <a:tint val="94000"/>
+              </a:schemeClr>
+            </a:gs>
+            <a:gs pos="50000">
+              <a:schemeClr val="phClr">
+                <a:satMod val="110000"/>
+                <a:lumMod val="100000"/>
+                <a:shade val="100000"/>
+              </a:schemeClr>
+            </a:gs>
+            <a:gs pos="100000">
+              <a:schemeClr val="phClr">
+                <a:lumMod val="99000"/>
+                <a:satMod val="120000"/>
+                <a:shade val="78000"/>
+              </a:schemeClr>
+            </a:gs>
+          </a:gsLst>
+          <a:lin ang="5400000" scaled="0"/>
+        </a:gradFill>
+      </a:fillStyleLst>
+      <a:lnStyleLst>
+        <a:ln w="6350" cap="flat" cmpd="sng" algn="ctr">
+          <a:solidFill>
+            <a:schemeClr val="phClr"/>
+          </a:solidFill>
+          <a:prstDash val="solid"/>
+          <a:miter lim="800000"/>
+        </a:ln>
+        <a:ln w="12700" cap="flat" cmpd="sng" algn="ctr">
+          <a:solidFill>
+            <a:schemeClr val="phClr"/>
+          </a:solidFill>
+          <a:prstDash val="solid"/>
+          <a:miter lim="800000"/>
+        </a:ln>
+        <a:ln w="19050" cap="flat" cmpd="sng" algn="ctr">
+          <a:solidFill>
+            <a:schemeClr val="phClr"/>
+          </a:solidFill>
+          <a:prstDash val="solid"/>
+          <a:miter lim="800000"/>
+        </a:ln>
+      </a:lnStyleLst>
+      <a:effectStyleLst>
+        <a:effectStyle>
+          <a:effectLst/>
+        </a:effectStyle>
+        <a:effectStyle>
+          <a:effectLst/>
+        </a:effectStyle>
+        <a:effectStyle>
+          <a:effectLst>
+            <a:outerShdw blurRad="57150" dist="19050" dir="5400000" algn="ctr" rotWithShape="0">
+              <a:srgbClr val="000000">
+                <a:alpha val="63000"/>
+              </a:srgbClr>
+            </a:outerShdw>
+          </a:effectLst>
+        </a:effectStyle>
+      </a:effectStyleLst>
+      <a:bgFillStyleLst>
+        <a:solidFill>
+          <a:schemeClr val="phClr"/>
+        </a:solidFill>
+        <a:solidFill>
+          <a:schemeClr val="phClr">
+            <a:tint val="95000"/>
+            <a:satMod val="170000"/>
+          </a:schemeClr>
+        </a:solidFill>
+        <a:gradFill rotWithShape="1">
+          <a:gsLst>
+            <a:gs pos="0">
+              <a:schemeClr val="phClr">
+                <a:tint val="93000"/>
+                <a:satMod val="150000"/>
+                <a:shade val="98000"/>
+                <a:lumMod val="102000"/>
+              </a:schemeClr>
+            </a:gs>
+            <a:gs pos="50000">
+              <a:schemeClr val="phClr">
+                <a:tint val="98000"/>
+                <a:satMod val="130000"/>
+                <a:shade val="90000"/>
+                <a:lumMod val="103000"/>
+              </a:schemeClr>
+            </a:gs>
+            <a:gs pos="100000">
+              <a:schemeClr val="phClr">
+                <a:shade val="63000"/>
+                <a:satMod val="120000"/>
+              </a:schemeClr>
+            </a:gs>
+          </a:gsLst>
+          <a:lin ang="5400000" scaled="0"/>
+        </a:gradFill>
+      </a:bgFillStyleLst>
+    </a:fmtScheme>
+  </a:themeElements>
+  <a:objectDefaults/>
+  <a:extraClrSchemeLst/>
+  <a:extLst>
+    <a:ext uri="{05A4C25C-085E-4340-85A3-A5531E510DB2}">
+      <thm15:themeFamily xmlns:thm15="http://schemas.microsoft.com/office/thememl/2012/main" name="Office Theme" id="{62F939B6-93AF-4DB8-9C6B-D6C7DFDC589F}" vid="{4A3C46E8-61CC-4603-A589-7422A47A8E4A}"/>
+    </a:ext>
+  </a:extLst>
+</a:theme>
 </file>
--- a/fraud_detection.pptx
+++ b/fraud_detection.pptx
@@ -211,7 +211,7 @@
           <a:p>
             <a:fld id="{D5E84897-7AE0-4D04-8734-549748834148}" type="datetimeFigureOut">
               <a:rPr lang="en-US" smtClean="0"/>
-              <a:t>3/30/2023</a:t>
+              <a:t>3/31/2023</a:t>
             </a:fld>
             <a:endParaRPr lang="en-US"/>
           </a:p>
@@ -1483,7 +1483,7 @@
           <a:p>
             <a:fld id="{3944FC4A-92AA-4E6F-88EA-2DA877A0B57F}" type="datetimeFigureOut">
               <a:rPr lang="en-US" smtClean="0"/>
-              <a:t>3/30/2023</a:t>
+              <a:t>3/31/2023</a:t>
             </a:fld>
             <a:endParaRPr lang="en-US"/>
           </a:p>
@@ -1684,7 +1684,7 @@
           <a:p>
             <a:fld id="{3944FC4A-92AA-4E6F-88EA-2DA877A0B57F}" type="datetimeFigureOut">
               <a:rPr lang="en-US" smtClean="0"/>
-              <a:t>3/30/2023</a:t>
+              <a:t>3/31/2023</a:t>
             </a:fld>
             <a:endParaRPr lang="en-US"/>
           </a:p>
@@ -1895,7 +1895,7 @@
           <a:p>
             <a:fld id="{3944FC4A-92AA-4E6F-88EA-2DA877A0B57F}" type="datetimeFigureOut">
               <a:rPr lang="en-US" smtClean="0"/>
-              <a:t>3/30/2023</a:t>
+              <a:t>3/31/2023</a:t>
             </a:fld>
             <a:endParaRPr lang="en-US"/>
           </a:p>
@@ -4428,7 +4428,7 @@
           <a:p>
             <a:fld id="{3944FC4A-92AA-4E6F-88EA-2DA877A0B57F}" type="datetimeFigureOut">
               <a:rPr lang="en-US" smtClean="0"/>
-              <a:t>3/30/2023</a:t>
+              <a:t>3/31/2023</a:t>
             </a:fld>
             <a:endParaRPr lang="en-US"/>
           </a:p>
@@ -4706,7 +4706,7 @@
           <a:p>
             <a:fld id="{3944FC4A-92AA-4E6F-88EA-2DA877A0B57F}" type="datetimeFigureOut">
               <a:rPr lang="en-US" smtClean="0"/>
-              <a:t>3/30/2023</a:t>
+              <a:t>3/31/2023</a:t>
             </a:fld>
             <a:endParaRPr lang="en-US"/>
           </a:p>
@@ -4974,7 +4974,7 @@
           <a:p>
             <a:fld id="{3944FC4A-92AA-4E6F-88EA-2DA877A0B57F}" type="datetimeFigureOut">
               <a:rPr lang="en-US" smtClean="0"/>
-              <a:t>3/30/2023</a:t>
+              <a:t>3/31/2023</a:t>
             </a:fld>
             <a:endParaRPr lang="en-US"/>
           </a:p>
@@ -5389,7 +5389,7 @@
           <a:p>
             <a:fld id="{3944FC4A-92AA-4E6F-88EA-2DA877A0B57F}" type="datetimeFigureOut">
               <a:rPr lang="en-US" smtClean="0"/>
-              <a:t>3/30/2023</a:t>
+              <a:t>3/31/2023</a:t>
             </a:fld>
             <a:endParaRPr lang="en-US"/>
           </a:p>
@@ -5533,7 +5533,7 @@
           <a:p>
             <a:fld id="{3944FC4A-92AA-4E6F-88EA-2DA877A0B57F}" type="datetimeFigureOut">
               <a:rPr lang="en-US" smtClean="0"/>
-              <a:t>3/30/2023</a:t>
+              <a:t>3/31/2023</a:t>
             </a:fld>
             <a:endParaRPr lang="en-US"/>
           </a:p>
@@ -5649,7 +5649,7 @@
           <a:p>
             <a:fld id="{3944FC4A-92AA-4E6F-88EA-2DA877A0B57F}" type="datetimeFigureOut">
               <a:rPr lang="en-US" smtClean="0"/>
-              <a:t>3/30/2023</a:t>
+              <a:t>3/31/2023</a:t>
             </a:fld>
             <a:endParaRPr lang="en-US"/>
           </a:p>
@@ -5963,7 +5963,7 @@
           <a:p>
             <a:fld id="{3944FC4A-92AA-4E6F-88EA-2DA877A0B57F}" type="datetimeFigureOut">
               <a:rPr lang="en-US" smtClean="0"/>
-              <a:t>3/30/2023</a:t>
+              <a:t>3/31/2023</a:t>
             </a:fld>
             <a:endParaRPr lang="en-US"/>
           </a:p>
@@ -6254,7 +6254,7 @@
           <a:p>
             <a:fld id="{3944FC4A-92AA-4E6F-88EA-2DA877A0B57F}" type="datetimeFigureOut">
               <a:rPr lang="en-US" smtClean="0"/>
-              <a:t>3/30/2023</a:t>
+              <a:t>3/31/2023</a:t>
             </a:fld>
             <a:endParaRPr lang="en-US"/>
           </a:p>
@@ -6498,7 +6498,7 @@
           <a:p>
             <a:fld id="{3944FC4A-92AA-4E6F-88EA-2DA877A0B57F}" type="datetimeFigureOut">
               <a:rPr lang="en-US" smtClean="0"/>
-              <a:t>3/30/2023</a:t>
+              <a:t>3/31/2023</a:t>
             </a:fld>
             <a:endParaRPr lang="en-US"/>
           </a:p>
@@ -9360,7 +9360,23 @@
                 </a:solidFill>
                 <a:ea typeface="ＭＳ Ｐゴシック" pitchFamily="50" charset="-128"/>
               </a:rPr>
-              <a:t>Linear Regression</a:t>
+              <a:t>Logistic</a:t>
+            </a:r>
+          </a:p>
+          <a:p>
+            <a:pPr algn="ctr">
+              <a:spcBef>
+                <a:spcPct val="0"/>
+              </a:spcBef>
+            </a:pPr>
+            <a:r>
+              <a:rPr lang="en-US" altLang="ja-JP" dirty="0">
+                <a:solidFill>
+                  <a:schemeClr val="bg1"/>
+                </a:solidFill>
+                <a:ea typeface="ＭＳ Ｐゴシック" pitchFamily="50" charset="-128"/>
+              </a:rPr>
+              <a:t>Regression</a:t>
             </a:r>
           </a:p>
         </p:txBody>

--- a/fraud_detection.pptx
+++ b/fraud_detection.pptx
@@ -5,7 +5,7 @@
     <p:sldMasterId id="2147483648" r:id="rId1"/>
   </p:sldMasterIdLst>
   <p:notesMasterIdLst>
-    <p:notesMasterId r:id="rId17"/>
+    <p:notesMasterId r:id="rId16"/>
   </p:notesMasterIdLst>
   <p:sldIdLst>
     <p:sldId id="1787" r:id="rId2"/>
@@ -20,9 +20,8 @@
     <p:sldId id="1799" r:id="rId11"/>
     <p:sldId id="1795" r:id="rId12"/>
     <p:sldId id="743" r:id="rId13"/>
-    <p:sldId id="1801" r:id="rId14"/>
-    <p:sldId id="1796" r:id="rId15"/>
-    <p:sldId id="282" r:id="rId16"/>
+    <p:sldId id="1796" r:id="rId14"/>
+    <p:sldId id="282" r:id="rId15"/>
   </p:sldIdLst>
   <p:sldSz cx="12192000" cy="6858000"/>
   <p:notesSz cx="6858000" cy="9144000"/>
@@ -211,7 +210,7 @@
           <a:p>
             <a:fld id="{D5E84897-7AE0-4D04-8734-549748834148}" type="datetimeFigureOut">
               <a:rPr lang="en-US" smtClean="0"/>
-              <a:t>3/31/2023</a:t>
+              <a:t>4/3/2023</a:t>
             </a:fld>
             <a:endParaRPr lang="en-US"/>
           </a:p>
@@ -980,12 +979,7 @@
             <p:ph type="sldImg"/>
           </p:nvPr>
         </p:nvSpPr>
-        <p:spPr>
-          <a:xfrm>
-            <a:off x="458788" y="720725"/>
-            <a:ext cx="6397625" cy="3598863"/>
-          </a:xfrm>
-        </p:spPr>
+        <p:spPr/>
       </p:sp>
       <p:sp>
         <p:nvSpPr>
@@ -1021,24 +1015,78 @@
           <a:bodyPr/>
           <a:lstStyle/>
           <a:p>
-            <a:pPr>
+            <a:pPr marL="0" marR="0" lvl="0" indent="0" algn="r" defTabSz="914400" rtl="0" eaLnBrk="1" fontAlgn="auto" latinLnBrk="0" hangingPunct="1">
+              <a:lnSpc>
+                <a:spcPct val="100000"/>
+              </a:lnSpc>
+              <a:spcBef>
+                <a:spcPts val="0"/>
+              </a:spcBef>
+              <a:spcAft>
+                <a:spcPts val="0"/>
+              </a:spcAft>
+              <a:buClrTx/>
+              <a:buSzTx/>
+              <a:buFontTx/>
+              <a:buNone/>
+              <a:tabLst/>
               <a:defRPr/>
             </a:pPr>
-            <a:fld id="{DB19E439-0A36-4389-B1D4-036D35E9F4EA}" type="slidenum">
-              <a:rPr lang="en-US" smtClean="0"/>
-              <a:pPr>
+            <a:fld id="{C0F4A2C8-6C88-4E71-83EE-698B9D4FE22F}" type="slidenum">
+              <a:rPr kumimoji="0" lang="en-US" sz="1200" b="0" i="0" u="none" strike="noStrike" kern="1200" cap="none" spc="0" normalizeH="0" baseline="0" noProof="0" smtClean="0">
+                <a:ln>
+                  <a:noFill/>
+                </a:ln>
+                <a:solidFill>
+                  <a:prstClr val="black"/>
+                </a:solidFill>
+                <a:effectLst/>
+                <a:uLnTx/>
+                <a:uFillTx/>
+                <a:latin typeface="Arial" panose="020B0604020202020204" pitchFamily="34" charset="0"/>
+                <a:ea typeface="+mn-ea"/>
+                <a:cs typeface="+mn-cs"/>
+              </a:rPr>
+              <a:pPr marL="0" marR="0" lvl="0" indent="0" algn="r" defTabSz="914400" rtl="0" eaLnBrk="1" fontAlgn="auto" latinLnBrk="0" hangingPunct="1">
+                <a:lnSpc>
+                  <a:spcPct val="100000"/>
+                </a:lnSpc>
+                <a:spcBef>
+                  <a:spcPts val="0"/>
+                </a:spcBef>
+                <a:spcAft>
+                  <a:spcPts val="0"/>
+                </a:spcAft>
+                <a:buClrTx/>
+                <a:buSzTx/>
+                <a:buFontTx/>
+                <a:buNone/>
+                <a:tabLst/>
                 <a:defRPr/>
               </a:pPr>
               <a:t>13</a:t>
             </a:fld>
-            <a:endParaRPr lang="en-US" dirty="0"/>
+            <a:endParaRPr kumimoji="0" lang="en-US" sz="1200" b="0" i="0" u="none" strike="noStrike" kern="1200" cap="none" spc="0" normalizeH="0" baseline="0" noProof="0" dirty="0">
+              <a:ln>
+                <a:noFill/>
+              </a:ln>
+              <a:solidFill>
+                <a:prstClr val="black"/>
+              </a:solidFill>
+              <a:effectLst/>
+              <a:uLnTx/>
+              <a:uFillTx/>
+              <a:latin typeface="Arial" panose="020B0604020202020204" pitchFamily="34" charset="0"/>
+              <a:ea typeface="+mn-ea"/>
+              <a:cs typeface="+mn-cs"/>
+            </a:endParaRPr>
           </a:p>
         </p:txBody>
       </p:sp>
     </p:spTree>
     <p:extLst>
       <p:ext uri="{BB962C8B-B14F-4D97-AF65-F5344CB8AC3E}">
-        <p14:creationId xmlns:p14="http://schemas.microsoft.com/office/powerpoint/2010/main" val="1330648192"/>
+        <p14:creationId xmlns:p14="http://schemas.microsoft.com/office/powerpoint/2010/main" val="2557606593"/>
       </p:ext>
     </p:extLst>
   </p:cSld>
@@ -1161,150 +1209,6 @@
                 <a:defRPr/>
               </a:pPr>
               <a:t>14</a:t>
-            </a:fld>
-            <a:endParaRPr kumimoji="0" lang="en-US" sz="1200" b="0" i="0" u="none" strike="noStrike" kern="1200" cap="none" spc="0" normalizeH="0" baseline="0" noProof="0" dirty="0">
-              <a:ln>
-                <a:noFill/>
-              </a:ln>
-              <a:solidFill>
-                <a:prstClr val="black"/>
-              </a:solidFill>
-              <a:effectLst/>
-              <a:uLnTx/>
-              <a:uFillTx/>
-              <a:latin typeface="Arial" panose="020B0604020202020204" pitchFamily="34" charset="0"/>
-              <a:ea typeface="+mn-ea"/>
-              <a:cs typeface="+mn-cs"/>
-            </a:endParaRPr>
-          </a:p>
-        </p:txBody>
-      </p:sp>
-    </p:spTree>
-    <p:extLst>
-      <p:ext uri="{BB962C8B-B14F-4D97-AF65-F5344CB8AC3E}">
-        <p14:creationId xmlns:p14="http://schemas.microsoft.com/office/powerpoint/2010/main" val="2557606593"/>
-      </p:ext>
-    </p:extLst>
-  </p:cSld>
-  <p:clrMapOvr>
-    <a:masterClrMapping/>
-  </p:clrMapOvr>
-</p:notes>
-</file>
-
-<file path=ppt/notesSlides/notesSlide8.xml><?xml version="1.0" encoding="utf-8"?>
-<p:notes xmlns:a="http://schemas.openxmlformats.org/drawingml/2006/main" xmlns:r="http://schemas.openxmlformats.org/officeDocument/2006/relationships" xmlns:p="http://schemas.openxmlformats.org/presentationml/2006/main">
-  <p:cSld>
-    <p:spTree>
-      <p:nvGrpSpPr>
-        <p:cNvPr id="1" name=""/>
-        <p:cNvGrpSpPr/>
-        <p:nvPr/>
-      </p:nvGrpSpPr>
-      <p:grpSpPr>
-        <a:xfrm>
-          <a:off x="0" y="0"/>
-          <a:ext cx="0" cy="0"/>
-          <a:chOff x="0" y="0"/>
-          <a:chExt cx="0" cy="0"/>
-        </a:xfrm>
-      </p:grpSpPr>
-      <p:sp>
-        <p:nvSpPr>
-          <p:cNvPr id="2" name="Slide Image Placeholder 1"/>
-          <p:cNvSpPr>
-            <a:spLocks noGrp="1" noRot="1" noChangeAspect="1"/>
-          </p:cNvSpPr>
-          <p:nvPr>
-            <p:ph type="sldImg"/>
-          </p:nvPr>
-        </p:nvSpPr>
-        <p:spPr/>
-      </p:sp>
-      <p:sp>
-        <p:nvSpPr>
-          <p:cNvPr id="3" name="Notes Placeholder 2"/>
-          <p:cNvSpPr>
-            <a:spLocks noGrp="1"/>
-          </p:cNvSpPr>
-          <p:nvPr>
-            <p:ph type="body" idx="1"/>
-          </p:nvPr>
-        </p:nvSpPr>
-        <p:spPr/>
-        <p:txBody>
-          <a:bodyPr/>
-          <a:lstStyle/>
-          <a:p>
-            <a:endParaRPr lang="en-US" dirty="0"/>
-          </a:p>
-        </p:txBody>
-      </p:sp>
-      <p:sp>
-        <p:nvSpPr>
-          <p:cNvPr id="4" name="Slide Number Placeholder 3"/>
-          <p:cNvSpPr>
-            <a:spLocks noGrp="1"/>
-          </p:cNvSpPr>
-          <p:nvPr>
-            <p:ph type="sldNum" sz="quarter" idx="10"/>
-          </p:nvPr>
-        </p:nvSpPr>
-        <p:spPr/>
-        <p:txBody>
-          <a:bodyPr/>
-          <a:lstStyle/>
-          <a:p>
-            <a:pPr marL="0" marR="0" lvl="0" indent="0" algn="r" defTabSz="914400" rtl="0" eaLnBrk="1" fontAlgn="auto" latinLnBrk="0" hangingPunct="1">
-              <a:lnSpc>
-                <a:spcPct val="100000"/>
-              </a:lnSpc>
-              <a:spcBef>
-                <a:spcPts val="0"/>
-              </a:spcBef>
-              <a:spcAft>
-                <a:spcPts val="0"/>
-              </a:spcAft>
-              <a:buClrTx/>
-              <a:buSzTx/>
-              <a:buFontTx/>
-              <a:buNone/>
-              <a:tabLst/>
-              <a:defRPr/>
-            </a:pPr>
-            <a:fld id="{C0F4A2C8-6C88-4E71-83EE-698B9D4FE22F}" type="slidenum">
-              <a:rPr kumimoji="0" lang="en-US" sz="1200" b="0" i="0" u="none" strike="noStrike" kern="1200" cap="none" spc="0" normalizeH="0" baseline="0" noProof="0" smtClean="0">
-                <a:ln>
-                  <a:noFill/>
-                </a:ln>
-                <a:solidFill>
-                  <a:prstClr val="black"/>
-                </a:solidFill>
-                <a:effectLst/>
-                <a:uLnTx/>
-                <a:uFillTx/>
-                <a:latin typeface="Arial" panose="020B0604020202020204" pitchFamily="34" charset="0"/>
-                <a:ea typeface="+mn-ea"/>
-                <a:cs typeface="+mn-cs"/>
-              </a:rPr>
-              <a:pPr marL="0" marR="0" lvl="0" indent="0" algn="r" defTabSz="914400" rtl="0" eaLnBrk="1" fontAlgn="auto" latinLnBrk="0" hangingPunct="1">
-                <a:lnSpc>
-                  <a:spcPct val="100000"/>
-                </a:lnSpc>
-                <a:spcBef>
-                  <a:spcPts val="0"/>
-                </a:spcBef>
-                <a:spcAft>
-                  <a:spcPts val="0"/>
-                </a:spcAft>
-                <a:buClrTx/>
-                <a:buSzTx/>
-                <a:buFontTx/>
-                <a:buNone/>
-                <a:tabLst/>
-                <a:defRPr/>
-              </a:pPr>
-              <a:t>15</a:t>
             </a:fld>
             <a:endParaRPr kumimoji="0" lang="en-US" sz="1200" b="0" i="0" u="none" strike="noStrike" kern="1200" cap="none" spc="0" normalizeH="0" baseline="0" noProof="0" dirty="0">
               <a:ln>
@@ -1483,7 +1387,7 @@
           <a:p>
             <a:fld id="{3944FC4A-92AA-4E6F-88EA-2DA877A0B57F}" type="datetimeFigureOut">
               <a:rPr lang="en-US" smtClean="0"/>
-              <a:t>3/31/2023</a:t>
+              <a:t>4/3/2023</a:t>
             </a:fld>
             <a:endParaRPr lang="en-US"/>
           </a:p>
@@ -1684,7 +1588,7 @@
           <a:p>
             <a:fld id="{3944FC4A-92AA-4E6F-88EA-2DA877A0B57F}" type="datetimeFigureOut">
               <a:rPr lang="en-US" smtClean="0"/>
-              <a:t>3/31/2023</a:t>
+              <a:t>4/3/2023</a:t>
             </a:fld>
             <a:endParaRPr lang="en-US"/>
           </a:p>
@@ -1895,7 +1799,7 @@
           <a:p>
             <a:fld id="{3944FC4A-92AA-4E6F-88EA-2DA877A0B57F}" type="datetimeFigureOut">
               <a:rPr lang="en-US" smtClean="0"/>
-              <a:t>3/31/2023</a:t>
+              <a:t>4/3/2023</a:t>
             </a:fld>
             <a:endParaRPr lang="en-US"/>
           </a:p>
@@ -4428,7 +4332,7 @@
           <a:p>
             <a:fld id="{3944FC4A-92AA-4E6F-88EA-2DA877A0B57F}" type="datetimeFigureOut">
               <a:rPr lang="en-US" smtClean="0"/>
-              <a:t>3/31/2023</a:t>
+              <a:t>4/3/2023</a:t>
             </a:fld>
             <a:endParaRPr lang="en-US"/>
           </a:p>
@@ -4706,7 +4610,7 @@
           <a:p>
             <a:fld id="{3944FC4A-92AA-4E6F-88EA-2DA877A0B57F}" type="datetimeFigureOut">
               <a:rPr lang="en-US" smtClean="0"/>
-              <a:t>3/31/2023</a:t>
+              <a:t>4/3/2023</a:t>
             </a:fld>
             <a:endParaRPr lang="en-US"/>
           </a:p>
@@ -4974,7 +4878,7 @@
           <a:p>
             <a:fld id="{3944FC4A-92AA-4E6F-88EA-2DA877A0B57F}" type="datetimeFigureOut">
               <a:rPr lang="en-US" smtClean="0"/>
-              <a:t>3/31/2023</a:t>
+              <a:t>4/3/2023</a:t>
             </a:fld>
             <a:endParaRPr lang="en-US"/>
           </a:p>
@@ -5389,7 +5293,7 @@
           <a:p>
             <a:fld id="{3944FC4A-92AA-4E6F-88EA-2DA877A0B57F}" type="datetimeFigureOut">
               <a:rPr lang="en-US" smtClean="0"/>
-              <a:t>3/31/2023</a:t>
+              <a:t>4/3/2023</a:t>
             </a:fld>
             <a:endParaRPr lang="en-US"/>
           </a:p>
@@ -5533,7 +5437,7 @@
           <a:p>
             <a:fld id="{3944FC4A-92AA-4E6F-88EA-2DA877A0B57F}" type="datetimeFigureOut">
               <a:rPr lang="en-US" smtClean="0"/>
-              <a:t>3/31/2023</a:t>
+              <a:t>4/3/2023</a:t>
             </a:fld>
             <a:endParaRPr lang="en-US"/>
           </a:p>
@@ -5649,7 +5553,7 @@
           <a:p>
             <a:fld id="{3944FC4A-92AA-4E6F-88EA-2DA877A0B57F}" type="datetimeFigureOut">
               <a:rPr lang="en-US" smtClean="0"/>
-              <a:t>3/31/2023</a:t>
+              <a:t>4/3/2023</a:t>
             </a:fld>
             <a:endParaRPr lang="en-US"/>
           </a:p>
@@ -5963,7 +5867,7 @@
           <a:p>
             <a:fld id="{3944FC4A-92AA-4E6F-88EA-2DA877A0B57F}" type="datetimeFigureOut">
               <a:rPr lang="en-US" smtClean="0"/>
-              <a:t>3/31/2023</a:t>
+              <a:t>4/3/2023</a:t>
             </a:fld>
             <a:endParaRPr lang="en-US"/>
           </a:p>
@@ -6254,7 +6158,7 @@
           <a:p>
             <a:fld id="{3944FC4A-92AA-4E6F-88EA-2DA877A0B57F}" type="datetimeFigureOut">
               <a:rPr lang="en-US" smtClean="0"/>
-              <a:t>3/31/2023</a:t>
+              <a:t>4/3/2023</a:t>
             </a:fld>
             <a:endParaRPr lang="en-US"/>
           </a:p>
@@ -6498,7 +6402,7 @@
           <a:p>
             <a:fld id="{3944FC4A-92AA-4E6F-88EA-2DA877A0B57F}" type="datetimeFigureOut">
               <a:rPr lang="en-US" smtClean="0"/>
-              <a:t>3/31/2023</a:t>
+              <a:t>4/3/2023</a:t>
             </a:fld>
             <a:endParaRPr lang="en-US"/>
           </a:p>
@@ -9726,544 +9630,6 @@
       </p:grpSpPr>
       <p:sp>
         <p:nvSpPr>
-          <p:cNvPr id="17" name="Rectangle 5"/>
-          <p:cNvSpPr>
-            <a:spLocks noChangeArrowheads="1"/>
-          </p:cNvSpPr>
-          <p:nvPr/>
-        </p:nvSpPr>
-        <p:spPr bwMode="auto">
-          <a:xfrm>
-            <a:off x="9084294" y="3725492"/>
-            <a:ext cx="2377440" cy="1166461"/>
-          </a:xfrm>
-          <a:prstGeom prst="rect">
-            <a:avLst/>
-          </a:prstGeom>
-          <a:solidFill>
-            <a:schemeClr val="bg2">
-              <a:lumMod val="50000"/>
-            </a:schemeClr>
-          </a:solidFill>
-          <a:ln w="12700" algn="ctr">
-            <a:solidFill>
-              <a:schemeClr val="tx1"/>
-            </a:solidFill>
-            <a:miter lim="800000"/>
-            <a:headEnd/>
-            <a:tailEnd/>
-          </a:ln>
-        </p:spPr>
-        <p:txBody>
-          <a:bodyPr wrap="square" lIns="88900" tIns="88900" rIns="88900" bIns="88900" anchor="ctr"/>
-          <a:lstStyle/>
-          <a:p>
-            <a:pPr algn="ctr">
-              <a:spcBef>
-                <a:spcPct val="0"/>
-              </a:spcBef>
-            </a:pPr>
-            <a:r>
-              <a:rPr lang="en-US" altLang="ja-JP" sz="1600" dirty="0">
-                <a:solidFill>
-                  <a:schemeClr val="bg1"/>
-                </a:solidFill>
-                <a:ea typeface="ＭＳ Ｐゴシック" pitchFamily="50" charset="-128"/>
-              </a:rPr>
-              <a:t>Of all the true Fraud predicted transactions, 81.14% were correctly predicted</a:t>
-            </a:r>
-          </a:p>
-        </p:txBody>
-      </p:sp>
-      <p:sp>
-        <p:nvSpPr>
-          <p:cNvPr id="21" name="Rectangle 9"/>
-          <p:cNvSpPr>
-            <a:spLocks noChangeArrowheads="1"/>
-          </p:cNvSpPr>
-          <p:nvPr/>
-        </p:nvSpPr>
-        <p:spPr bwMode="auto">
-          <a:xfrm>
-            <a:off x="9084294" y="1038432"/>
-            <a:ext cx="2377440" cy="822854"/>
-          </a:xfrm>
-          <a:prstGeom prst="rect">
-            <a:avLst/>
-          </a:prstGeom>
-          <a:solidFill>
-            <a:schemeClr val="bg2">
-              <a:lumMod val="50000"/>
-            </a:schemeClr>
-          </a:solidFill>
-          <a:ln w="12700" algn="ctr">
-            <a:solidFill>
-              <a:schemeClr val="tx1"/>
-            </a:solidFill>
-            <a:miter lim="800000"/>
-            <a:headEnd/>
-            <a:tailEnd/>
-          </a:ln>
-        </p:spPr>
-        <p:txBody>
-          <a:bodyPr wrap="square" lIns="88900" tIns="88900" rIns="88900" bIns="88900" anchor="ctr"/>
-          <a:lstStyle/>
-          <a:p>
-            <a:pPr algn="ctr">
-              <a:spcBef>
-                <a:spcPct val="0"/>
-              </a:spcBef>
-            </a:pPr>
-            <a:r>
-              <a:rPr lang="en-US" altLang="ja-JP" sz="1600" dirty="0">
-                <a:solidFill>
-                  <a:schemeClr val="bg1"/>
-                </a:solidFill>
-                <a:ea typeface="ＭＳ Ｐゴシック" pitchFamily="50" charset="-128"/>
-              </a:rPr>
-              <a:t>Correctly predicts Fraud transactions by 97.87% from both classes</a:t>
-            </a:r>
-          </a:p>
-        </p:txBody>
-      </p:sp>
-      <p:sp>
-        <p:nvSpPr>
-          <p:cNvPr id="13" name="Oval 11">
-            <a:extLst>
-              <a:ext uri="{FF2B5EF4-FFF2-40B4-BE49-F238E27FC236}">
-                <a16:creationId xmlns:a16="http://schemas.microsoft.com/office/drawing/2014/main" id="{B2D1E87E-F45D-4B99-A1D3-784B8AA2AF6E}"/>
-              </a:ext>
-            </a:extLst>
-          </p:cNvPr>
-          <p:cNvSpPr>
-            <a:spLocks noChangeArrowheads="1"/>
-          </p:cNvSpPr>
-          <p:nvPr/>
-        </p:nvSpPr>
-        <p:spPr bwMode="auto">
-          <a:xfrm>
-            <a:off x="6627854" y="2520675"/>
-            <a:ext cx="1828800" cy="1828800"/>
-          </a:xfrm>
-          <a:prstGeom prst="ellipse">
-            <a:avLst/>
-          </a:prstGeom>
-          <a:solidFill>
-            <a:srgbClr val="CC0066"/>
-          </a:solidFill>
-          <a:ln w="12700">
-            <a:noFill/>
-            <a:prstDash val="sysDot"/>
-            <a:round/>
-            <a:headEnd/>
-            <a:tailEnd/>
-          </a:ln>
-        </p:spPr>
-        <p:txBody>
-          <a:bodyPr wrap="square" lIns="88900" tIns="88900" rIns="88900" bIns="88900" anchor="ctr"/>
-          <a:lstStyle/>
-          <a:p>
-            <a:pPr algn="ctr">
-              <a:spcBef>
-                <a:spcPct val="0"/>
-              </a:spcBef>
-            </a:pPr>
-            <a:r>
-              <a:rPr lang="es-MX" altLang="ja-JP" dirty="0" err="1">
-                <a:solidFill>
-                  <a:schemeClr val="bg1"/>
-                </a:solidFill>
-                <a:ea typeface="ＭＳ Ｐゴシック" pitchFamily="50" charset="-128"/>
-              </a:rPr>
-              <a:t>Random</a:t>
-            </a:r>
-            <a:r>
-              <a:rPr lang="es-MX" altLang="ja-JP" dirty="0">
-                <a:solidFill>
-                  <a:schemeClr val="bg1"/>
-                </a:solidFill>
-                <a:ea typeface="ＭＳ Ｐゴシック" pitchFamily="50" charset="-128"/>
-              </a:rPr>
-              <a:t> Forest </a:t>
-            </a:r>
-            <a:r>
-              <a:rPr lang="es-MX" altLang="ja-JP" dirty="0" err="1">
-                <a:solidFill>
-                  <a:schemeClr val="bg1"/>
-                </a:solidFill>
-                <a:ea typeface="ＭＳ Ｐゴシック" pitchFamily="50" charset="-128"/>
-              </a:rPr>
-              <a:t>Classifier</a:t>
-            </a:r>
-            <a:endParaRPr lang="en-US" altLang="ja-JP" dirty="0">
-              <a:solidFill>
-                <a:schemeClr val="bg1"/>
-              </a:solidFill>
-              <a:ea typeface="ＭＳ Ｐゴシック" pitchFamily="50" charset="-128"/>
-            </a:endParaRPr>
-          </a:p>
-        </p:txBody>
-      </p:sp>
-      <p:sp>
-        <p:nvSpPr>
-          <p:cNvPr id="28" name="Rectangle 5">
-            <a:extLst>
-              <a:ext uri="{FF2B5EF4-FFF2-40B4-BE49-F238E27FC236}">
-                <a16:creationId xmlns:a16="http://schemas.microsoft.com/office/drawing/2014/main" id="{E7E5BFFE-7251-4759-91D4-A799EDB763B9}"/>
-              </a:ext>
-            </a:extLst>
-          </p:cNvPr>
-          <p:cNvSpPr>
-            <a:spLocks noChangeArrowheads="1"/>
-          </p:cNvSpPr>
-          <p:nvPr/>
-        </p:nvSpPr>
-        <p:spPr bwMode="auto">
-          <a:xfrm>
-            <a:off x="9084294" y="2152901"/>
-            <a:ext cx="2377440" cy="842613"/>
-          </a:xfrm>
-          <a:prstGeom prst="rect">
-            <a:avLst/>
-          </a:prstGeom>
-          <a:solidFill>
-            <a:schemeClr val="bg2">
-              <a:lumMod val="50000"/>
-            </a:schemeClr>
-          </a:solidFill>
-          <a:ln w="12700" algn="ctr">
-            <a:solidFill>
-              <a:schemeClr val="tx1"/>
-            </a:solidFill>
-            <a:miter lim="800000"/>
-            <a:headEnd/>
-            <a:tailEnd/>
-          </a:ln>
-        </p:spPr>
-        <p:txBody>
-          <a:bodyPr wrap="square" lIns="88900" tIns="88900" rIns="88900" bIns="88900" anchor="ctr"/>
-          <a:lstStyle/>
-          <a:p>
-            <a:pPr algn="ctr">
-              <a:spcBef>
-                <a:spcPct val="0"/>
-              </a:spcBef>
-            </a:pPr>
-            <a:r>
-              <a:rPr lang="en-US" altLang="ja-JP" sz="1600" dirty="0">
-                <a:solidFill>
-                  <a:schemeClr val="bg1"/>
-                </a:solidFill>
-                <a:ea typeface="ＭＳ Ｐゴシック" pitchFamily="50" charset="-128"/>
-              </a:rPr>
-              <a:t>Of all the Fraud predicted transactions, 99.97% were truly Fraud</a:t>
-            </a:r>
-          </a:p>
-        </p:txBody>
-      </p:sp>
-      <p:sp>
-        <p:nvSpPr>
-          <p:cNvPr id="84" name="Rectangle 5">
-            <a:extLst>
-              <a:ext uri="{FF2B5EF4-FFF2-40B4-BE49-F238E27FC236}">
-                <a16:creationId xmlns:a16="http://schemas.microsoft.com/office/drawing/2014/main" id="{8B3E5E27-C746-4732-9722-55FA5C1F9BE5}"/>
-              </a:ext>
-            </a:extLst>
-          </p:cNvPr>
-          <p:cNvSpPr>
-            <a:spLocks noChangeArrowheads="1"/>
-          </p:cNvSpPr>
-          <p:nvPr/>
-        </p:nvSpPr>
-        <p:spPr bwMode="auto">
-          <a:xfrm>
-            <a:off x="9084294" y="5203773"/>
-            <a:ext cx="2377440" cy="583230"/>
-          </a:xfrm>
-          <a:prstGeom prst="rect">
-            <a:avLst/>
-          </a:prstGeom>
-          <a:solidFill>
-            <a:schemeClr val="bg2">
-              <a:lumMod val="50000"/>
-            </a:schemeClr>
-          </a:solidFill>
-          <a:ln w="12700" algn="ctr">
-            <a:solidFill>
-              <a:schemeClr val="tx1"/>
-            </a:solidFill>
-            <a:miter lim="800000"/>
-            <a:headEnd/>
-            <a:tailEnd/>
-          </a:ln>
-        </p:spPr>
-        <p:txBody>
-          <a:bodyPr wrap="square" lIns="88900" tIns="88900" rIns="88900" bIns="88900" anchor="ctr"/>
-          <a:lstStyle/>
-          <a:p>
-            <a:pPr algn="ctr">
-              <a:spcBef>
-                <a:spcPct val="0"/>
-              </a:spcBef>
-            </a:pPr>
-            <a:r>
-              <a:rPr lang="en-US" altLang="ja-JP" sz="1600" dirty="0">
-                <a:solidFill>
-                  <a:schemeClr val="bg1"/>
-                </a:solidFill>
-                <a:ea typeface="ＭＳ Ｐゴシック" pitchFamily="50" charset="-128"/>
-              </a:rPr>
-              <a:t>F1-Score of 89.58%</a:t>
-            </a:r>
-          </a:p>
-        </p:txBody>
-      </p:sp>
-      <p:pic>
-        <p:nvPicPr>
-          <p:cNvPr id="14" name="Picture 13">
-            <a:extLst>
-              <a:ext uri="{FF2B5EF4-FFF2-40B4-BE49-F238E27FC236}">
-                <a16:creationId xmlns:a16="http://schemas.microsoft.com/office/drawing/2014/main" id="{AF7C270E-A7FB-4941-B436-17DD0935EE31}"/>
-              </a:ext>
-            </a:extLst>
-          </p:cNvPr>
-          <p:cNvPicPr>
-            <a:picLocks noChangeAspect="1"/>
-          </p:cNvPicPr>
-          <p:nvPr/>
-        </p:nvPicPr>
-        <p:blipFill rotWithShape="1">
-          <a:blip r:embed="rId3"/>
-          <a:srcRect l="19810" t="18533" r="24429" b="9855"/>
-          <a:stretch/>
-        </p:blipFill>
-        <p:spPr>
-          <a:xfrm>
-            <a:off x="442216" y="1377616"/>
-            <a:ext cx="5679307" cy="4102768"/>
-          </a:xfrm>
-          <a:prstGeom prst="rect">
-            <a:avLst/>
-          </a:prstGeom>
-          <a:ln>
-            <a:solidFill>
-              <a:schemeClr val="tx1"/>
-            </a:solidFill>
-          </a:ln>
-        </p:spPr>
-      </p:pic>
-      <p:cxnSp>
-        <p:nvCxnSpPr>
-          <p:cNvPr id="6" name="Straight Connector 5">
-            <a:extLst>
-              <a:ext uri="{FF2B5EF4-FFF2-40B4-BE49-F238E27FC236}">
-                <a16:creationId xmlns:a16="http://schemas.microsoft.com/office/drawing/2014/main" id="{B7CC3C23-80B7-480F-9084-06A99D8EDBB5}"/>
-              </a:ext>
-            </a:extLst>
-          </p:cNvPr>
-          <p:cNvCxnSpPr>
-            <a:stCxn id="13" idx="7"/>
-            <a:endCxn id="21" idx="1"/>
-          </p:cNvCxnSpPr>
-          <p:nvPr/>
-        </p:nvCxnSpPr>
-        <p:spPr>
-          <a:xfrm flipV="1">
-            <a:off x="8188832" y="1449859"/>
-            <a:ext cx="895462" cy="1338638"/>
-          </a:xfrm>
-          <a:prstGeom prst="line">
-            <a:avLst/>
-          </a:prstGeom>
-          <a:ln>
-            <a:solidFill>
-              <a:srgbClr val="CC0066"/>
-            </a:solidFill>
-          </a:ln>
-        </p:spPr>
-        <p:style>
-          <a:lnRef idx="1">
-            <a:schemeClr val="accent1"/>
-          </a:lnRef>
-          <a:fillRef idx="0">
-            <a:schemeClr val="accent1"/>
-          </a:fillRef>
-          <a:effectRef idx="0">
-            <a:schemeClr val="accent1"/>
-          </a:effectRef>
-          <a:fontRef idx="minor">
-            <a:schemeClr val="tx1"/>
-          </a:fontRef>
-        </p:style>
-      </p:cxnSp>
-      <p:cxnSp>
-        <p:nvCxnSpPr>
-          <p:cNvPr id="8" name="Straight Connector 7">
-            <a:extLst>
-              <a:ext uri="{FF2B5EF4-FFF2-40B4-BE49-F238E27FC236}">
-                <a16:creationId xmlns:a16="http://schemas.microsoft.com/office/drawing/2014/main" id="{63F3DEC1-AE99-4896-81D0-E7CCCF40F947}"/>
-              </a:ext>
-            </a:extLst>
-          </p:cNvPr>
-          <p:cNvCxnSpPr>
-            <a:stCxn id="13" idx="6"/>
-            <a:endCxn id="28" idx="1"/>
-          </p:cNvCxnSpPr>
-          <p:nvPr/>
-        </p:nvCxnSpPr>
-        <p:spPr>
-          <a:xfrm flipV="1">
-            <a:off x="8456654" y="2574208"/>
-            <a:ext cx="627640" cy="860867"/>
-          </a:xfrm>
-          <a:prstGeom prst="line">
-            <a:avLst/>
-          </a:prstGeom>
-          <a:ln>
-            <a:solidFill>
-              <a:srgbClr val="CC0066"/>
-            </a:solidFill>
-          </a:ln>
-        </p:spPr>
-        <p:style>
-          <a:lnRef idx="1">
-            <a:schemeClr val="accent1"/>
-          </a:lnRef>
-          <a:fillRef idx="0">
-            <a:schemeClr val="accent1"/>
-          </a:fillRef>
-          <a:effectRef idx="0">
-            <a:schemeClr val="accent1"/>
-          </a:effectRef>
-          <a:fontRef idx="minor">
-            <a:schemeClr val="tx1"/>
-          </a:fontRef>
-        </p:style>
-      </p:cxnSp>
-      <p:cxnSp>
-        <p:nvCxnSpPr>
-          <p:cNvPr id="10" name="Straight Connector 9">
-            <a:extLst>
-              <a:ext uri="{FF2B5EF4-FFF2-40B4-BE49-F238E27FC236}">
-                <a16:creationId xmlns:a16="http://schemas.microsoft.com/office/drawing/2014/main" id="{7811C38F-CA34-4504-BC36-35C635F063FD}"/>
-              </a:ext>
-            </a:extLst>
-          </p:cNvPr>
-          <p:cNvCxnSpPr>
-            <a:stCxn id="13" idx="6"/>
-            <a:endCxn id="17" idx="1"/>
-          </p:cNvCxnSpPr>
-          <p:nvPr/>
-        </p:nvCxnSpPr>
-        <p:spPr>
-          <a:xfrm>
-            <a:off x="8456654" y="3435075"/>
-            <a:ext cx="627640" cy="873648"/>
-          </a:xfrm>
-          <a:prstGeom prst="line">
-            <a:avLst/>
-          </a:prstGeom>
-          <a:ln>
-            <a:solidFill>
-              <a:srgbClr val="CC0066"/>
-            </a:solidFill>
-          </a:ln>
-        </p:spPr>
-        <p:style>
-          <a:lnRef idx="1">
-            <a:schemeClr val="accent1"/>
-          </a:lnRef>
-          <a:fillRef idx="0">
-            <a:schemeClr val="accent1"/>
-          </a:fillRef>
-          <a:effectRef idx="0">
-            <a:schemeClr val="accent1"/>
-          </a:effectRef>
-          <a:fontRef idx="minor">
-            <a:schemeClr val="tx1"/>
-          </a:fontRef>
-        </p:style>
-      </p:cxnSp>
-      <p:cxnSp>
-        <p:nvCxnSpPr>
-          <p:cNvPr id="12" name="Straight Connector 11">
-            <a:extLst>
-              <a:ext uri="{FF2B5EF4-FFF2-40B4-BE49-F238E27FC236}">
-                <a16:creationId xmlns:a16="http://schemas.microsoft.com/office/drawing/2014/main" id="{73C115B1-5906-45A2-BEA1-CFAF4EBE555F}"/>
-              </a:ext>
-            </a:extLst>
-          </p:cNvPr>
-          <p:cNvCxnSpPr>
-            <a:cxnSpLocks/>
-            <a:stCxn id="13" idx="5"/>
-            <a:endCxn id="84" idx="1"/>
-          </p:cNvCxnSpPr>
-          <p:nvPr/>
-        </p:nvCxnSpPr>
-        <p:spPr>
-          <a:xfrm>
-            <a:off x="8188832" y="4081653"/>
-            <a:ext cx="895462" cy="1413735"/>
-          </a:xfrm>
-          <a:prstGeom prst="line">
-            <a:avLst/>
-          </a:prstGeom>
-          <a:ln>
-            <a:solidFill>
-              <a:srgbClr val="CC0066"/>
-            </a:solidFill>
-          </a:ln>
-        </p:spPr>
-        <p:style>
-          <a:lnRef idx="1">
-            <a:schemeClr val="accent1"/>
-          </a:lnRef>
-          <a:fillRef idx="0">
-            <a:schemeClr val="accent1"/>
-          </a:fillRef>
-          <a:effectRef idx="0">
-            <a:schemeClr val="accent1"/>
-          </a:effectRef>
-          <a:fontRef idx="minor">
-            <a:schemeClr val="tx1"/>
-          </a:fontRef>
-        </p:style>
-      </p:cxnSp>
-    </p:spTree>
-    <p:extLst>
-      <p:ext uri="{BB962C8B-B14F-4D97-AF65-F5344CB8AC3E}">
-        <p14:creationId xmlns:p14="http://schemas.microsoft.com/office/powerpoint/2010/main" val="2310656867"/>
-      </p:ext>
-    </p:extLst>
-  </p:cSld>
-  <p:clrMapOvr>
-    <a:masterClrMapping/>
-  </p:clrMapOvr>
-  <p:transition spd="slow">
-    <p:push dir="u"/>
-  </p:transition>
-</p:sld>
-</file>
-
-<file path=ppt/slides/slide14.xml><?xml version="1.0" encoding="utf-8"?>
-<p:sld xmlns:a="http://schemas.openxmlformats.org/drawingml/2006/main" xmlns:r="http://schemas.openxmlformats.org/officeDocument/2006/relationships" xmlns:p="http://schemas.openxmlformats.org/presentationml/2006/main">
-  <p:cSld>
-    <p:spTree>
-      <p:nvGrpSpPr>
-        <p:cNvPr id="1" name=""/>
-        <p:cNvGrpSpPr/>
-        <p:nvPr/>
-      </p:nvGrpSpPr>
-      <p:grpSpPr>
-        <a:xfrm>
-          <a:off x="0" y="0"/>
-          <a:ext cx="0" cy="0"/>
-          <a:chOff x="0" y="0"/>
-          <a:chExt cx="0" cy="0"/>
-        </a:xfrm>
-      </p:grpSpPr>
-      <p:sp>
-        <p:nvSpPr>
           <p:cNvPr id="8" name="Title 7">
             <a:extLst>
               <a:ext uri="{FF2B5EF4-FFF2-40B4-BE49-F238E27FC236}">
@@ -10316,7 +9682,7 @@
 </p:sld>
 </file>
 
-<file path=ppt/slides/slide15.xml><?xml version="1.0" encoding="utf-8"?>
+<file path=ppt/slides/slide14.xml><?xml version="1.0" encoding="utf-8"?>
 <p:sld xmlns:a="http://schemas.openxmlformats.org/drawingml/2006/main" xmlns:r="http://schemas.openxmlformats.org/officeDocument/2006/relationships" xmlns:p="http://schemas.openxmlformats.org/presentationml/2006/main">
   <p:cSld>
     <p:spTree>
